--- a/08-Backends-1.pptx
+++ b/08-Backends-1.pptx
@@ -40,16 +40,19 @@
     <p:sldId id="285" r:id="rId34"/>
     <p:sldId id="286" r:id="rId35"/>
     <p:sldId id="287" r:id="rId36"/>
+    <p:sldId id="288" r:id="rId37"/>
+    <p:sldId id="289" r:id="rId38"/>
+    <p:sldId id="290" r:id="rId39"/>
   </p:sldIdLst>
   <p:sldSz cy="6858000" cx="12192000"/>
   <p:notesSz cx="6858000" cy="9144000"/>
   <p:embeddedFontLst>
     <p:embeddedFont>
       <p:font typeface="Helvetica Neue"/>
-      <p:regular r:id="rId37"/>
-      <p:bold r:id="rId38"/>
-      <p:italic r:id="rId39"/>
-      <p:boldItalic r:id="rId40"/>
+      <p:regular r:id="rId40"/>
+      <p:bold r:id="rId41"/>
+      <p:italic r:id="rId42"/>
+      <p:boldItalic r:id="rId43"/>
     </p:embeddedFont>
   </p:embeddedFontLst>
   <p:defaultTextStyle>
@@ -283,7 +286,7 @@
   </p:defaultTextStyle>
   <p:extLst>
     <p:ext uri="GoogleSlidesCustomDataVersion2">
-      <go:slidesCustomData xmlns:go="http://customooxmlschemas.google.com/" r:id="rId41" roundtripDataSignature="AMtx7mhDVkSs2AlgrP680+DSRe0mBAp3Uw=="/>
+      <go:slidesCustomData xmlns:go="http://customooxmlschemas.google.com/" r:id="rId44" roundtripDataSignature="AMtx7mgqJqSPYkZmhUXikBoIIAK6of3ooA=="/>
     </p:ext>
   </p:extLst>
 </p:presentation>
@@ -1722,7 +1725,7 @@
   <p:cSld>
     <p:spTree>
       <p:nvGrpSpPr>
-        <p:cNvPr id="91" name="Shape 91"/>
+        <p:cNvPr id="95" name="Shape 95"/>
         <p:cNvGrpSpPr/>
         <p:nvPr/>
       </p:nvGrpSpPr>
@@ -1736,7 +1739,118 @@
       </p:grpSpPr>
       <p:sp>
         <p:nvSpPr>
-          <p:cNvPr id="92" name="Google Shape;92;p1:notes"/>
+          <p:cNvPr id="96" name="Google Shape;96;g3474fa1927f_0_24:notes"/>
+          <p:cNvSpPr txBox="1"/>
+          <p:nvPr>
+            <p:ph idx="1" type="body"/>
+          </p:nvPr>
+        </p:nvSpPr>
+        <p:spPr>
+          <a:xfrm>
+            <a:off x="914400" y="4343400"/>
+            <a:ext cx="5029200" cy="4114800"/>
+          </a:xfrm>
+          <a:prstGeom prst="rect">
+            <a:avLst/>
+          </a:prstGeom>
+          <a:noFill/>
+          <a:ln>
+            <a:noFill/>
+          </a:ln>
+        </p:spPr>
+        <p:txBody>
+          <a:bodyPr anchorCtr="0" anchor="t" bIns="45700" lIns="91425" spcFirstLastPara="1" rIns="91425" wrap="square" tIns="45700">
+            <a:noAutofit/>
+          </a:bodyPr>
+          <a:lstStyle/>
+          <a:p>
+            <a:pPr indent="0" lvl="0" marL="0" rtl="0" algn="l">
+              <a:lnSpc>
+                <a:spcPct val="117999"/>
+              </a:lnSpc>
+              <a:spcBef>
+                <a:spcPts val="0"/>
+              </a:spcBef>
+              <a:spcAft>
+                <a:spcPts val="0"/>
+              </a:spcAft>
+              <a:buSzPts val="1400"/>
+              <a:buNone/>
+            </a:pPr>
+            <a:r>
+              <a:t/>
+            </a:r>
+            <a:endParaRPr/>
+          </a:p>
+        </p:txBody>
+      </p:sp>
+      <p:sp>
+        <p:nvSpPr>
+          <p:cNvPr id="97" name="Google Shape;97;g3474fa1927f_0_24:notes"/>
+          <p:cNvSpPr/>
+          <p:nvPr>
+            <p:ph idx="2" type="sldImg"/>
+          </p:nvPr>
+        </p:nvSpPr>
+        <p:spPr>
+          <a:xfrm>
+            <a:off x="381000" y="685800"/>
+            <a:ext cx="6096000" cy="3429000"/>
+          </a:xfrm>
+          <a:custGeom>
+            <a:rect b="b" l="l" r="r" t="t"/>
+            <a:pathLst>
+              <a:path extrusionOk="0" h="120000" w="120000">
+                <a:moveTo>
+                  <a:pt x="0" y="0"/>
+                </a:moveTo>
+                <a:lnTo>
+                  <a:pt x="120000" y="0"/>
+                </a:lnTo>
+                <a:lnTo>
+                  <a:pt x="120000" y="120000"/>
+                </a:lnTo>
+                <a:lnTo>
+                  <a:pt x="0" y="120000"/>
+                </a:lnTo>
+                <a:close/>
+              </a:path>
+            </a:pathLst>
+          </a:custGeom>
+          <a:noFill/>
+          <a:ln>
+            <a:noFill/>
+          </a:ln>
+        </p:spPr>
+      </p:sp>
+    </p:spTree>
+  </p:cSld>
+  <p:clrMapOvr>
+    <a:masterClrMapping/>
+  </p:clrMapOvr>
+</p:notes>
+</file>
+
+<file path=ppt/notesSlides/notesSlide10.xml><?xml version="1.0" encoding="utf-8"?>
+<p:notes xmlns:a="http://schemas.openxmlformats.org/drawingml/2006/main" xmlns:r="http://schemas.openxmlformats.org/officeDocument/2006/relationships" xmlns:mc="http://schemas.openxmlformats.org/markup-compatibility/2006" xmlns:mv="urn:schemas-microsoft-com:mac:vml" xmlns:p="http://schemas.openxmlformats.org/presentationml/2006/main" xmlns:c="http://schemas.openxmlformats.org/drawingml/2006/chart" xmlns:dgm="http://schemas.openxmlformats.org/drawingml/2006/diagram" xmlns:o="urn:schemas-microsoft-com:office:office" xmlns:v="urn:schemas-microsoft-com:vml" xmlns:pvml="urn:schemas-microsoft-com:office:powerpoint" xmlns:com="http://schemas.openxmlformats.org/drawingml/2006/compatibility" xmlns:p14="http://schemas.microsoft.com/office/powerpoint/2010/main" xmlns:p15="http://schemas.microsoft.com/office/powerpoint/2012/main" xmlns:ahyp="http://schemas.microsoft.com/office/drawing/2018/hyperlinkcolor" showMasterPhAnim="0" showMasterSp="0">
+  <p:cSld>
+    <p:spTree>
+      <p:nvGrpSpPr>
+        <p:cNvPr id="179" name="Shape 179"/>
+        <p:cNvGrpSpPr/>
+        <p:nvPr/>
+      </p:nvGrpSpPr>
+      <p:grpSpPr>
+        <a:xfrm>
+          <a:off x="0" y="0"/>
+          <a:ext cx="0" cy="0"/>
+          <a:chOff x="0" y="0"/>
+          <a:chExt cx="0" cy="0"/>
+        </a:xfrm>
+      </p:grpSpPr>
+      <p:sp>
+        <p:nvSpPr>
+          <p:cNvPr id="180" name="Google Shape;180;p8:notes"/>
           <p:cNvSpPr txBox="1"/>
           <p:nvPr>
             <p:ph idx="1" type="body"/>
@@ -1783,124 +1897,7 @@
       </p:sp>
       <p:sp>
         <p:nvSpPr>
-          <p:cNvPr id="93" name="Google Shape;93;p1:notes"/>
-          <p:cNvSpPr/>
-          <p:nvPr>
-            <p:ph idx="2" type="sldImg"/>
-          </p:nvPr>
-        </p:nvSpPr>
-        <p:spPr>
-          <a:xfrm>
-            <a:off x="685800" y="1143000"/>
-            <a:ext cx="5486400" cy="3086100"/>
-          </a:xfrm>
-          <a:custGeom>
-            <a:rect b="b" l="l" r="r" t="t"/>
-            <a:pathLst>
-              <a:path extrusionOk="0" h="120000" w="120000">
-                <a:moveTo>
-                  <a:pt x="0" y="0"/>
-                </a:moveTo>
-                <a:lnTo>
-                  <a:pt x="120000" y="0"/>
-                </a:lnTo>
-                <a:lnTo>
-                  <a:pt x="120000" y="120000"/>
-                </a:lnTo>
-                <a:lnTo>
-                  <a:pt x="0" y="120000"/>
-                </a:lnTo>
-                <a:close/>
-              </a:path>
-            </a:pathLst>
-          </a:custGeom>
-          <a:noFill/>
-          <a:ln cap="flat" cmpd="sng" w="12700">
-            <a:solidFill>
-              <a:srgbClr val="000000"/>
-            </a:solidFill>
-            <a:prstDash val="solid"/>
-            <a:round/>
-            <a:headEnd len="sm" w="sm" type="none"/>
-            <a:tailEnd len="sm" w="sm" type="none"/>
-          </a:ln>
-        </p:spPr>
-      </p:sp>
-    </p:spTree>
-  </p:cSld>
-  <p:clrMapOvr>
-    <a:masterClrMapping/>
-  </p:clrMapOvr>
-</p:notes>
-</file>
-
-<file path=ppt/notesSlides/notesSlide10.xml><?xml version="1.0" encoding="utf-8"?>
-<p:notes xmlns:a="http://schemas.openxmlformats.org/drawingml/2006/main" xmlns:r="http://schemas.openxmlformats.org/officeDocument/2006/relationships" xmlns:mc="http://schemas.openxmlformats.org/markup-compatibility/2006" xmlns:mv="urn:schemas-microsoft-com:mac:vml" xmlns:p="http://schemas.openxmlformats.org/presentationml/2006/main" xmlns:c="http://schemas.openxmlformats.org/drawingml/2006/chart" xmlns:dgm="http://schemas.openxmlformats.org/drawingml/2006/diagram" xmlns:o="urn:schemas-microsoft-com:office:office" xmlns:v="urn:schemas-microsoft-com:vml" xmlns:pvml="urn:schemas-microsoft-com:office:powerpoint" xmlns:com="http://schemas.openxmlformats.org/drawingml/2006/compatibility" xmlns:p14="http://schemas.microsoft.com/office/powerpoint/2010/main" xmlns:p15="http://schemas.microsoft.com/office/powerpoint/2012/main" xmlns:ahyp="http://schemas.microsoft.com/office/drawing/2018/hyperlinkcolor" showMasterPhAnim="0" showMasterSp="0">
-  <p:cSld>
-    <p:spTree>
-      <p:nvGrpSpPr>
-        <p:cNvPr id="160" name="Shape 160"/>
-        <p:cNvGrpSpPr/>
-        <p:nvPr/>
-      </p:nvGrpSpPr>
-      <p:grpSpPr>
-        <a:xfrm>
-          <a:off x="0" y="0"/>
-          <a:ext cx="0" cy="0"/>
-          <a:chOff x="0" y="0"/>
-          <a:chExt cx="0" cy="0"/>
-        </a:xfrm>
-      </p:grpSpPr>
-      <p:sp>
-        <p:nvSpPr>
-          <p:cNvPr id="161" name="Google Shape;161;p9:notes"/>
-          <p:cNvSpPr txBox="1"/>
-          <p:nvPr>
-            <p:ph idx="1" type="body"/>
-          </p:nvPr>
-        </p:nvSpPr>
-        <p:spPr>
-          <a:xfrm>
-            <a:off x="685800" y="4400550"/>
-            <a:ext cx="5486400" cy="3600450"/>
-          </a:xfrm>
-          <a:prstGeom prst="rect">
-            <a:avLst/>
-          </a:prstGeom>
-          <a:noFill/>
-          <a:ln>
-            <a:noFill/>
-          </a:ln>
-        </p:spPr>
-        <p:txBody>
-          <a:bodyPr anchorCtr="0" anchor="t" bIns="45700" lIns="91425" spcFirstLastPara="1" rIns="91425" wrap="square" tIns="45700">
-            <a:noAutofit/>
-          </a:bodyPr>
-          <a:lstStyle/>
-          <a:p>
-            <a:pPr indent="0" lvl="0" marL="0" rtl="0" algn="l">
-              <a:lnSpc>
-                <a:spcPct val="100000"/>
-              </a:lnSpc>
-              <a:spcBef>
-                <a:spcPts val="0"/>
-              </a:spcBef>
-              <a:spcAft>
-                <a:spcPts val="0"/>
-              </a:spcAft>
-              <a:buSzPts val="1400"/>
-              <a:buNone/>
-            </a:pPr>
-            <a:r>
-              <a:t/>
-            </a:r>
-            <a:endParaRPr/>
-          </a:p>
-        </p:txBody>
-      </p:sp>
-      <p:sp>
-        <p:nvSpPr>
-          <p:cNvPr id="162" name="Google Shape;162;p9:notes"/>
+          <p:cNvPr id="181" name="Google Shape;181;p8:notes"/>
           <p:cNvSpPr/>
           <p:nvPr>
             <p:ph idx="2" type="sldImg"/>
@@ -1956,7 +1953,7 @@
   <p:cSld>
     <p:spTree>
       <p:nvGrpSpPr>
-        <p:cNvPr id="168" name="Shape 168"/>
+        <p:cNvPr id="186" name="Shape 186"/>
         <p:cNvGrpSpPr/>
         <p:nvPr/>
       </p:nvGrpSpPr>
@@ -1970,7 +1967,7 @@
       </p:grpSpPr>
       <p:sp>
         <p:nvSpPr>
-          <p:cNvPr id="169" name="Google Shape;169;p10:notes"/>
+          <p:cNvPr id="187" name="Google Shape;187;p9:notes"/>
           <p:cNvSpPr txBox="1"/>
           <p:nvPr>
             <p:ph idx="1" type="body"/>
@@ -2017,7 +2014,7 @@
       </p:sp>
       <p:sp>
         <p:nvSpPr>
-          <p:cNvPr id="170" name="Google Shape;170;p10:notes"/>
+          <p:cNvPr id="188" name="Google Shape;188;p9:notes"/>
           <p:cNvSpPr/>
           <p:nvPr>
             <p:ph idx="2" type="sldImg"/>
@@ -2073,7 +2070,7 @@
   <p:cSld>
     <p:spTree>
       <p:nvGrpSpPr>
-        <p:cNvPr id="174" name="Shape 174"/>
+        <p:cNvPr id="194" name="Shape 194"/>
         <p:cNvGrpSpPr/>
         <p:nvPr/>
       </p:nvGrpSpPr>
@@ -2087,7 +2084,7 @@
       </p:grpSpPr>
       <p:sp>
         <p:nvSpPr>
-          <p:cNvPr id="175" name="Google Shape;175;p11:notes"/>
+          <p:cNvPr id="195" name="Google Shape;195;p10:notes"/>
           <p:cNvSpPr txBox="1"/>
           <p:nvPr>
             <p:ph idx="1" type="body"/>
@@ -2134,7 +2131,7 @@
       </p:sp>
       <p:sp>
         <p:nvSpPr>
-          <p:cNvPr id="176" name="Google Shape;176;p11:notes"/>
+          <p:cNvPr id="196" name="Google Shape;196;p10:notes"/>
           <p:cNvSpPr/>
           <p:nvPr>
             <p:ph idx="2" type="sldImg"/>
@@ -2190,7 +2187,7 @@
   <p:cSld>
     <p:spTree>
       <p:nvGrpSpPr>
-        <p:cNvPr id="181" name="Shape 181"/>
+        <p:cNvPr id="200" name="Shape 200"/>
         <p:cNvGrpSpPr/>
         <p:nvPr/>
       </p:nvGrpSpPr>
@@ -2204,7 +2201,7 @@
       </p:grpSpPr>
       <p:sp>
         <p:nvSpPr>
-          <p:cNvPr id="182" name="Google Shape;182;p12:notes"/>
+          <p:cNvPr id="201" name="Google Shape;201;p11:notes"/>
           <p:cNvSpPr txBox="1"/>
           <p:nvPr>
             <p:ph idx="1" type="body"/>
@@ -2251,7 +2248,7 @@
       </p:sp>
       <p:sp>
         <p:nvSpPr>
-          <p:cNvPr id="183" name="Google Shape;183;p12:notes"/>
+          <p:cNvPr id="202" name="Google Shape;202;p11:notes"/>
           <p:cNvSpPr/>
           <p:nvPr>
             <p:ph idx="2" type="sldImg"/>
@@ -2307,7 +2304,7 @@
   <p:cSld>
     <p:spTree>
       <p:nvGrpSpPr>
-        <p:cNvPr id="189" name="Shape 189"/>
+        <p:cNvPr id="207" name="Shape 207"/>
         <p:cNvGrpSpPr/>
         <p:nvPr/>
       </p:nvGrpSpPr>
@@ -2321,7 +2318,7 @@
       </p:grpSpPr>
       <p:sp>
         <p:nvSpPr>
-          <p:cNvPr id="190" name="Google Shape;190;p13:notes"/>
+          <p:cNvPr id="208" name="Google Shape;208;p12:notes"/>
           <p:cNvSpPr txBox="1"/>
           <p:nvPr>
             <p:ph idx="1" type="body"/>
@@ -2368,7 +2365,7 @@
       </p:sp>
       <p:sp>
         <p:nvSpPr>
-          <p:cNvPr id="191" name="Google Shape;191;p13:notes"/>
+          <p:cNvPr id="209" name="Google Shape;209;p12:notes"/>
           <p:cNvSpPr/>
           <p:nvPr>
             <p:ph idx="2" type="sldImg"/>
@@ -2424,7 +2421,7 @@
   <p:cSld>
     <p:spTree>
       <p:nvGrpSpPr>
-        <p:cNvPr id="195" name="Shape 195"/>
+        <p:cNvPr id="215" name="Shape 215"/>
         <p:cNvGrpSpPr/>
         <p:nvPr/>
       </p:nvGrpSpPr>
@@ -2438,7 +2435,7 @@
       </p:grpSpPr>
       <p:sp>
         <p:nvSpPr>
-          <p:cNvPr id="196" name="Google Shape;196;p14:notes"/>
+          <p:cNvPr id="216" name="Google Shape;216;p13:notes"/>
           <p:cNvSpPr txBox="1"/>
           <p:nvPr>
             <p:ph idx="1" type="body"/>
@@ -2485,7 +2482,7 @@
       </p:sp>
       <p:sp>
         <p:nvSpPr>
-          <p:cNvPr id="197" name="Google Shape;197;p14:notes"/>
+          <p:cNvPr id="217" name="Google Shape;217;p13:notes"/>
           <p:cNvSpPr/>
           <p:nvPr>
             <p:ph idx="2" type="sldImg"/>
@@ -2541,7 +2538,7 @@
   <p:cSld>
     <p:spTree>
       <p:nvGrpSpPr>
-        <p:cNvPr id="202" name="Shape 202"/>
+        <p:cNvPr id="221" name="Shape 221"/>
         <p:cNvGrpSpPr/>
         <p:nvPr/>
       </p:nvGrpSpPr>
@@ -2555,151 +2552,7 @@
       </p:grpSpPr>
       <p:sp>
         <p:nvSpPr>
-          <p:cNvPr id="203" name="Google Shape;203;g2c81fcb20f4_2_1:notes"/>
-          <p:cNvSpPr/>
-          <p:nvPr>
-            <p:ph idx="2" type="sldImg"/>
-          </p:nvPr>
-        </p:nvSpPr>
-        <p:spPr>
-          <a:xfrm>
-            <a:off x="685800" y="1143000"/>
-            <a:ext cx="5486400" cy="3086100"/>
-          </a:xfrm>
-          <a:custGeom>
-            <a:rect b="b" l="l" r="r" t="t"/>
-            <a:pathLst>
-              <a:path extrusionOk="0" h="120000" w="120000">
-                <a:moveTo>
-                  <a:pt x="0" y="0"/>
-                </a:moveTo>
-                <a:lnTo>
-                  <a:pt x="120000" y="0"/>
-                </a:lnTo>
-                <a:lnTo>
-                  <a:pt x="120000" y="120000"/>
-                </a:lnTo>
-                <a:lnTo>
-                  <a:pt x="0" y="120000"/>
-                </a:lnTo>
-                <a:close/>
-              </a:path>
-            </a:pathLst>
-          </a:custGeom>
-        </p:spPr>
-      </p:sp>
-      <p:sp>
-        <p:nvSpPr>
-          <p:cNvPr id="204" name="Google Shape;204;g2c81fcb20f4_2_1:notes"/>
-          <p:cNvSpPr txBox="1"/>
-          <p:nvPr>
-            <p:ph idx="1" type="body"/>
-          </p:nvPr>
-        </p:nvSpPr>
-        <p:spPr>
-          <a:xfrm>
-            <a:off x="685800" y="4400550"/>
-            <a:ext cx="5486400" cy="3600600"/>
-          </a:xfrm>
-          <a:prstGeom prst="rect">
-            <a:avLst/>
-          </a:prstGeom>
-        </p:spPr>
-        <p:txBody>
-          <a:bodyPr anchorCtr="0" anchor="t" bIns="45700" lIns="91425" spcFirstLastPara="1" rIns="91425" wrap="square" tIns="45700">
-            <a:noAutofit/>
-          </a:bodyPr>
-          <a:lstStyle/>
-          <a:p>
-            <a:pPr indent="0" lvl="0" marL="0" rtl="0" algn="l">
-              <a:spcBef>
-                <a:spcPts val="0"/>
-              </a:spcBef>
-              <a:spcAft>
-                <a:spcPts val="0"/>
-              </a:spcAft>
-              <a:buNone/>
-            </a:pPr>
-            <a:r>
-              <a:t/>
-            </a:r>
-            <a:endParaRPr/>
-          </a:p>
-        </p:txBody>
-      </p:sp>
-      <p:sp>
-        <p:nvSpPr>
-          <p:cNvPr id="205" name="Google Shape;205;g2c81fcb20f4_2_1:notes"/>
-          <p:cNvSpPr txBox="1"/>
-          <p:nvPr>
-            <p:ph idx="12" type="sldNum"/>
-          </p:nvPr>
-        </p:nvSpPr>
-        <p:spPr>
-          <a:xfrm>
-            <a:off x="3884613" y="8685213"/>
-            <a:ext cx="2971800" cy="458700"/>
-          </a:xfrm>
-          <a:prstGeom prst="rect">
-            <a:avLst/>
-          </a:prstGeom>
-        </p:spPr>
-        <p:txBody>
-          <a:bodyPr anchorCtr="0" anchor="b" bIns="45700" lIns="91425" spcFirstLastPara="1" rIns="91425" wrap="square" tIns="45700">
-            <a:noAutofit/>
-          </a:bodyPr>
-          <a:lstStyle/>
-          <a:p>
-            <a:pPr indent="0" lvl="0" marL="0" rtl="0" algn="r">
-              <a:spcBef>
-                <a:spcPts val="0"/>
-              </a:spcBef>
-              <a:spcAft>
-                <a:spcPts val="0"/>
-              </a:spcAft>
-              <a:buClr>
-                <a:srgbClr val="000000"/>
-              </a:buClr>
-              <a:buSzPts val="1200"/>
-              <a:buFont typeface="Arial"/>
-              <a:buNone/>
-            </a:pPr>
-            <a:fld id="{00000000-1234-1234-1234-123412341234}" type="slidenum">
-              <a:rPr lang="en-US"/>
-              <a:t>‹#›</a:t>
-            </a:fld>
-            <a:endParaRPr/>
-          </a:p>
-        </p:txBody>
-      </p:sp>
-    </p:spTree>
-  </p:cSld>
-  <p:clrMapOvr>
-    <a:masterClrMapping/>
-  </p:clrMapOvr>
-</p:notes>
-</file>
-
-<file path=ppt/notesSlides/notesSlide17.xml><?xml version="1.0" encoding="utf-8"?>
-<p:notes xmlns:a="http://schemas.openxmlformats.org/drawingml/2006/main" xmlns:r="http://schemas.openxmlformats.org/officeDocument/2006/relationships" xmlns:mc="http://schemas.openxmlformats.org/markup-compatibility/2006" xmlns:mv="urn:schemas-microsoft-com:mac:vml" xmlns:p="http://schemas.openxmlformats.org/presentationml/2006/main" xmlns:c="http://schemas.openxmlformats.org/drawingml/2006/chart" xmlns:dgm="http://schemas.openxmlformats.org/drawingml/2006/diagram" xmlns:o="urn:schemas-microsoft-com:office:office" xmlns:v="urn:schemas-microsoft-com:vml" xmlns:pvml="urn:schemas-microsoft-com:office:powerpoint" xmlns:com="http://schemas.openxmlformats.org/drawingml/2006/compatibility" xmlns:p14="http://schemas.microsoft.com/office/powerpoint/2010/main" xmlns:p15="http://schemas.microsoft.com/office/powerpoint/2012/main" xmlns:ahyp="http://schemas.microsoft.com/office/drawing/2018/hyperlinkcolor" showMasterPhAnim="0" showMasterSp="0">
-  <p:cSld>
-    <p:spTree>
-      <p:nvGrpSpPr>
-        <p:cNvPr id="210" name="Shape 210"/>
-        <p:cNvGrpSpPr/>
-        <p:nvPr/>
-      </p:nvGrpSpPr>
-      <p:grpSpPr>
-        <a:xfrm>
-          <a:off x="0" y="0"/>
-          <a:ext cx="0" cy="0"/>
-          <a:chOff x="0" y="0"/>
-          <a:chExt cx="0" cy="0"/>
-        </a:xfrm>
-      </p:grpSpPr>
-      <p:sp>
-        <p:nvSpPr>
-          <p:cNvPr id="211" name="Google Shape;211;p15:notes"/>
+          <p:cNvPr id="222" name="Google Shape;222;p14:notes"/>
           <p:cNvSpPr txBox="1"/>
           <p:nvPr>
             <p:ph idx="1" type="body"/>
@@ -2746,7 +2599,7 @@
       </p:sp>
       <p:sp>
         <p:nvSpPr>
-          <p:cNvPr id="212" name="Google Shape;212;p15:notes"/>
+          <p:cNvPr id="223" name="Google Shape;223;p14:notes"/>
           <p:cNvSpPr/>
           <p:nvPr>
             <p:ph idx="2" type="sldImg"/>
@@ -2797,12 +2650,12 @@
 </p:notes>
 </file>
 
-<file path=ppt/notesSlides/notesSlide18.xml><?xml version="1.0" encoding="utf-8"?>
+<file path=ppt/notesSlides/notesSlide17.xml><?xml version="1.0" encoding="utf-8"?>
 <p:notes xmlns:a="http://schemas.openxmlformats.org/drawingml/2006/main" xmlns:r="http://schemas.openxmlformats.org/officeDocument/2006/relationships" xmlns:mc="http://schemas.openxmlformats.org/markup-compatibility/2006" xmlns:mv="urn:schemas-microsoft-com:mac:vml" xmlns:p="http://schemas.openxmlformats.org/presentationml/2006/main" xmlns:c="http://schemas.openxmlformats.org/drawingml/2006/chart" xmlns:dgm="http://schemas.openxmlformats.org/drawingml/2006/diagram" xmlns:o="urn:schemas-microsoft-com:office:office" xmlns:v="urn:schemas-microsoft-com:vml" xmlns:pvml="urn:schemas-microsoft-com:office:powerpoint" xmlns:com="http://schemas.openxmlformats.org/drawingml/2006/compatibility" xmlns:p14="http://schemas.microsoft.com/office/powerpoint/2010/main" xmlns:p15="http://schemas.microsoft.com/office/powerpoint/2012/main" xmlns:ahyp="http://schemas.microsoft.com/office/drawing/2018/hyperlinkcolor" showMasterPhAnim="0" showMasterSp="0">
   <p:cSld>
     <p:spTree>
       <p:nvGrpSpPr>
-        <p:cNvPr id="218" name="Shape 218"/>
+        <p:cNvPr id="228" name="Shape 228"/>
         <p:cNvGrpSpPr/>
         <p:nvPr/>
       </p:nvGrpSpPr>
@@ -2816,54 +2669,7 @@
       </p:grpSpPr>
       <p:sp>
         <p:nvSpPr>
-          <p:cNvPr id="219" name="Google Shape;219;p16:notes"/>
-          <p:cNvSpPr txBox="1"/>
-          <p:nvPr>
-            <p:ph idx="1" type="body"/>
-          </p:nvPr>
-        </p:nvSpPr>
-        <p:spPr>
-          <a:xfrm>
-            <a:off x="685800" y="4400550"/>
-            <a:ext cx="5486400" cy="3600450"/>
-          </a:xfrm>
-          <a:prstGeom prst="rect">
-            <a:avLst/>
-          </a:prstGeom>
-          <a:noFill/>
-          <a:ln>
-            <a:noFill/>
-          </a:ln>
-        </p:spPr>
-        <p:txBody>
-          <a:bodyPr anchorCtr="0" anchor="t" bIns="45700" lIns="91425" spcFirstLastPara="1" rIns="91425" wrap="square" tIns="45700">
-            <a:noAutofit/>
-          </a:bodyPr>
-          <a:lstStyle/>
-          <a:p>
-            <a:pPr indent="0" lvl="0" marL="0" rtl="0" algn="l">
-              <a:lnSpc>
-                <a:spcPct val="100000"/>
-              </a:lnSpc>
-              <a:spcBef>
-                <a:spcPts val="0"/>
-              </a:spcBef>
-              <a:spcAft>
-                <a:spcPts val="0"/>
-              </a:spcAft>
-              <a:buSzPts val="1400"/>
-              <a:buNone/>
-            </a:pPr>
-            <a:r>
-              <a:t/>
-            </a:r>
-            <a:endParaRPr/>
-          </a:p>
-        </p:txBody>
-      </p:sp>
-      <p:sp>
-        <p:nvSpPr>
-          <p:cNvPr id="220" name="Google Shape;220;p16:notes"/>
+          <p:cNvPr id="229" name="Google Shape;229;g2c81fcb20f4_2_1:notes"/>
           <p:cNvSpPr/>
           <p:nvPr>
             <p:ph idx="2" type="sldImg"/>
@@ -2894,17 +2700,235 @@
               </a:path>
             </a:pathLst>
           </a:custGeom>
-          <a:noFill/>
-          <a:ln cap="flat" cmpd="sng" w="12700">
-            <a:solidFill>
-              <a:srgbClr val="000000"/>
-            </a:solidFill>
-            <a:prstDash val="solid"/>
-            <a:round/>
-            <a:headEnd len="sm" w="sm" type="none"/>
-            <a:tailEnd len="sm" w="sm" type="none"/>
-          </a:ln>
         </p:spPr>
+      </p:sp>
+      <p:sp>
+        <p:nvSpPr>
+          <p:cNvPr id="230" name="Google Shape;230;g2c81fcb20f4_2_1:notes"/>
+          <p:cNvSpPr txBox="1"/>
+          <p:nvPr>
+            <p:ph idx="1" type="body"/>
+          </p:nvPr>
+        </p:nvSpPr>
+        <p:spPr>
+          <a:xfrm>
+            <a:off x="685800" y="4400550"/>
+            <a:ext cx="5486400" cy="3600600"/>
+          </a:xfrm>
+          <a:prstGeom prst="rect">
+            <a:avLst/>
+          </a:prstGeom>
+        </p:spPr>
+        <p:txBody>
+          <a:bodyPr anchorCtr="0" anchor="t" bIns="45700" lIns="91425" spcFirstLastPara="1" rIns="91425" wrap="square" tIns="45700">
+            <a:noAutofit/>
+          </a:bodyPr>
+          <a:lstStyle/>
+          <a:p>
+            <a:pPr indent="0" lvl="0" marL="0" rtl="0" algn="l">
+              <a:spcBef>
+                <a:spcPts val="0"/>
+              </a:spcBef>
+              <a:spcAft>
+                <a:spcPts val="0"/>
+              </a:spcAft>
+              <a:buNone/>
+            </a:pPr>
+            <a:r>
+              <a:t/>
+            </a:r>
+            <a:endParaRPr/>
+          </a:p>
+        </p:txBody>
+      </p:sp>
+      <p:sp>
+        <p:nvSpPr>
+          <p:cNvPr id="231" name="Google Shape;231;g2c81fcb20f4_2_1:notes"/>
+          <p:cNvSpPr txBox="1"/>
+          <p:nvPr>
+            <p:ph idx="12" type="sldNum"/>
+          </p:nvPr>
+        </p:nvSpPr>
+        <p:spPr>
+          <a:xfrm>
+            <a:off x="3884613" y="8685213"/>
+            <a:ext cx="2971800" cy="458700"/>
+          </a:xfrm>
+          <a:prstGeom prst="rect">
+            <a:avLst/>
+          </a:prstGeom>
+        </p:spPr>
+        <p:txBody>
+          <a:bodyPr anchorCtr="0" anchor="b" bIns="45700" lIns="91425" spcFirstLastPara="1" rIns="91425" wrap="square" tIns="45700">
+            <a:noAutofit/>
+          </a:bodyPr>
+          <a:lstStyle/>
+          <a:p>
+            <a:pPr indent="0" lvl="0" marL="0" rtl="0" algn="r">
+              <a:spcBef>
+                <a:spcPts val="0"/>
+              </a:spcBef>
+              <a:spcAft>
+                <a:spcPts val="0"/>
+              </a:spcAft>
+              <a:buClr>
+                <a:srgbClr val="000000"/>
+              </a:buClr>
+              <a:buSzPts val="1200"/>
+              <a:buFont typeface="Arial"/>
+              <a:buNone/>
+            </a:pPr>
+            <a:fld id="{00000000-1234-1234-1234-123412341234}" type="slidenum">
+              <a:rPr lang="en-US"/>
+              <a:t>‹#›</a:t>
+            </a:fld>
+            <a:endParaRPr/>
+          </a:p>
+        </p:txBody>
+      </p:sp>
+    </p:spTree>
+  </p:cSld>
+  <p:clrMapOvr>
+    <a:masterClrMapping/>
+  </p:clrMapOvr>
+</p:notes>
+</file>
+
+<file path=ppt/notesSlides/notesSlide18.xml><?xml version="1.0" encoding="utf-8"?>
+<p:notes xmlns:a="http://schemas.openxmlformats.org/drawingml/2006/main" xmlns:r="http://schemas.openxmlformats.org/officeDocument/2006/relationships" xmlns:mc="http://schemas.openxmlformats.org/markup-compatibility/2006" xmlns:mv="urn:schemas-microsoft-com:mac:vml" xmlns:p="http://schemas.openxmlformats.org/presentationml/2006/main" xmlns:c="http://schemas.openxmlformats.org/drawingml/2006/chart" xmlns:dgm="http://schemas.openxmlformats.org/drawingml/2006/diagram" xmlns:o="urn:schemas-microsoft-com:office:office" xmlns:v="urn:schemas-microsoft-com:vml" xmlns:pvml="urn:schemas-microsoft-com:office:powerpoint" xmlns:com="http://schemas.openxmlformats.org/drawingml/2006/compatibility" xmlns:p14="http://schemas.microsoft.com/office/powerpoint/2010/main" xmlns:p15="http://schemas.microsoft.com/office/powerpoint/2012/main" xmlns:ahyp="http://schemas.microsoft.com/office/drawing/2018/hyperlinkcolor" showMasterPhAnim="0" showMasterSp="0">
+  <p:cSld>
+    <p:spTree>
+      <p:nvGrpSpPr>
+        <p:cNvPr id="235" name="Shape 235"/>
+        <p:cNvGrpSpPr/>
+        <p:nvPr/>
+      </p:nvGrpSpPr>
+      <p:grpSpPr>
+        <a:xfrm>
+          <a:off x="0" y="0"/>
+          <a:ext cx="0" cy="0"/>
+          <a:chOff x="0" y="0"/>
+          <a:chExt cx="0" cy="0"/>
+        </a:xfrm>
+      </p:grpSpPr>
+      <p:sp>
+        <p:nvSpPr>
+          <p:cNvPr id="236" name="Google Shape;236;g3474fa1927f_0_244:notes"/>
+          <p:cNvSpPr/>
+          <p:nvPr>
+            <p:ph idx="2" type="sldImg"/>
+          </p:nvPr>
+        </p:nvSpPr>
+        <p:spPr>
+          <a:xfrm>
+            <a:off x="685800" y="1143000"/>
+            <a:ext cx="5486400" cy="3086100"/>
+          </a:xfrm>
+          <a:custGeom>
+            <a:rect b="b" l="l" r="r" t="t"/>
+            <a:pathLst>
+              <a:path extrusionOk="0" h="120000" w="120000">
+                <a:moveTo>
+                  <a:pt x="0" y="0"/>
+                </a:moveTo>
+                <a:lnTo>
+                  <a:pt x="120000" y="0"/>
+                </a:lnTo>
+                <a:lnTo>
+                  <a:pt x="120000" y="120000"/>
+                </a:lnTo>
+                <a:lnTo>
+                  <a:pt x="0" y="120000"/>
+                </a:lnTo>
+                <a:close/>
+              </a:path>
+            </a:pathLst>
+          </a:custGeom>
+        </p:spPr>
+      </p:sp>
+      <p:sp>
+        <p:nvSpPr>
+          <p:cNvPr id="237" name="Google Shape;237;g3474fa1927f_0_244:notes"/>
+          <p:cNvSpPr txBox="1"/>
+          <p:nvPr>
+            <p:ph idx="1" type="body"/>
+          </p:nvPr>
+        </p:nvSpPr>
+        <p:spPr>
+          <a:xfrm>
+            <a:off x="685800" y="4400550"/>
+            <a:ext cx="5486400" cy="3600600"/>
+          </a:xfrm>
+          <a:prstGeom prst="rect">
+            <a:avLst/>
+          </a:prstGeom>
+        </p:spPr>
+        <p:txBody>
+          <a:bodyPr anchorCtr="0" anchor="t" bIns="45700" lIns="91425" spcFirstLastPara="1" rIns="91425" wrap="square" tIns="45700">
+            <a:noAutofit/>
+          </a:bodyPr>
+          <a:lstStyle/>
+          <a:p>
+            <a:pPr indent="0" lvl="0" marL="0" rtl="0" algn="l">
+              <a:spcBef>
+                <a:spcPts val="0"/>
+              </a:spcBef>
+              <a:spcAft>
+                <a:spcPts val="0"/>
+              </a:spcAft>
+              <a:buNone/>
+            </a:pPr>
+            <a:r>
+              <a:t/>
+            </a:r>
+            <a:endParaRPr/>
+          </a:p>
+        </p:txBody>
+      </p:sp>
+      <p:sp>
+        <p:nvSpPr>
+          <p:cNvPr id="238" name="Google Shape;238;g3474fa1927f_0_244:notes"/>
+          <p:cNvSpPr txBox="1"/>
+          <p:nvPr>
+            <p:ph idx="12" type="sldNum"/>
+          </p:nvPr>
+        </p:nvSpPr>
+        <p:spPr>
+          <a:xfrm>
+            <a:off x="3884613" y="8685213"/>
+            <a:ext cx="2971800" cy="458700"/>
+          </a:xfrm>
+          <a:prstGeom prst="rect">
+            <a:avLst/>
+          </a:prstGeom>
+        </p:spPr>
+        <p:txBody>
+          <a:bodyPr anchorCtr="0" anchor="b" bIns="45700" lIns="91425" spcFirstLastPara="1" rIns="91425" wrap="square" tIns="45700">
+            <a:noAutofit/>
+          </a:bodyPr>
+          <a:lstStyle/>
+          <a:p>
+            <a:pPr indent="0" lvl="0" marL="0" rtl="0" algn="r">
+              <a:spcBef>
+                <a:spcPts val="0"/>
+              </a:spcBef>
+              <a:spcAft>
+                <a:spcPts val="0"/>
+              </a:spcAft>
+              <a:buClr>
+                <a:srgbClr val="000000"/>
+              </a:buClr>
+              <a:buSzPts val="1200"/>
+              <a:buFont typeface="Arial"/>
+              <a:buNone/>
+            </a:pPr>
+            <a:fld id="{00000000-1234-1234-1234-123412341234}" type="slidenum">
+              <a:rPr lang="en-US"/>
+              <a:t>‹#›</a:t>
+            </a:fld>
+            <a:endParaRPr/>
+          </a:p>
+        </p:txBody>
       </p:sp>
     </p:spTree>
   </p:cSld>
@@ -2919,7 +2943,7 @@
   <p:cSld>
     <p:spTree>
       <p:nvGrpSpPr>
-        <p:cNvPr id="225" name="Shape 225"/>
+        <p:cNvPr id="242" name="Shape 242"/>
         <p:cNvGrpSpPr/>
         <p:nvPr/>
       </p:nvGrpSpPr>
@@ -2933,7 +2957,7 @@
       </p:grpSpPr>
       <p:sp>
         <p:nvSpPr>
-          <p:cNvPr id="226" name="Google Shape;226;p17:notes"/>
+          <p:cNvPr id="243" name="Google Shape;243;p15:notes"/>
           <p:cNvSpPr txBox="1"/>
           <p:nvPr>
             <p:ph idx="1" type="body"/>
@@ -2980,7 +3004,7 @@
       </p:sp>
       <p:sp>
         <p:nvSpPr>
-          <p:cNvPr id="227" name="Google Shape;227;p17:notes"/>
+          <p:cNvPr id="244" name="Google Shape;244;p15:notes"/>
           <p:cNvSpPr/>
           <p:nvPr>
             <p:ph idx="2" type="sldImg"/>
@@ -3036,7 +3060,7 @@
   <p:cSld>
     <p:spTree>
       <p:nvGrpSpPr>
-        <p:cNvPr id="97" name="Shape 97"/>
+        <p:cNvPr id="101" name="Shape 101"/>
         <p:cNvGrpSpPr/>
         <p:nvPr/>
       </p:nvGrpSpPr>
@@ -3050,7 +3074,7 @@
       </p:grpSpPr>
       <p:sp>
         <p:nvSpPr>
-          <p:cNvPr id="98" name="Google Shape;98;p2:notes"/>
+          <p:cNvPr id="102" name="Google Shape;102;p2:notes"/>
           <p:cNvSpPr txBox="1"/>
           <p:nvPr>
             <p:ph idx="1" type="body"/>
@@ -3097,7 +3121,7 @@
       </p:sp>
       <p:sp>
         <p:nvSpPr>
-          <p:cNvPr id="99" name="Google Shape;99;p2:notes"/>
+          <p:cNvPr id="103" name="Google Shape;103;p2:notes"/>
           <p:cNvSpPr/>
           <p:nvPr>
             <p:ph idx="2" type="sldImg"/>
@@ -3153,7 +3177,7 @@
   <p:cSld>
     <p:spTree>
       <p:nvGrpSpPr>
-        <p:cNvPr id="233" name="Shape 233"/>
+        <p:cNvPr id="250" name="Shape 250"/>
         <p:cNvGrpSpPr/>
         <p:nvPr/>
       </p:nvGrpSpPr>
@@ -3167,7 +3191,7 @@
       </p:grpSpPr>
       <p:sp>
         <p:nvSpPr>
-          <p:cNvPr id="234" name="Google Shape;234;p18:notes"/>
+          <p:cNvPr id="251" name="Google Shape;251;p16:notes"/>
           <p:cNvSpPr txBox="1"/>
           <p:nvPr>
             <p:ph idx="1" type="body"/>
@@ -3214,7 +3238,7 @@
       </p:sp>
       <p:sp>
         <p:nvSpPr>
-          <p:cNvPr id="235" name="Google Shape;235;p18:notes"/>
+          <p:cNvPr id="252" name="Google Shape;252;p16:notes"/>
           <p:cNvSpPr/>
           <p:nvPr>
             <p:ph idx="2" type="sldImg"/>
@@ -3270,7 +3294,7 @@
   <p:cSld>
     <p:spTree>
       <p:nvGrpSpPr>
-        <p:cNvPr id="240" name="Shape 240"/>
+        <p:cNvPr id="257" name="Shape 257"/>
         <p:cNvGrpSpPr/>
         <p:nvPr/>
       </p:nvGrpSpPr>
@@ -3284,7 +3308,7 @@
       </p:grpSpPr>
       <p:sp>
         <p:nvSpPr>
-          <p:cNvPr id="241" name="Google Shape;241;p19:notes"/>
+          <p:cNvPr id="258" name="Google Shape;258;p17:notes"/>
           <p:cNvSpPr txBox="1"/>
           <p:nvPr>
             <p:ph idx="1" type="body"/>
@@ -3331,7 +3355,7 @@
       </p:sp>
       <p:sp>
         <p:nvSpPr>
-          <p:cNvPr id="242" name="Google Shape;242;p19:notes"/>
+          <p:cNvPr id="259" name="Google Shape;259;p17:notes"/>
           <p:cNvSpPr/>
           <p:nvPr>
             <p:ph idx="2" type="sldImg"/>
@@ -3387,7 +3411,7 @@
   <p:cSld>
     <p:spTree>
       <p:nvGrpSpPr>
-        <p:cNvPr id="246" name="Shape 246"/>
+        <p:cNvPr id="265" name="Shape 265"/>
         <p:cNvGrpSpPr/>
         <p:nvPr/>
       </p:nvGrpSpPr>
@@ -3401,7 +3425,7 @@
       </p:grpSpPr>
       <p:sp>
         <p:nvSpPr>
-          <p:cNvPr id="247" name="Google Shape;247;p20:notes"/>
+          <p:cNvPr id="266" name="Google Shape;266;p18:notes"/>
           <p:cNvSpPr txBox="1"/>
           <p:nvPr>
             <p:ph idx="1" type="body"/>
@@ -3448,7 +3472,7 @@
       </p:sp>
       <p:sp>
         <p:nvSpPr>
-          <p:cNvPr id="248" name="Google Shape;248;p20:notes"/>
+          <p:cNvPr id="267" name="Google Shape;267;p18:notes"/>
           <p:cNvSpPr/>
           <p:nvPr>
             <p:ph idx="2" type="sldImg"/>
@@ -3504,7 +3528,7 @@
   <p:cSld>
     <p:spTree>
       <p:nvGrpSpPr>
-        <p:cNvPr id="253" name="Shape 253"/>
+        <p:cNvPr id="272" name="Shape 272"/>
         <p:cNvGrpSpPr/>
         <p:nvPr/>
       </p:nvGrpSpPr>
@@ -3518,7 +3542,7 @@
       </p:grpSpPr>
       <p:sp>
         <p:nvSpPr>
-          <p:cNvPr id="254" name="Google Shape;254;p21:notes"/>
+          <p:cNvPr id="273" name="Google Shape;273;p19:notes"/>
           <p:cNvSpPr txBox="1"/>
           <p:nvPr>
             <p:ph idx="1" type="body"/>
@@ -3565,7 +3589,7 @@
       </p:sp>
       <p:sp>
         <p:nvSpPr>
-          <p:cNvPr id="255" name="Google Shape;255;p21:notes"/>
+          <p:cNvPr id="274" name="Google Shape;274;p19:notes"/>
           <p:cNvSpPr/>
           <p:nvPr>
             <p:ph idx="2" type="sldImg"/>
@@ -3621,7 +3645,7 @@
   <p:cSld>
     <p:spTree>
       <p:nvGrpSpPr>
-        <p:cNvPr id="259" name="Shape 259"/>
+        <p:cNvPr id="278" name="Shape 278"/>
         <p:cNvGrpSpPr/>
         <p:nvPr/>
       </p:nvGrpSpPr>
@@ -3635,7 +3659,7 @@
       </p:grpSpPr>
       <p:sp>
         <p:nvSpPr>
-          <p:cNvPr id="260" name="Google Shape;260;p22:notes"/>
+          <p:cNvPr id="279" name="Google Shape;279;p20:notes"/>
           <p:cNvSpPr txBox="1"/>
           <p:nvPr>
             <p:ph idx="1" type="body"/>
@@ -3682,7 +3706,7 @@
       </p:sp>
       <p:sp>
         <p:nvSpPr>
-          <p:cNvPr id="261" name="Google Shape;261;p22:notes"/>
+          <p:cNvPr id="280" name="Google Shape;280;p20:notes"/>
           <p:cNvSpPr/>
           <p:nvPr>
             <p:ph idx="2" type="sldImg"/>
@@ -3738,7 +3762,7 @@
   <p:cSld>
     <p:spTree>
       <p:nvGrpSpPr>
-        <p:cNvPr id="265" name="Shape 265"/>
+        <p:cNvPr id="285" name="Shape 285"/>
         <p:cNvGrpSpPr/>
         <p:nvPr/>
       </p:nvGrpSpPr>
@@ -3752,7 +3776,7 @@
       </p:grpSpPr>
       <p:sp>
         <p:nvSpPr>
-          <p:cNvPr id="266" name="Google Shape;266;p23:notes"/>
+          <p:cNvPr id="286" name="Google Shape;286;p21:notes"/>
           <p:cNvSpPr txBox="1"/>
           <p:nvPr>
             <p:ph idx="1" type="body"/>
@@ -3799,7 +3823,7 @@
       </p:sp>
       <p:sp>
         <p:nvSpPr>
-          <p:cNvPr id="267" name="Google Shape;267;p23:notes"/>
+          <p:cNvPr id="287" name="Google Shape;287;p21:notes"/>
           <p:cNvSpPr/>
           <p:nvPr>
             <p:ph idx="2" type="sldImg"/>
@@ -3855,7 +3879,7 @@
   <p:cSld>
     <p:spTree>
       <p:nvGrpSpPr>
-        <p:cNvPr id="271" name="Shape 271"/>
+        <p:cNvPr id="291" name="Shape 291"/>
         <p:cNvGrpSpPr/>
         <p:nvPr/>
       </p:nvGrpSpPr>
@@ -3869,7 +3893,7 @@
       </p:grpSpPr>
       <p:sp>
         <p:nvSpPr>
-          <p:cNvPr id="272" name="Google Shape;272;p24:notes"/>
+          <p:cNvPr id="292" name="Google Shape;292;p22:notes"/>
           <p:cNvSpPr txBox="1"/>
           <p:nvPr>
             <p:ph idx="1" type="body"/>
@@ -3916,7 +3940,7 @@
       </p:sp>
       <p:sp>
         <p:nvSpPr>
-          <p:cNvPr id="273" name="Google Shape;273;p24:notes"/>
+          <p:cNvPr id="293" name="Google Shape;293;p22:notes"/>
           <p:cNvSpPr/>
           <p:nvPr>
             <p:ph idx="2" type="sldImg"/>
@@ -3972,7 +3996,7 @@
   <p:cSld>
     <p:spTree>
       <p:nvGrpSpPr>
-        <p:cNvPr id="277" name="Shape 277"/>
+        <p:cNvPr id="297" name="Shape 297"/>
         <p:cNvGrpSpPr/>
         <p:nvPr/>
       </p:nvGrpSpPr>
@@ -3986,7 +4010,7 @@
       </p:grpSpPr>
       <p:sp>
         <p:nvSpPr>
-          <p:cNvPr id="278" name="Google Shape;278;p25:notes"/>
+          <p:cNvPr id="298" name="Google Shape;298;p23:notes"/>
           <p:cNvSpPr txBox="1"/>
           <p:nvPr>
             <p:ph idx="1" type="body"/>
@@ -4033,7 +4057,7 @@
       </p:sp>
       <p:sp>
         <p:nvSpPr>
-          <p:cNvPr id="279" name="Google Shape;279;p25:notes"/>
+          <p:cNvPr id="299" name="Google Shape;299;p23:notes"/>
           <p:cNvSpPr/>
           <p:nvPr>
             <p:ph idx="2" type="sldImg"/>
@@ -4089,7 +4113,7 @@
   <p:cSld>
     <p:spTree>
       <p:nvGrpSpPr>
-        <p:cNvPr id="283" name="Shape 283"/>
+        <p:cNvPr id="303" name="Shape 303"/>
         <p:cNvGrpSpPr/>
         <p:nvPr/>
       </p:nvGrpSpPr>
@@ -4103,295 +4127,7 @@
       </p:grpSpPr>
       <p:sp>
         <p:nvSpPr>
-          <p:cNvPr id="284" name="Google Shape;284;g2c81fcb20f4_1_2:notes"/>
-          <p:cNvSpPr/>
-          <p:nvPr>
-            <p:ph idx="2" type="sldImg"/>
-          </p:nvPr>
-        </p:nvSpPr>
-        <p:spPr>
-          <a:xfrm>
-            <a:off x="685800" y="1143000"/>
-            <a:ext cx="5486400" cy="3086100"/>
-          </a:xfrm>
-          <a:custGeom>
-            <a:rect b="b" l="l" r="r" t="t"/>
-            <a:pathLst>
-              <a:path extrusionOk="0" h="120000" w="120000">
-                <a:moveTo>
-                  <a:pt x="0" y="0"/>
-                </a:moveTo>
-                <a:lnTo>
-                  <a:pt x="120000" y="0"/>
-                </a:lnTo>
-                <a:lnTo>
-                  <a:pt x="120000" y="120000"/>
-                </a:lnTo>
-                <a:lnTo>
-                  <a:pt x="0" y="120000"/>
-                </a:lnTo>
-                <a:close/>
-              </a:path>
-            </a:pathLst>
-          </a:custGeom>
-        </p:spPr>
-      </p:sp>
-      <p:sp>
-        <p:nvSpPr>
-          <p:cNvPr id="285" name="Google Shape;285;g2c81fcb20f4_1_2:notes"/>
-          <p:cNvSpPr txBox="1"/>
-          <p:nvPr>
-            <p:ph idx="1" type="body"/>
-          </p:nvPr>
-        </p:nvSpPr>
-        <p:spPr>
-          <a:xfrm>
-            <a:off x="685800" y="4400550"/>
-            <a:ext cx="5486400" cy="3600600"/>
-          </a:xfrm>
-          <a:prstGeom prst="rect">
-            <a:avLst/>
-          </a:prstGeom>
-        </p:spPr>
-        <p:txBody>
-          <a:bodyPr anchorCtr="0" anchor="t" bIns="45700" lIns="91425" spcFirstLastPara="1" rIns="91425" wrap="square" tIns="45700">
-            <a:noAutofit/>
-          </a:bodyPr>
-          <a:lstStyle/>
-          <a:p>
-            <a:pPr indent="0" lvl="0" marL="0" rtl="0" algn="l">
-              <a:spcBef>
-                <a:spcPts val="0"/>
-              </a:spcBef>
-              <a:spcAft>
-                <a:spcPts val="0"/>
-              </a:spcAft>
-              <a:buNone/>
-            </a:pPr>
-            <a:r>
-              <a:t/>
-            </a:r>
-            <a:endParaRPr/>
-          </a:p>
-        </p:txBody>
-      </p:sp>
-      <p:sp>
-        <p:nvSpPr>
-          <p:cNvPr id="286" name="Google Shape;286;g2c81fcb20f4_1_2:notes"/>
-          <p:cNvSpPr txBox="1"/>
-          <p:nvPr>
-            <p:ph idx="12" type="sldNum"/>
-          </p:nvPr>
-        </p:nvSpPr>
-        <p:spPr>
-          <a:xfrm>
-            <a:off x="3884613" y="8685213"/>
-            <a:ext cx="2971800" cy="458700"/>
-          </a:xfrm>
-          <a:prstGeom prst="rect">
-            <a:avLst/>
-          </a:prstGeom>
-        </p:spPr>
-        <p:txBody>
-          <a:bodyPr anchorCtr="0" anchor="b" bIns="45700" lIns="91425" spcFirstLastPara="1" rIns="91425" wrap="square" tIns="45700">
-            <a:noAutofit/>
-          </a:bodyPr>
-          <a:lstStyle/>
-          <a:p>
-            <a:pPr indent="0" lvl="0" marL="0" rtl="0" algn="r">
-              <a:spcBef>
-                <a:spcPts val="0"/>
-              </a:spcBef>
-              <a:spcAft>
-                <a:spcPts val="0"/>
-              </a:spcAft>
-              <a:buClr>
-                <a:srgbClr val="000000"/>
-              </a:buClr>
-              <a:buSzPts val="1200"/>
-              <a:buFont typeface="Arial"/>
-              <a:buNone/>
-            </a:pPr>
-            <a:fld id="{00000000-1234-1234-1234-123412341234}" type="slidenum">
-              <a:rPr lang="en-US"/>
-              <a:t>‹#›</a:t>
-            </a:fld>
-            <a:endParaRPr/>
-          </a:p>
-        </p:txBody>
-      </p:sp>
-    </p:spTree>
-  </p:cSld>
-  <p:clrMapOvr>
-    <a:masterClrMapping/>
-  </p:clrMapOvr>
-</p:notes>
-</file>
-
-<file path=ppt/notesSlides/notesSlide29.xml><?xml version="1.0" encoding="utf-8"?>
-<p:notes xmlns:a="http://schemas.openxmlformats.org/drawingml/2006/main" xmlns:r="http://schemas.openxmlformats.org/officeDocument/2006/relationships" xmlns:mc="http://schemas.openxmlformats.org/markup-compatibility/2006" xmlns:mv="urn:schemas-microsoft-com:mac:vml" xmlns:p="http://schemas.openxmlformats.org/presentationml/2006/main" xmlns:c="http://schemas.openxmlformats.org/drawingml/2006/chart" xmlns:dgm="http://schemas.openxmlformats.org/drawingml/2006/diagram" xmlns:o="urn:schemas-microsoft-com:office:office" xmlns:v="urn:schemas-microsoft-com:vml" xmlns:pvml="urn:schemas-microsoft-com:office:powerpoint" xmlns:com="http://schemas.openxmlformats.org/drawingml/2006/compatibility" xmlns:p14="http://schemas.microsoft.com/office/powerpoint/2010/main" xmlns:p15="http://schemas.microsoft.com/office/powerpoint/2012/main" xmlns:ahyp="http://schemas.microsoft.com/office/drawing/2018/hyperlinkcolor" showMasterPhAnim="0" showMasterSp="0">
-  <p:cSld>
-    <p:spTree>
-      <p:nvGrpSpPr>
-        <p:cNvPr id="296" name="Shape 296"/>
-        <p:cNvGrpSpPr/>
-        <p:nvPr/>
-      </p:nvGrpSpPr>
-      <p:grpSpPr>
-        <a:xfrm>
-          <a:off x="0" y="0"/>
-          <a:ext cx="0" cy="0"/>
-          <a:chOff x="0" y="0"/>
-          <a:chExt cx="0" cy="0"/>
-        </a:xfrm>
-      </p:grpSpPr>
-      <p:sp>
-        <p:nvSpPr>
-          <p:cNvPr id="297" name="Google Shape;297;g2c81fcb20f4_2_8:notes"/>
-          <p:cNvSpPr/>
-          <p:nvPr>
-            <p:ph idx="2" type="sldImg"/>
-          </p:nvPr>
-        </p:nvSpPr>
-        <p:spPr>
-          <a:xfrm>
-            <a:off x="685800" y="1143000"/>
-            <a:ext cx="5486400" cy="3086100"/>
-          </a:xfrm>
-          <a:custGeom>
-            <a:rect b="b" l="l" r="r" t="t"/>
-            <a:pathLst>
-              <a:path extrusionOk="0" h="120000" w="120000">
-                <a:moveTo>
-                  <a:pt x="0" y="0"/>
-                </a:moveTo>
-                <a:lnTo>
-                  <a:pt x="120000" y="0"/>
-                </a:lnTo>
-                <a:lnTo>
-                  <a:pt x="120000" y="120000"/>
-                </a:lnTo>
-                <a:lnTo>
-                  <a:pt x="0" y="120000"/>
-                </a:lnTo>
-                <a:close/>
-              </a:path>
-            </a:pathLst>
-          </a:custGeom>
-        </p:spPr>
-      </p:sp>
-      <p:sp>
-        <p:nvSpPr>
-          <p:cNvPr id="298" name="Google Shape;298;g2c81fcb20f4_2_8:notes"/>
-          <p:cNvSpPr txBox="1"/>
-          <p:nvPr>
-            <p:ph idx="1" type="body"/>
-          </p:nvPr>
-        </p:nvSpPr>
-        <p:spPr>
-          <a:xfrm>
-            <a:off x="685800" y="4400550"/>
-            <a:ext cx="5486400" cy="3600600"/>
-          </a:xfrm>
-          <a:prstGeom prst="rect">
-            <a:avLst/>
-          </a:prstGeom>
-        </p:spPr>
-        <p:txBody>
-          <a:bodyPr anchorCtr="0" anchor="t" bIns="45700" lIns="91425" spcFirstLastPara="1" rIns="91425" wrap="square" tIns="45700">
-            <a:noAutofit/>
-          </a:bodyPr>
-          <a:lstStyle/>
-          <a:p>
-            <a:pPr indent="0" lvl="0" marL="0" rtl="0" algn="l">
-              <a:spcBef>
-                <a:spcPts val="0"/>
-              </a:spcBef>
-              <a:spcAft>
-                <a:spcPts val="0"/>
-              </a:spcAft>
-              <a:buNone/>
-            </a:pPr>
-            <a:r>
-              <a:t/>
-            </a:r>
-            <a:endParaRPr/>
-          </a:p>
-        </p:txBody>
-      </p:sp>
-      <p:sp>
-        <p:nvSpPr>
-          <p:cNvPr id="299" name="Google Shape;299;g2c81fcb20f4_2_8:notes"/>
-          <p:cNvSpPr txBox="1"/>
-          <p:nvPr>
-            <p:ph idx="12" type="sldNum"/>
-          </p:nvPr>
-        </p:nvSpPr>
-        <p:spPr>
-          <a:xfrm>
-            <a:off x="3884613" y="8685213"/>
-            <a:ext cx="2971800" cy="458700"/>
-          </a:xfrm>
-          <a:prstGeom prst="rect">
-            <a:avLst/>
-          </a:prstGeom>
-        </p:spPr>
-        <p:txBody>
-          <a:bodyPr anchorCtr="0" anchor="b" bIns="45700" lIns="91425" spcFirstLastPara="1" rIns="91425" wrap="square" tIns="45700">
-            <a:noAutofit/>
-          </a:bodyPr>
-          <a:lstStyle/>
-          <a:p>
-            <a:pPr indent="0" lvl="0" marL="0" rtl="0" algn="r">
-              <a:spcBef>
-                <a:spcPts val="0"/>
-              </a:spcBef>
-              <a:spcAft>
-                <a:spcPts val="0"/>
-              </a:spcAft>
-              <a:buClr>
-                <a:srgbClr val="000000"/>
-              </a:buClr>
-              <a:buSzPts val="1200"/>
-              <a:buFont typeface="Arial"/>
-              <a:buNone/>
-            </a:pPr>
-            <a:fld id="{00000000-1234-1234-1234-123412341234}" type="slidenum">
-              <a:rPr lang="en-US"/>
-              <a:t>‹#›</a:t>
-            </a:fld>
-            <a:endParaRPr/>
-          </a:p>
-        </p:txBody>
-      </p:sp>
-    </p:spTree>
-  </p:cSld>
-  <p:clrMapOvr>
-    <a:masterClrMapping/>
-  </p:clrMapOvr>
-</p:notes>
-</file>
-
-<file path=ppt/notesSlides/notesSlide3.xml><?xml version="1.0" encoding="utf-8"?>
-<p:notes xmlns:a="http://schemas.openxmlformats.org/drawingml/2006/main" xmlns:r="http://schemas.openxmlformats.org/officeDocument/2006/relationships" xmlns:mc="http://schemas.openxmlformats.org/markup-compatibility/2006" xmlns:mv="urn:schemas-microsoft-com:mac:vml" xmlns:p="http://schemas.openxmlformats.org/presentationml/2006/main" xmlns:c="http://schemas.openxmlformats.org/drawingml/2006/chart" xmlns:dgm="http://schemas.openxmlformats.org/drawingml/2006/diagram" xmlns:o="urn:schemas-microsoft-com:office:office" xmlns:v="urn:schemas-microsoft-com:vml" xmlns:pvml="urn:schemas-microsoft-com:office:powerpoint" xmlns:com="http://schemas.openxmlformats.org/drawingml/2006/compatibility" xmlns:p14="http://schemas.microsoft.com/office/powerpoint/2010/main" xmlns:p15="http://schemas.microsoft.com/office/powerpoint/2012/main" xmlns:ahyp="http://schemas.microsoft.com/office/drawing/2018/hyperlinkcolor" showMasterPhAnim="0" showMasterSp="0">
-  <p:cSld>
-    <p:spTree>
-      <p:nvGrpSpPr>
-        <p:cNvPr id="113" name="Shape 113"/>
-        <p:cNvGrpSpPr/>
-        <p:nvPr/>
-      </p:nvGrpSpPr>
-      <p:grpSpPr>
-        <a:xfrm>
-          <a:off x="0" y="0"/>
-          <a:ext cx="0" cy="0"/>
-          <a:chOff x="0" y="0"/>
-          <a:chExt cx="0" cy="0"/>
-        </a:xfrm>
-      </p:grpSpPr>
-      <p:sp>
-        <p:nvSpPr>
-          <p:cNvPr id="114" name="Google Shape;114;p3:notes"/>
+          <p:cNvPr id="304" name="Google Shape;304;p24:notes"/>
           <p:cNvSpPr txBox="1"/>
           <p:nvPr>
             <p:ph idx="1" type="body"/>
@@ -4438,7 +4174,7 @@
       </p:sp>
       <p:sp>
         <p:nvSpPr>
-          <p:cNvPr id="115" name="Google Shape;115;p3:notes"/>
+          <p:cNvPr id="305" name="Google Shape;305;p24:notes"/>
           <p:cNvSpPr/>
           <p:nvPr>
             <p:ph idx="2" type="sldImg"/>
@@ -4489,12 +4225,12 @@
 </p:notes>
 </file>
 
-<file path=ppt/notesSlides/notesSlide30.xml><?xml version="1.0" encoding="utf-8"?>
+<file path=ppt/notesSlides/notesSlide29.xml><?xml version="1.0" encoding="utf-8"?>
 <p:notes xmlns:a="http://schemas.openxmlformats.org/drawingml/2006/main" xmlns:r="http://schemas.openxmlformats.org/officeDocument/2006/relationships" xmlns:mc="http://schemas.openxmlformats.org/markup-compatibility/2006" xmlns:mv="urn:schemas-microsoft-com:mac:vml" xmlns:p="http://schemas.openxmlformats.org/presentationml/2006/main" xmlns:c="http://schemas.openxmlformats.org/drawingml/2006/chart" xmlns:dgm="http://schemas.openxmlformats.org/drawingml/2006/diagram" xmlns:o="urn:schemas-microsoft-com:office:office" xmlns:v="urn:schemas-microsoft-com:vml" xmlns:pvml="urn:schemas-microsoft-com:office:powerpoint" xmlns:com="http://schemas.openxmlformats.org/drawingml/2006/compatibility" xmlns:p14="http://schemas.microsoft.com/office/powerpoint/2010/main" xmlns:p15="http://schemas.microsoft.com/office/powerpoint/2012/main" xmlns:ahyp="http://schemas.microsoft.com/office/drawing/2018/hyperlinkcolor" showMasterPhAnim="0" showMasterSp="0">
   <p:cSld>
     <p:spTree>
       <p:nvGrpSpPr>
-        <p:cNvPr id="303" name="Shape 303"/>
+        <p:cNvPr id="309" name="Shape 309"/>
         <p:cNvGrpSpPr/>
         <p:nvPr/>
       </p:nvGrpSpPr>
@@ -4508,7 +4244,7 @@
       </p:grpSpPr>
       <p:sp>
         <p:nvSpPr>
-          <p:cNvPr id="304" name="Google Shape;304;g26ce01a8fcf_1_5:notes"/>
+          <p:cNvPr id="310" name="Google Shape;310;p25:notes"/>
           <p:cNvSpPr txBox="1"/>
           <p:nvPr>
             <p:ph idx="1" type="body"/>
@@ -4517,7 +4253,7 @@
         <p:spPr>
           <a:xfrm>
             <a:off x="685800" y="4400550"/>
-            <a:ext cx="5486400" cy="3600600"/>
+            <a:ext cx="5486400" cy="3600450"/>
           </a:xfrm>
           <a:prstGeom prst="rect">
             <a:avLst/>
@@ -4555,7 +4291,7 @@
       </p:sp>
       <p:sp>
         <p:nvSpPr>
-          <p:cNvPr id="305" name="Google Shape;305;g26ce01a8fcf_1_5:notes"/>
+          <p:cNvPr id="311" name="Google Shape;311;p25:notes"/>
           <p:cNvSpPr/>
           <p:nvPr>
             <p:ph idx="2" type="sldImg"/>
@@ -4606,12 +4342,12 @@
 </p:notes>
 </file>
 
-<file path=ppt/notesSlides/notesSlide31.xml><?xml version="1.0" encoding="utf-8"?>
+<file path=ppt/notesSlides/notesSlide3.xml><?xml version="1.0" encoding="utf-8"?>
 <p:notes xmlns:a="http://schemas.openxmlformats.org/drawingml/2006/main" xmlns:r="http://schemas.openxmlformats.org/officeDocument/2006/relationships" xmlns:mc="http://schemas.openxmlformats.org/markup-compatibility/2006" xmlns:mv="urn:schemas-microsoft-com:mac:vml" xmlns:p="http://schemas.openxmlformats.org/presentationml/2006/main" xmlns:c="http://schemas.openxmlformats.org/drawingml/2006/chart" xmlns:dgm="http://schemas.openxmlformats.org/drawingml/2006/diagram" xmlns:o="urn:schemas-microsoft-com:office:office" xmlns:v="urn:schemas-microsoft-com:vml" xmlns:pvml="urn:schemas-microsoft-com:office:powerpoint" xmlns:com="http://schemas.openxmlformats.org/drawingml/2006/compatibility" xmlns:p14="http://schemas.microsoft.com/office/powerpoint/2010/main" xmlns:p15="http://schemas.microsoft.com/office/powerpoint/2012/main" xmlns:ahyp="http://schemas.microsoft.com/office/drawing/2018/hyperlinkcolor" showMasterPhAnim="0" showMasterSp="0">
   <p:cSld>
     <p:spTree>
       <p:nvGrpSpPr>
-        <p:cNvPr id="309" name="Shape 309"/>
+        <p:cNvPr id="117" name="Shape 117"/>
         <p:cNvGrpSpPr/>
         <p:nvPr/>
       </p:nvGrpSpPr>
@@ -4625,7 +4361,556 @@
       </p:grpSpPr>
       <p:sp>
         <p:nvSpPr>
-          <p:cNvPr id="310" name="Google Shape;310;g2c7e46875cf_0_0:notes"/>
+          <p:cNvPr id="118" name="Google Shape;118;g3474fa1927f_0_18:notes"/>
+          <p:cNvSpPr/>
+          <p:nvPr>
+            <p:ph idx="2" type="sldImg"/>
+          </p:nvPr>
+        </p:nvSpPr>
+        <p:spPr>
+          <a:xfrm>
+            <a:off x="685800" y="1143000"/>
+            <a:ext cx="5486400" cy="3086100"/>
+          </a:xfrm>
+          <a:custGeom>
+            <a:rect b="b" l="l" r="r" t="t"/>
+            <a:pathLst>
+              <a:path extrusionOk="0" h="120000" w="120000">
+                <a:moveTo>
+                  <a:pt x="0" y="0"/>
+                </a:moveTo>
+                <a:lnTo>
+                  <a:pt x="120000" y="0"/>
+                </a:lnTo>
+                <a:lnTo>
+                  <a:pt x="120000" y="120000"/>
+                </a:lnTo>
+                <a:lnTo>
+                  <a:pt x="0" y="120000"/>
+                </a:lnTo>
+                <a:close/>
+              </a:path>
+            </a:pathLst>
+          </a:custGeom>
+        </p:spPr>
+      </p:sp>
+      <p:sp>
+        <p:nvSpPr>
+          <p:cNvPr id="119" name="Google Shape;119;g3474fa1927f_0_18:notes"/>
+          <p:cNvSpPr txBox="1"/>
+          <p:nvPr>
+            <p:ph idx="1" type="body"/>
+          </p:nvPr>
+        </p:nvSpPr>
+        <p:spPr>
+          <a:xfrm>
+            <a:off x="685800" y="4400550"/>
+            <a:ext cx="5486400" cy="3600600"/>
+          </a:xfrm>
+          <a:prstGeom prst="rect">
+            <a:avLst/>
+          </a:prstGeom>
+        </p:spPr>
+        <p:txBody>
+          <a:bodyPr anchorCtr="0" anchor="t" bIns="45700" lIns="91425" spcFirstLastPara="1" rIns="91425" wrap="square" tIns="45700">
+            <a:noAutofit/>
+          </a:bodyPr>
+          <a:lstStyle/>
+          <a:p>
+            <a:pPr indent="0" lvl="0" marL="0" rtl="0" algn="l">
+              <a:spcBef>
+                <a:spcPts val="0"/>
+              </a:spcBef>
+              <a:spcAft>
+                <a:spcPts val="0"/>
+              </a:spcAft>
+              <a:buNone/>
+            </a:pPr>
+            <a:r>
+              <a:t/>
+            </a:r>
+            <a:endParaRPr/>
+          </a:p>
+        </p:txBody>
+      </p:sp>
+      <p:sp>
+        <p:nvSpPr>
+          <p:cNvPr id="120" name="Google Shape;120;g3474fa1927f_0_18:notes"/>
+          <p:cNvSpPr txBox="1"/>
+          <p:nvPr>
+            <p:ph idx="12" type="sldNum"/>
+          </p:nvPr>
+        </p:nvSpPr>
+        <p:spPr>
+          <a:xfrm>
+            <a:off x="3884613" y="8685213"/>
+            <a:ext cx="2971800" cy="458700"/>
+          </a:xfrm>
+          <a:prstGeom prst="rect">
+            <a:avLst/>
+          </a:prstGeom>
+        </p:spPr>
+        <p:txBody>
+          <a:bodyPr anchorCtr="0" anchor="b" bIns="45700" lIns="91425" spcFirstLastPara="1" rIns="91425" wrap="square" tIns="45700">
+            <a:noAutofit/>
+          </a:bodyPr>
+          <a:lstStyle/>
+          <a:p>
+            <a:pPr indent="0" lvl="0" marL="0" rtl="0" algn="r">
+              <a:spcBef>
+                <a:spcPts val="0"/>
+              </a:spcBef>
+              <a:spcAft>
+                <a:spcPts val="0"/>
+              </a:spcAft>
+              <a:buClr>
+                <a:srgbClr val="000000"/>
+              </a:buClr>
+              <a:buSzPts val="1200"/>
+              <a:buFont typeface="Arial"/>
+              <a:buNone/>
+            </a:pPr>
+            <a:fld id="{00000000-1234-1234-1234-123412341234}" type="slidenum">
+              <a:rPr lang="en-US"/>
+              <a:t>‹#›</a:t>
+            </a:fld>
+            <a:endParaRPr/>
+          </a:p>
+        </p:txBody>
+      </p:sp>
+    </p:spTree>
+  </p:cSld>
+  <p:clrMapOvr>
+    <a:masterClrMapping/>
+  </p:clrMapOvr>
+</p:notes>
+</file>
+
+<file path=ppt/notesSlides/notesSlide30.xml><?xml version="1.0" encoding="utf-8"?>
+<p:notes xmlns:a="http://schemas.openxmlformats.org/drawingml/2006/main" xmlns:r="http://schemas.openxmlformats.org/officeDocument/2006/relationships" xmlns:mc="http://schemas.openxmlformats.org/markup-compatibility/2006" xmlns:mv="urn:schemas-microsoft-com:mac:vml" xmlns:p="http://schemas.openxmlformats.org/presentationml/2006/main" xmlns:c="http://schemas.openxmlformats.org/drawingml/2006/chart" xmlns:dgm="http://schemas.openxmlformats.org/drawingml/2006/diagram" xmlns:o="urn:schemas-microsoft-com:office:office" xmlns:v="urn:schemas-microsoft-com:vml" xmlns:pvml="urn:schemas-microsoft-com:office:powerpoint" xmlns:com="http://schemas.openxmlformats.org/drawingml/2006/compatibility" xmlns:p14="http://schemas.microsoft.com/office/powerpoint/2010/main" xmlns:p15="http://schemas.microsoft.com/office/powerpoint/2012/main" xmlns:ahyp="http://schemas.microsoft.com/office/drawing/2018/hyperlinkcolor" showMasterPhAnim="0" showMasterSp="0">
+  <p:cSld>
+    <p:spTree>
+      <p:nvGrpSpPr>
+        <p:cNvPr id="315" name="Shape 315"/>
+        <p:cNvGrpSpPr/>
+        <p:nvPr/>
+      </p:nvGrpSpPr>
+      <p:grpSpPr>
+        <a:xfrm>
+          <a:off x="0" y="0"/>
+          <a:ext cx="0" cy="0"/>
+          <a:chOff x="0" y="0"/>
+          <a:chExt cx="0" cy="0"/>
+        </a:xfrm>
+      </p:grpSpPr>
+      <p:sp>
+        <p:nvSpPr>
+          <p:cNvPr id="316" name="Google Shape;316;g2c81fcb20f4_1_2:notes"/>
+          <p:cNvSpPr/>
+          <p:nvPr>
+            <p:ph idx="2" type="sldImg"/>
+          </p:nvPr>
+        </p:nvSpPr>
+        <p:spPr>
+          <a:xfrm>
+            <a:off x="685800" y="1143000"/>
+            <a:ext cx="5486400" cy="3086100"/>
+          </a:xfrm>
+          <a:custGeom>
+            <a:rect b="b" l="l" r="r" t="t"/>
+            <a:pathLst>
+              <a:path extrusionOk="0" h="120000" w="120000">
+                <a:moveTo>
+                  <a:pt x="0" y="0"/>
+                </a:moveTo>
+                <a:lnTo>
+                  <a:pt x="120000" y="0"/>
+                </a:lnTo>
+                <a:lnTo>
+                  <a:pt x="120000" y="120000"/>
+                </a:lnTo>
+                <a:lnTo>
+                  <a:pt x="0" y="120000"/>
+                </a:lnTo>
+                <a:close/>
+              </a:path>
+            </a:pathLst>
+          </a:custGeom>
+        </p:spPr>
+      </p:sp>
+      <p:sp>
+        <p:nvSpPr>
+          <p:cNvPr id="317" name="Google Shape;317;g2c81fcb20f4_1_2:notes"/>
+          <p:cNvSpPr txBox="1"/>
+          <p:nvPr>
+            <p:ph idx="1" type="body"/>
+          </p:nvPr>
+        </p:nvSpPr>
+        <p:spPr>
+          <a:xfrm>
+            <a:off x="685800" y="4400550"/>
+            <a:ext cx="5486400" cy="3600600"/>
+          </a:xfrm>
+          <a:prstGeom prst="rect">
+            <a:avLst/>
+          </a:prstGeom>
+        </p:spPr>
+        <p:txBody>
+          <a:bodyPr anchorCtr="0" anchor="t" bIns="45700" lIns="91425" spcFirstLastPara="1" rIns="91425" wrap="square" tIns="45700">
+            <a:noAutofit/>
+          </a:bodyPr>
+          <a:lstStyle/>
+          <a:p>
+            <a:pPr indent="0" lvl="0" marL="0" rtl="0" algn="l">
+              <a:spcBef>
+                <a:spcPts val="0"/>
+              </a:spcBef>
+              <a:spcAft>
+                <a:spcPts val="0"/>
+              </a:spcAft>
+              <a:buNone/>
+            </a:pPr>
+            <a:r>
+              <a:t/>
+            </a:r>
+            <a:endParaRPr/>
+          </a:p>
+        </p:txBody>
+      </p:sp>
+      <p:sp>
+        <p:nvSpPr>
+          <p:cNvPr id="318" name="Google Shape;318;g2c81fcb20f4_1_2:notes"/>
+          <p:cNvSpPr txBox="1"/>
+          <p:nvPr>
+            <p:ph idx="12" type="sldNum"/>
+          </p:nvPr>
+        </p:nvSpPr>
+        <p:spPr>
+          <a:xfrm>
+            <a:off x="3884613" y="8685213"/>
+            <a:ext cx="2971800" cy="458700"/>
+          </a:xfrm>
+          <a:prstGeom prst="rect">
+            <a:avLst/>
+          </a:prstGeom>
+        </p:spPr>
+        <p:txBody>
+          <a:bodyPr anchorCtr="0" anchor="b" bIns="45700" lIns="91425" spcFirstLastPara="1" rIns="91425" wrap="square" tIns="45700">
+            <a:noAutofit/>
+          </a:bodyPr>
+          <a:lstStyle/>
+          <a:p>
+            <a:pPr indent="0" lvl="0" marL="0" rtl="0" algn="r">
+              <a:spcBef>
+                <a:spcPts val="0"/>
+              </a:spcBef>
+              <a:spcAft>
+                <a:spcPts val="0"/>
+              </a:spcAft>
+              <a:buClr>
+                <a:srgbClr val="000000"/>
+              </a:buClr>
+              <a:buSzPts val="1200"/>
+              <a:buFont typeface="Arial"/>
+              <a:buNone/>
+            </a:pPr>
+            <a:fld id="{00000000-1234-1234-1234-123412341234}" type="slidenum">
+              <a:rPr lang="en-US"/>
+              <a:t>‹#›</a:t>
+            </a:fld>
+            <a:endParaRPr/>
+          </a:p>
+        </p:txBody>
+      </p:sp>
+    </p:spTree>
+  </p:cSld>
+  <p:clrMapOvr>
+    <a:masterClrMapping/>
+  </p:clrMapOvr>
+</p:notes>
+</file>
+
+<file path=ppt/notesSlides/notesSlide31.xml><?xml version="1.0" encoding="utf-8"?>
+<p:notes xmlns:a="http://schemas.openxmlformats.org/drawingml/2006/main" xmlns:r="http://schemas.openxmlformats.org/officeDocument/2006/relationships" xmlns:mc="http://schemas.openxmlformats.org/markup-compatibility/2006" xmlns:mv="urn:schemas-microsoft-com:mac:vml" xmlns:p="http://schemas.openxmlformats.org/presentationml/2006/main" xmlns:c="http://schemas.openxmlformats.org/drawingml/2006/chart" xmlns:dgm="http://schemas.openxmlformats.org/drawingml/2006/diagram" xmlns:o="urn:schemas-microsoft-com:office:office" xmlns:v="urn:schemas-microsoft-com:vml" xmlns:pvml="urn:schemas-microsoft-com:office:powerpoint" xmlns:com="http://schemas.openxmlformats.org/drawingml/2006/compatibility" xmlns:p14="http://schemas.microsoft.com/office/powerpoint/2010/main" xmlns:p15="http://schemas.microsoft.com/office/powerpoint/2012/main" xmlns:ahyp="http://schemas.microsoft.com/office/drawing/2018/hyperlinkcolor" showMasterPhAnim="0" showMasterSp="0">
+  <p:cSld>
+    <p:spTree>
+      <p:nvGrpSpPr>
+        <p:cNvPr id="328" name="Shape 328"/>
+        <p:cNvGrpSpPr/>
+        <p:nvPr/>
+      </p:nvGrpSpPr>
+      <p:grpSpPr>
+        <a:xfrm>
+          <a:off x="0" y="0"/>
+          <a:ext cx="0" cy="0"/>
+          <a:chOff x="0" y="0"/>
+          <a:chExt cx="0" cy="0"/>
+        </a:xfrm>
+      </p:grpSpPr>
+      <p:sp>
+        <p:nvSpPr>
+          <p:cNvPr id="329" name="Google Shape;329;g2c81fcb20f4_2_8:notes"/>
+          <p:cNvSpPr/>
+          <p:nvPr>
+            <p:ph idx="2" type="sldImg"/>
+          </p:nvPr>
+        </p:nvSpPr>
+        <p:spPr>
+          <a:xfrm>
+            <a:off x="685800" y="1143000"/>
+            <a:ext cx="5486400" cy="3086100"/>
+          </a:xfrm>
+          <a:custGeom>
+            <a:rect b="b" l="l" r="r" t="t"/>
+            <a:pathLst>
+              <a:path extrusionOk="0" h="120000" w="120000">
+                <a:moveTo>
+                  <a:pt x="0" y="0"/>
+                </a:moveTo>
+                <a:lnTo>
+                  <a:pt x="120000" y="0"/>
+                </a:lnTo>
+                <a:lnTo>
+                  <a:pt x="120000" y="120000"/>
+                </a:lnTo>
+                <a:lnTo>
+                  <a:pt x="0" y="120000"/>
+                </a:lnTo>
+                <a:close/>
+              </a:path>
+            </a:pathLst>
+          </a:custGeom>
+        </p:spPr>
+      </p:sp>
+      <p:sp>
+        <p:nvSpPr>
+          <p:cNvPr id="330" name="Google Shape;330;g2c81fcb20f4_2_8:notes"/>
+          <p:cNvSpPr txBox="1"/>
+          <p:nvPr>
+            <p:ph idx="1" type="body"/>
+          </p:nvPr>
+        </p:nvSpPr>
+        <p:spPr>
+          <a:xfrm>
+            <a:off x="685800" y="4400550"/>
+            <a:ext cx="5486400" cy="3600600"/>
+          </a:xfrm>
+          <a:prstGeom prst="rect">
+            <a:avLst/>
+          </a:prstGeom>
+        </p:spPr>
+        <p:txBody>
+          <a:bodyPr anchorCtr="0" anchor="t" bIns="45700" lIns="91425" spcFirstLastPara="1" rIns="91425" wrap="square" tIns="45700">
+            <a:noAutofit/>
+          </a:bodyPr>
+          <a:lstStyle/>
+          <a:p>
+            <a:pPr indent="0" lvl="0" marL="0" rtl="0" algn="l">
+              <a:spcBef>
+                <a:spcPts val="0"/>
+              </a:spcBef>
+              <a:spcAft>
+                <a:spcPts val="0"/>
+              </a:spcAft>
+              <a:buNone/>
+            </a:pPr>
+            <a:r>
+              <a:t/>
+            </a:r>
+            <a:endParaRPr/>
+          </a:p>
+        </p:txBody>
+      </p:sp>
+      <p:sp>
+        <p:nvSpPr>
+          <p:cNvPr id="331" name="Google Shape;331;g2c81fcb20f4_2_8:notes"/>
+          <p:cNvSpPr txBox="1"/>
+          <p:nvPr>
+            <p:ph idx="12" type="sldNum"/>
+          </p:nvPr>
+        </p:nvSpPr>
+        <p:spPr>
+          <a:xfrm>
+            <a:off x="3884613" y="8685213"/>
+            <a:ext cx="2971800" cy="458700"/>
+          </a:xfrm>
+          <a:prstGeom prst="rect">
+            <a:avLst/>
+          </a:prstGeom>
+        </p:spPr>
+        <p:txBody>
+          <a:bodyPr anchorCtr="0" anchor="b" bIns="45700" lIns="91425" spcFirstLastPara="1" rIns="91425" wrap="square" tIns="45700">
+            <a:noAutofit/>
+          </a:bodyPr>
+          <a:lstStyle/>
+          <a:p>
+            <a:pPr indent="0" lvl="0" marL="0" rtl="0" algn="r">
+              <a:spcBef>
+                <a:spcPts val="0"/>
+              </a:spcBef>
+              <a:spcAft>
+                <a:spcPts val="0"/>
+              </a:spcAft>
+              <a:buClr>
+                <a:srgbClr val="000000"/>
+              </a:buClr>
+              <a:buSzPts val="1200"/>
+              <a:buFont typeface="Arial"/>
+              <a:buNone/>
+            </a:pPr>
+            <a:fld id="{00000000-1234-1234-1234-123412341234}" type="slidenum">
+              <a:rPr lang="en-US"/>
+              <a:t>‹#›</a:t>
+            </a:fld>
+            <a:endParaRPr/>
+          </a:p>
+        </p:txBody>
+      </p:sp>
+    </p:spTree>
+  </p:cSld>
+  <p:clrMapOvr>
+    <a:masterClrMapping/>
+  </p:clrMapOvr>
+</p:notes>
+</file>
+
+<file path=ppt/notesSlides/notesSlide32.xml><?xml version="1.0" encoding="utf-8"?>
+<p:notes xmlns:a="http://schemas.openxmlformats.org/drawingml/2006/main" xmlns:r="http://schemas.openxmlformats.org/officeDocument/2006/relationships" xmlns:mc="http://schemas.openxmlformats.org/markup-compatibility/2006" xmlns:mv="urn:schemas-microsoft-com:mac:vml" xmlns:p="http://schemas.openxmlformats.org/presentationml/2006/main" xmlns:c="http://schemas.openxmlformats.org/drawingml/2006/chart" xmlns:dgm="http://schemas.openxmlformats.org/drawingml/2006/diagram" xmlns:o="urn:schemas-microsoft-com:office:office" xmlns:v="urn:schemas-microsoft-com:vml" xmlns:pvml="urn:schemas-microsoft-com:office:powerpoint" xmlns:com="http://schemas.openxmlformats.org/drawingml/2006/compatibility" xmlns:p14="http://schemas.microsoft.com/office/powerpoint/2010/main" xmlns:p15="http://schemas.microsoft.com/office/powerpoint/2012/main" xmlns:ahyp="http://schemas.microsoft.com/office/drawing/2018/hyperlinkcolor" showMasterPhAnim="0" showMasterSp="0">
+  <p:cSld>
+    <p:spTree>
+      <p:nvGrpSpPr>
+        <p:cNvPr id="335" name="Shape 335"/>
+        <p:cNvGrpSpPr/>
+        <p:nvPr/>
+      </p:nvGrpSpPr>
+      <p:grpSpPr>
+        <a:xfrm>
+          <a:off x="0" y="0"/>
+          <a:ext cx="0" cy="0"/>
+          <a:chOff x="0" y="0"/>
+          <a:chExt cx="0" cy="0"/>
+        </a:xfrm>
+      </p:grpSpPr>
+      <p:sp>
+        <p:nvSpPr>
+          <p:cNvPr id="336" name="Google Shape;336;g26ce01a8fcf_1_5:notes"/>
+          <p:cNvSpPr txBox="1"/>
+          <p:nvPr>
+            <p:ph idx="1" type="body"/>
+          </p:nvPr>
+        </p:nvSpPr>
+        <p:spPr>
+          <a:xfrm>
+            <a:off x="685800" y="4400550"/>
+            <a:ext cx="5486400" cy="3600600"/>
+          </a:xfrm>
+          <a:prstGeom prst="rect">
+            <a:avLst/>
+          </a:prstGeom>
+          <a:noFill/>
+          <a:ln>
+            <a:noFill/>
+          </a:ln>
+        </p:spPr>
+        <p:txBody>
+          <a:bodyPr anchorCtr="0" anchor="t" bIns="45700" lIns="91425" spcFirstLastPara="1" rIns="91425" wrap="square" tIns="45700">
+            <a:noAutofit/>
+          </a:bodyPr>
+          <a:lstStyle/>
+          <a:p>
+            <a:pPr indent="0" lvl="0" marL="0" rtl="0" algn="l">
+              <a:lnSpc>
+                <a:spcPct val="100000"/>
+              </a:lnSpc>
+              <a:spcBef>
+                <a:spcPts val="0"/>
+              </a:spcBef>
+              <a:spcAft>
+                <a:spcPts val="0"/>
+              </a:spcAft>
+              <a:buSzPts val="1400"/>
+              <a:buNone/>
+            </a:pPr>
+            <a:r>
+              <a:t/>
+            </a:r>
+            <a:endParaRPr/>
+          </a:p>
+        </p:txBody>
+      </p:sp>
+      <p:sp>
+        <p:nvSpPr>
+          <p:cNvPr id="337" name="Google Shape;337;g26ce01a8fcf_1_5:notes"/>
+          <p:cNvSpPr/>
+          <p:nvPr>
+            <p:ph idx="2" type="sldImg"/>
+          </p:nvPr>
+        </p:nvSpPr>
+        <p:spPr>
+          <a:xfrm>
+            <a:off x="685800" y="1143000"/>
+            <a:ext cx="5486400" cy="3086100"/>
+          </a:xfrm>
+          <a:custGeom>
+            <a:rect b="b" l="l" r="r" t="t"/>
+            <a:pathLst>
+              <a:path extrusionOk="0" h="120000" w="120000">
+                <a:moveTo>
+                  <a:pt x="0" y="0"/>
+                </a:moveTo>
+                <a:lnTo>
+                  <a:pt x="120000" y="0"/>
+                </a:lnTo>
+                <a:lnTo>
+                  <a:pt x="120000" y="120000"/>
+                </a:lnTo>
+                <a:lnTo>
+                  <a:pt x="0" y="120000"/>
+                </a:lnTo>
+                <a:close/>
+              </a:path>
+            </a:pathLst>
+          </a:custGeom>
+          <a:noFill/>
+          <a:ln cap="flat" cmpd="sng" w="12700">
+            <a:solidFill>
+              <a:srgbClr val="000000"/>
+            </a:solidFill>
+            <a:prstDash val="solid"/>
+            <a:round/>
+            <a:headEnd len="sm" w="sm" type="none"/>
+            <a:tailEnd len="sm" w="sm" type="none"/>
+          </a:ln>
+        </p:spPr>
+      </p:sp>
+    </p:spTree>
+  </p:cSld>
+  <p:clrMapOvr>
+    <a:masterClrMapping/>
+  </p:clrMapOvr>
+</p:notes>
+</file>
+
+<file path=ppt/notesSlides/notesSlide33.xml><?xml version="1.0" encoding="utf-8"?>
+<p:notes xmlns:a="http://schemas.openxmlformats.org/drawingml/2006/main" xmlns:r="http://schemas.openxmlformats.org/officeDocument/2006/relationships" xmlns:mc="http://schemas.openxmlformats.org/markup-compatibility/2006" xmlns:mv="urn:schemas-microsoft-com:mac:vml" xmlns:p="http://schemas.openxmlformats.org/presentationml/2006/main" xmlns:c="http://schemas.openxmlformats.org/drawingml/2006/chart" xmlns:dgm="http://schemas.openxmlformats.org/drawingml/2006/diagram" xmlns:o="urn:schemas-microsoft-com:office:office" xmlns:v="urn:schemas-microsoft-com:vml" xmlns:pvml="urn:schemas-microsoft-com:office:powerpoint" xmlns:com="http://schemas.openxmlformats.org/drawingml/2006/compatibility" xmlns:p14="http://schemas.microsoft.com/office/powerpoint/2010/main" xmlns:p15="http://schemas.microsoft.com/office/powerpoint/2012/main" xmlns:ahyp="http://schemas.microsoft.com/office/drawing/2018/hyperlinkcolor" showMasterPhAnim="0" showMasterSp="0">
+  <p:cSld>
+    <p:spTree>
+      <p:nvGrpSpPr>
+        <p:cNvPr id="341" name="Shape 341"/>
+        <p:cNvGrpSpPr/>
+        <p:nvPr/>
+      </p:nvGrpSpPr>
+      <p:grpSpPr>
+        <a:xfrm>
+          <a:off x="0" y="0"/>
+          <a:ext cx="0" cy="0"/>
+          <a:chOff x="0" y="0"/>
+          <a:chExt cx="0" cy="0"/>
+        </a:xfrm>
+      </p:grpSpPr>
+      <p:sp>
+        <p:nvSpPr>
+          <p:cNvPr id="342" name="Google Shape;342;g2c7e46875cf_0_0:notes"/>
           <p:cNvSpPr/>
           <p:nvPr>
             <p:ph idx="2" type="sldImg"/>
@@ -4660,7 +4945,7 @@
       </p:sp>
       <p:sp>
         <p:nvSpPr>
-          <p:cNvPr id="311" name="Google Shape;311;g2c7e46875cf_0_0:notes"/>
+          <p:cNvPr id="343" name="Google Shape;343;g2c7e46875cf_0_0:notes"/>
           <p:cNvSpPr txBox="1"/>
           <p:nvPr>
             <p:ph idx="1" type="body"/>
@@ -4705,12 +4990,12 @@
 </p:notes>
 </file>
 
-<file path=ppt/notesSlides/notesSlide32.xml><?xml version="1.0" encoding="utf-8"?>
+<file path=ppt/notesSlides/notesSlide34.xml><?xml version="1.0" encoding="utf-8"?>
 <p:notes xmlns:a="http://schemas.openxmlformats.org/drawingml/2006/main" xmlns:r="http://schemas.openxmlformats.org/officeDocument/2006/relationships" xmlns:mc="http://schemas.openxmlformats.org/markup-compatibility/2006" xmlns:mv="urn:schemas-microsoft-com:mac:vml" xmlns:p="http://schemas.openxmlformats.org/presentationml/2006/main" xmlns:c="http://schemas.openxmlformats.org/drawingml/2006/chart" xmlns:dgm="http://schemas.openxmlformats.org/drawingml/2006/diagram" xmlns:o="urn:schemas-microsoft-com:office:office" xmlns:v="urn:schemas-microsoft-com:vml" xmlns:pvml="urn:schemas-microsoft-com:office:powerpoint" xmlns:com="http://schemas.openxmlformats.org/drawingml/2006/compatibility" xmlns:p14="http://schemas.microsoft.com/office/powerpoint/2010/main" xmlns:p15="http://schemas.microsoft.com/office/powerpoint/2012/main" xmlns:ahyp="http://schemas.microsoft.com/office/drawing/2018/hyperlinkcolor" showMasterPhAnim="0" showMasterSp="0">
   <p:cSld>
     <p:spTree>
       <p:nvGrpSpPr>
-        <p:cNvPr id="317" name="Shape 317"/>
+        <p:cNvPr id="349" name="Shape 349"/>
         <p:cNvGrpSpPr/>
         <p:nvPr/>
       </p:nvGrpSpPr>
@@ -4724,7 +5009,106 @@
       </p:grpSpPr>
       <p:sp>
         <p:nvSpPr>
-          <p:cNvPr id="318" name="Google Shape;318;g26ce01a8fcf_1_10:notes"/>
+          <p:cNvPr id="350" name="Google Shape;350;g3474fa1927f_0_6:notes"/>
+          <p:cNvSpPr/>
+          <p:nvPr>
+            <p:ph idx="2" type="sldImg"/>
+          </p:nvPr>
+        </p:nvSpPr>
+        <p:spPr>
+          <a:xfrm>
+            <a:off x="381000" y="685800"/>
+            <a:ext cx="6096000" cy="3429000"/>
+          </a:xfrm>
+          <a:custGeom>
+            <a:rect b="b" l="l" r="r" t="t"/>
+            <a:pathLst>
+              <a:path extrusionOk="0" h="120000" w="120000">
+                <a:moveTo>
+                  <a:pt x="0" y="0"/>
+                </a:moveTo>
+                <a:lnTo>
+                  <a:pt x="120000" y="0"/>
+                </a:lnTo>
+                <a:lnTo>
+                  <a:pt x="120000" y="120000"/>
+                </a:lnTo>
+                <a:lnTo>
+                  <a:pt x="0" y="120000"/>
+                </a:lnTo>
+                <a:close/>
+              </a:path>
+            </a:pathLst>
+          </a:custGeom>
+        </p:spPr>
+      </p:sp>
+      <p:sp>
+        <p:nvSpPr>
+          <p:cNvPr id="351" name="Google Shape;351;g3474fa1927f_0_6:notes"/>
+          <p:cNvSpPr txBox="1"/>
+          <p:nvPr>
+            <p:ph idx="1" type="body"/>
+          </p:nvPr>
+        </p:nvSpPr>
+        <p:spPr>
+          <a:xfrm>
+            <a:off x="914400" y="4343400"/>
+            <a:ext cx="5029200" cy="4114800"/>
+          </a:xfrm>
+          <a:prstGeom prst="rect">
+            <a:avLst/>
+          </a:prstGeom>
+        </p:spPr>
+        <p:txBody>
+          <a:bodyPr anchorCtr="0" anchor="t" bIns="45700" lIns="91425" spcFirstLastPara="1" rIns="91425" wrap="square" tIns="45700">
+            <a:noAutofit/>
+          </a:bodyPr>
+          <a:lstStyle/>
+          <a:p>
+            <a:pPr indent="0" lvl="0" marL="0" rtl="0" algn="l">
+              <a:spcBef>
+                <a:spcPts val="0"/>
+              </a:spcBef>
+              <a:spcAft>
+                <a:spcPts val="0"/>
+              </a:spcAft>
+              <a:buNone/>
+            </a:pPr>
+            <a:r>
+              <a:t/>
+            </a:r>
+            <a:endParaRPr/>
+          </a:p>
+        </p:txBody>
+      </p:sp>
+    </p:spTree>
+  </p:cSld>
+  <p:clrMapOvr>
+    <a:masterClrMapping/>
+  </p:clrMapOvr>
+</p:notes>
+</file>
+
+<file path=ppt/notesSlides/notesSlide35.xml><?xml version="1.0" encoding="utf-8"?>
+<p:notes xmlns:a="http://schemas.openxmlformats.org/drawingml/2006/main" xmlns:r="http://schemas.openxmlformats.org/officeDocument/2006/relationships" xmlns:mc="http://schemas.openxmlformats.org/markup-compatibility/2006" xmlns:mv="urn:schemas-microsoft-com:mac:vml" xmlns:p="http://schemas.openxmlformats.org/presentationml/2006/main" xmlns:c="http://schemas.openxmlformats.org/drawingml/2006/chart" xmlns:dgm="http://schemas.openxmlformats.org/drawingml/2006/diagram" xmlns:o="urn:schemas-microsoft-com:office:office" xmlns:v="urn:schemas-microsoft-com:vml" xmlns:pvml="urn:schemas-microsoft-com:office:powerpoint" xmlns:com="http://schemas.openxmlformats.org/drawingml/2006/compatibility" xmlns:p14="http://schemas.microsoft.com/office/powerpoint/2010/main" xmlns:p15="http://schemas.microsoft.com/office/powerpoint/2012/main" xmlns:ahyp="http://schemas.microsoft.com/office/drawing/2018/hyperlinkcolor" showMasterPhAnim="0" showMasterSp="0">
+  <p:cSld>
+    <p:spTree>
+      <p:nvGrpSpPr>
+        <p:cNvPr id="358" name="Shape 358"/>
+        <p:cNvGrpSpPr/>
+        <p:nvPr/>
+      </p:nvGrpSpPr>
+      <p:grpSpPr>
+        <a:xfrm>
+          <a:off x="0" y="0"/>
+          <a:ext cx="0" cy="0"/>
+          <a:chOff x="0" y="0"/>
+          <a:chExt cx="0" cy="0"/>
+        </a:xfrm>
+      </p:grpSpPr>
+      <p:sp>
+        <p:nvSpPr>
+          <p:cNvPr id="359" name="Google Shape;359;g26ce01a8fcf_1_10:notes"/>
           <p:cNvSpPr txBox="1"/>
           <p:nvPr>
             <p:ph idx="1" type="body"/>
@@ -4771,7 +5155,7 @@
       </p:sp>
       <p:sp>
         <p:nvSpPr>
-          <p:cNvPr id="319" name="Google Shape;319;g26ce01a8fcf_1_10:notes"/>
+          <p:cNvPr id="360" name="Google Shape;360;g26ce01a8fcf_1_10:notes"/>
           <p:cNvSpPr/>
           <p:nvPr>
             <p:ph idx="2" type="sldImg"/>
@@ -4827,7 +5211,7 @@
   <p:cSld>
     <p:spTree>
       <p:nvGrpSpPr>
-        <p:cNvPr id="120" name="Shape 120"/>
+        <p:cNvPr id="124" name="Shape 124"/>
         <p:cNvGrpSpPr/>
         <p:nvPr/>
       </p:nvGrpSpPr>
@@ -4841,7 +5225,7 @@
       </p:grpSpPr>
       <p:sp>
         <p:nvSpPr>
-          <p:cNvPr id="121" name="Google Shape;121;p4:notes"/>
+          <p:cNvPr id="125" name="Google Shape;125;p3:notes"/>
           <p:cNvSpPr txBox="1"/>
           <p:nvPr>
             <p:ph idx="1" type="body"/>
@@ -4888,7 +5272,7 @@
       </p:sp>
       <p:sp>
         <p:nvSpPr>
-          <p:cNvPr id="122" name="Google Shape;122;p4:notes"/>
+          <p:cNvPr id="126" name="Google Shape;126;p3:notes"/>
           <p:cNvSpPr/>
           <p:nvPr>
             <p:ph idx="2" type="sldImg"/>
@@ -4944,7 +5328,7 @@
   <p:cSld>
     <p:spTree>
       <p:nvGrpSpPr>
-        <p:cNvPr id="126" name="Shape 126"/>
+        <p:cNvPr id="132" name="Shape 132"/>
         <p:cNvGrpSpPr/>
         <p:nvPr/>
       </p:nvGrpSpPr>
@@ -4958,151 +5342,7 @@
       </p:grpSpPr>
       <p:sp>
         <p:nvSpPr>
-          <p:cNvPr id="127" name="Google Shape;127;g2c7e46875cf_0_213:notes"/>
-          <p:cNvSpPr/>
-          <p:nvPr>
-            <p:ph idx="2" type="sldImg"/>
-          </p:nvPr>
-        </p:nvSpPr>
-        <p:spPr>
-          <a:xfrm>
-            <a:off x="685800" y="1143000"/>
-            <a:ext cx="5486400" cy="3086100"/>
-          </a:xfrm>
-          <a:custGeom>
-            <a:rect b="b" l="l" r="r" t="t"/>
-            <a:pathLst>
-              <a:path extrusionOk="0" h="120000" w="120000">
-                <a:moveTo>
-                  <a:pt x="0" y="0"/>
-                </a:moveTo>
-                <a:lnTo>
-                  <a:pt x="120000" y="0"/>
-                </a:lnTo>
-                <a:lnTo>
-                  <a:pt x="120000" y="120000"/>
-                </a:lnTo>
-                <a:lnTo>
-                  <a:pt x="0" y="120000"/>
-                </a:lnTo>
-                <a:close/>
-              </a:path>
-            </a:pathLst>
-          </a:custGeom>
-        </p:spPr>
-      </p:sp>
-      <p:sp>
-        <p:nvSpPr>
-          <p:cNvPr id="128" name="Google Shape;128;g2c7e46875cf_0_213:notes"/>
-          <p:cNvSpPr txBox="1"/>
-          <p:nvPr>
-            <p:ph idx="1" type="body"/>
-          </p:nvPr>
-        </p:nvSpPr>
-        <p:spPr>
-          <a:xfrm>
-            <a:off x="685800" y="4400550"/>
-            <a:ext cx="5486400" cy="3600600"/>
-          </a:xfrm>
-          <a:prstGeom prst="rect">
-            <a:avLst/>
-          </a:prstGeom>
-        </p:spPr>
-        <p:txBody>
-          <a:bodyPr anchorCtr="0" anchor="t" bIns="45700" lIns="91425" spcFirstLastPara="1" rIns="91425" wrap="square" tIns="45700">
-            <a:noAutofit/>
-          </a:bodyPr>
-          <a:lstStyle/>
-          <a:p>
-            <a:pPr indent="0" lvl="0" marL="0" rtl="0" algn="l">
-              <a:spcBef>
-                <a:spcPts val="0"/>
-              </a:spcBef>
-              <a:spcAft>
-                <a:spcPts val="0"/>
-              </a:spcAft>
-              <a:buNone/>
-            </a:pPr>
-            <a:r>
-              <a:t/>
-            </a:r>
-            <a:endParaRPr/>
-          </a:p>
-        </p:txBody>
-      </p:sp>
-      <p:sp>
-        <p:nvSpPr>
-          <p:cNvPr id="129" name="Google Shape;129;g2c7e46875cf_0_213:notes"/>
-          <p:cNvSpPr txBox="1"/>
-          <p:nvPr>
-            <p:ph idx="12" type="sldNum"/>
-          </p:nvPr>
-        </p:nvSpPr>
-        <p:spPr>
-          <a:xfrm>
-            <a:off x="3884613" y="8685213"/>
-            <a:ext cx="2971800" cy="458700"/>
-          </a:xfrm>
-          <a:prstGeom prst="rect">
-            <a:avLst/>
-          </a:prstGeom>
-        </p:spPr>
-        <p:txBody>
-          <a:bodyPr anchorCtr="0" anchor="b" bIns="45700" lIns="91425" spcFirstLastPara="1" rIns="91425" wrap="square" tIns="45700">
-            <a:noAutofit/>
-          </a:bodyPr>
-          <a:lstStyle/>
-          <a:p>
-            <a:pPr indent="0" lvl="0" marL="0" rtl="0" algn="r">
-              <a:spcBef>
-                <a:spcPts val="0"/>
-              </a:spcBef>
-              <a:spcAft>
-                <a:spcPts val="0"/>
-              </a:spcAft>
-              <a:buClr>
-                <a:srgbClr val="000000"/>
-              </a:buClr>
-              <a:buSzPts val="1200"/>
-              <a:buFont typeface="Arial"/>
-              <a:buNone/>
-            </a:pPr>
-            <a:fld id="{00000000-1234-1234-1234-123412341234}" type="slidenum">
-              <a:rPr lang="en-US"/>
-              <a:t>‹#›</a:t>
-            </a:fld>
-            <a:endParaRPr/>
-          </a:p>
-        </p:txBody>
-      </p:sp>
-    </p:spTree>
-  </p:cSld>
-  <p:clrMapOvr>
-    <a:masterClrMapping/>
-  </p:clrMapOvr>
-</p:notes>
-</file>
-
-<file path=ppt/notesSlides/notesSlide6.xml><?xml version="1.0" encoding="utf-8"?>
-<p:notes xmlns:a="http://schemas.openxmlformats.org/drawingml/2006/main" xmlns:r="http://schemas.openxmlformats.org/officeDocument/2006/relationships" xmlns:mc="http://schemas.openxmlformats.org/markup-compatibility/2006" xmlns:mv="urn:schemas-microsoft-com:mac:vml" xmlns:p="http://schemas.openxmlformats.org/presentationml/2006/main" xmlns:c="http://schemas.openxmlformats.org/drawingml/2006/chart" xmlns:dgm="http://schemas.openxmlformats.org/drawingml/2006/diagram" xmlns:o="urn:schemas-microsoft-com:office:office" xmlns:v="urn:schemas-microsoft-com:vml" xmlns:pvml="urn:schemas-microsoft-com:office:powerpoint" xmlns:com="http://schemas.openxmlformats.org/drawingml/2006/compatibility" xmlns:p14="http://schemas.microsoft.com/office/powerpoint/2010/main" xmlns:p15="http://schemas.microsoft.com/office/powerpoint/2012/main" xmlns:ahyp="http://schemas.microsoft.com/office/drawing/2018/hyperlinkcolor" showMasterPhAnim="0" showMasterSp="0">
-  <p:cSld>
-    <p:spTree>
-      <p:nvGrpSpPr>
-        <p:cNvPr id="134" name="Shape 134"/>
-        <p:cNvGrpSpPr/>
-        <p:nvPr/>
-      </p:nvGrpSpPr>
-      <p:grpSpPr>
-        <a:xfrm>
-          <a:off x="0" y="0"/>
-          <a:ext cx="0" cy="0"/>
-          <a:chOff x="0" y="0"/>
-          <a:chExt cx="0" cy="0"/>
-        </a:xfrm>
-      </p:grpSpPr>
-      <p:sp>
-        <p:nvSpPr>
-          <p:cNvPr id="135" name="Google Shape;135;p5:notes"/>
+          <p:cNvPr id="133" name="Google Shape;133;p4:notes"/>
           <p:cNvSpPr txBox="1"/>
           <p:nvPr>
             <p:ph idx="1" type="body"/>
@@ -5149,7 +5389,7 @@
       </p:sp>
       <p:sp>
         <p:nvSpPr>
-          <p:cNvPr id="136" name="Google Shape;136;p5:notes"/>
+          <p:cNvPr id="134" name="Google Shape;134;p4:notes"/>
           <p:cNvSpPr/>
           <p:nvPr>
             <p:ph idx="2" type="sldImg"/>
@@ -5200,12 +5440,12 @@
 </p:notes>
 </file>
 
-<file path=ppt/notesSlides/notesSlide7.xml><?xml version="1.0" encoding="utf-8"?>
+<file path=ppt/notesSlides/notesSlide6.xml><?xml version="1.0" encoding="utf-8"?>
 <p:notes xmlns:a="http://schemas.openxmlformats.org/drawingml/2006/main" xmlns:r="http://schemas.openxmlformats.org/officeDocument/2006/relationships" xmlns:mc="http://schemas.openxmlformats.org/markup-compatibility/2006" xmlns:mv="urn:schemas-microsoft-com:mac:vml" xmlns:p="http://schemas.openxmlformats.org/presentationml/2006/main" xmlns:c="http://schemas.openxmlformats.org/drawingml/2006/chart" xmlns:dgm="http://schemas.openxmlformats.org/drawingml/2006/diagram" xmlns:o="urn:schemas-microsoft-com:office:office" xmlns:v="urn:schemas-microsoft-com:vml" xmlns:pvml="urn:schemas-microsoft-com:office:powerpoint" xmlns:com="http://schemas.openxmlformats.org/drawingml/2006/compatibility" xmlns:p14="http://schemas.microsoft.com/office/powerpoint/2010/main" xmlns:p15="http://schemas.microsoft.com/office/powerpoint/2012/main" xmlns:ahyp="http://schemas.microsoft.com/office/drawing/2018/hyperlinkcolor" showMasterPhAnim="0" showMasterSp="0">
   <p:cSld>
     <p:spTree>
       <p:nvGrpSpPr>
-        <p:cNvPr id="140" name="Shape 140"/>
+        <p:cNvPr id="139" name="Shape 139"/>
         <p:cNvGrpSpPr/>
         <p:nvPr/>
       </p:nvGrpSpPr>
@@ -5219,7 +5459,151 @@
       </p:grpSpPr>
       <p:sp>
         <p:nvSpPr>
-          <p:cNvPr id="141" name="Google Shape;141;p6:notes"/>
+          <p:cNvPr id="140" name="Google Shape;140;g2c7e46875cf_0_213:notes"/>
+          <p:cNvSpPr/>
+          <p:nvPr>
+            <p:ph idx="2" type="sldImg"/>
+          </p:nvPr>
+        </p:nvSpPr>
+        <p:spPr>
+          <a:xfrm>
+            <a:off x="685800" y="1143000"/>
+            <a:ext cx="5486400" cy="3086100"/>
+          </a:xfrm>
+          <a:custGeom>
+            <a:rect b="b" l="l" r="r" t="t"/>
+            <a:pathLst>
+              <a:path extrusionOk="0" h="120000" w="120000">
+                <a:moveTo>
+                  <a:pt x="0" y="0"/>
+                </a:moveTo>
+                <a:lnTo>
+                  <a:pt x="120000" y="0"/>
+                </a:lnTo>
+                <a:lnTo>
+                  <a:pt x="120000" y="120000"/>
+                </a:lnTo>
+                <a:lnTo>
+                  <a:pt x="0" y="120000"/>
+                </a:lnTo>
+                <a:close/>
+              </a:path>
+            </a:pathLst>
+          </a:custGeom>
+        </p:spPr>
+      </p:sp>
+      <p:sp>
+        <p:nvSpPr>
+          <p:cNvPr id="141" name="Google Shape;141;g2c7e46875cf_0_213:notes"/>
+          <p:cNvSpPr txBox="1"/>
+          <p:nvPr>
+            <p:ph idx="1" type="body"/>
+          </p:nvPr>
+        </p:nvSpPr>
+        <p:spPr>
+          <a:xfrm>
+            <a:off x="685800" y="4400550"/>
+            <a:ext cx="5486400" cy="3600600"/>
+          </a:xfrm>
+          <a:prstGeom prst="rect">
+            <a:avLst/>
+          </a:prstGeom>
+        </p:spPr>
+        <p:txBody>
+          <a:bodyPr anchorCtr="0" anchor="t" bIns="45700" lIns="91425" spcFirstLastPara="1" rIns="91425" wrap="square" tIns="45700">
+            <a:noAutofit/>
+          </a:bodyPr>
+          <a:lstStyle/>
+          <a:p>
+            <a:pPr indent="0" lvl="0" marL="0" rtl="0" algn="l">
+              <a:spcBef>
+                <a:spcPts val="0"/>
+              </a:spcBef>
+              <a:spcAft>
+                <a:spcPts val="0"/>
+              </a:spcAft>
+              <a:buNone/>
+            </a:pPr>
+            <a:r>
+              <a:t/>
+            </a:r>
+            <a:endParaRPr/>
+          </a:p>
+        </p:txBody>
+      </p:sp>
+      <p:sp>
+        <p:nvSpPr>
+          <p:cNvPr id="142" name="Google Shape;142;g2c7e46875cf_0_213:notes"/>
+          <p:cNvSpPr txBox="1"/>
+          <p:nvPr>
+            <p:ph idx="12" type="sldNum"/>
+          </p:nvPr>
+        </p:nvSpPr>
+        <p:spPr>
+          <a:xfrm>
+            <a:off x="3884613" y="8685213"/>
+            <a:ext cx="2971800" cy="458700"/>
+          </a:xfrm>
+          <a:prstGeom prst="rect">
+            <a:avLst/>
+          </a:prstGeom>
+        </p:spPr>
+        <p:txBody>
+          <a:bodyPr anchorCtr="0" anchor="b" bIns="45700" lIns="91425" spcFirstLastPara="1" rIns="91425" wrap="square" tIns="45700">
+            <a:noAutofit/>
+          </a:bodyPr>
+          <a:lstStyle/>
+          <a:p>
+            <a:pPr indent="0" lvl="0" marL="0" rtl="0" algn="r">
+              <a:spcBef>
+                <a:spcPts val="0"/>
+              </a:spcBef>
+              <a:spcAft>
+                <a:spcPts val="0"/>
+              </a:spcAft>
+              <a:buClr>
+                <a:srgbClr val="000000"/>
+              </a:buClr>
+              <a:buSzPts val="1200"/>
+              <a:buFont typeface="Arial"/>
+              <a:buNone/>
+            </a:pPr>
+            <a:fld id="{00000000-1234-1234-1234-123412341234}" type="slidenum">
+              <a:rPr lang="en-US"/>
+              <a:t>‹#›</a:t>
+            </a:fld>
+            <a:endParaRPr/>
+          </a:p>
+        </p:txBody>
+      </p:sp>
+    </p:spTree>
+  </p:cSld>
+  <p:clrMapOvr>
+    <a:masterClrMapping/>
+  </p:clrMapOvr>
+</p:notes>
+</file>
+
+<file path=ppt/notesSlides/notesSlide7.xml><?xml version="1.0" encoding="utf-8"?>
+<p:notes xmlns:a="http://schemas.openxmlformats.org/drawingml/2006/main" xmlns:r="http://schemas.openxmlformats.org/officeDocument/2006/relationships" xmlns:mc="http://schemas.openxmlformats.org/markup-compatibility/2006" xmlns:mv="urn:schemas-microsoft-com:mac:vml" xmlns:p="http://schemas.openxmlformats.org/presentationml/2006/main" xmlns:c="http://schemas.openxmlformats.org/drawingml/2006/chart" xmlns:dgm="http://schemas.openxmlformats.org/drawingml/2006/diagram" xmlns:o="urn:schemas-microsoft-com:office:office" xmlns:v="urn:schemas-microsoft-com:vml" xmlns:pvml="urn:schemas-microsoft-com:office:powerpoint" xmlns:com="http://schemas.openxmlformats.org/drawingml/2006/compatibility" xmlns:p14="http://schemas.microsoft.com/office/powerpoint/2010/main" xmlns:p15="http://schemas.microsoft.com/office/powerpoint/2012/main" xmlns:ahyp="http://schemas.microsoft.com/office/drawing/2018/hyperlinkcolor" showMasterPhAnim="0" showMasterSp="0">
+  <p:cSld>
+    <p:spTree>
+      <p:nvGrpSpPr>
+        <p:cNvPr id="148" name="Shape 148"/>
+        <p:cNvGrpSpPr/>
+        <p:nvPr/>
+      </p:nvGrpSpPr>
+      <p:grpSpPr>
+        <a:xfrm>
+          <a:off x="0" y="0"/>
+          <a:ext cx="0" cy="0"/>
+          <a:chOff x="0" y="0"/>
+          <a:chExt cx="0" cy="0"/>
+        </a:xfrm>
+      </p:grpSpPr>
+      <p:sp>
+        <p:nvSpPr>
+          <p:cNvPr id="149" name="Google Shape;149;p5:notes"/>
           <p:cNvSpPr txBox="1"/>
           <p:nvPr>
             <p:ph idx="1" type="body"/>
@@ -5266,7 +5650,7 @@
       </p:sp>
       <p:sp>
         <p:nvSpPr>
-          <p:cNvPr id="142" name="Google Shape;142;p6:notes"/>
+          <p:cNvPr id="150" name="Google Shape;150;p5:notes"/>
           <p:cNvSpPr/>
           <p:nvPr>
             <p:ph idx="2" type="sldImg"/>
@@ -5322,7 +5706,7 @@
   <p:cSld>
     <p:spTree>
       <p:nvGrpSpPr>
-        <p:cNvPr id="146" name="Shape 146"/>
+        <p:cNvPr id="163" name="Shape 163"/>
         <p:cNvGrpSpPr/>
         <p:nvPr/>
       </p:nvGrpSpPr>
@@ -5336,7 +5720,7 @@
       </p:grpSpPr>
       <p:sp>
         <p:nvSpPr>
-          <p:cNvPr id="147" name="Google Shape;147;p7:notes"/>
+          <p:cNvPr id="164" name="Google Shape;164;p6:notes"/>
           <p:cNvSpPr txBox="1"/>
           <p:nvPr>
             <p:ph idx="1" type="body"/>
@@ -5383,7 +5767,7 @@
       </p:sp>
       <p:sp>
         <p:nvSpPr>
-          <p:cNvPr id="148" name="Google Shape;148;p7:notes"/>
+          <p:cNvPr id="165" name="Google Shape;165;p6:notes"/>
           <p:cNvSpPr/>
           <p:nvPr>
             <p:ph idx="2" type="sldImg"/>
@@ -5439,7 +5823,7 @@
   <p:cSld>
     <p:spTree>
       <p:nvGrpSpPr>
-        <p:cNvPr id="153" name="Shape 153"/>
+        <p:cNvPr id="172" name="Shape 172"/>
         <p:cNvGrpSpPr/>
         <p:nvPr/>
       </p:nvGrpSpPr>
@@ -5453,7 +5837,7 @@
       </p:grpSpPr>
       <p:sp>
         <p:nvSpPr>
-          <p:cNvPr id="154" name="Google Shape;154;p8:notes"/>
+          <p:cNvPr id="173" name="Google Shape;173;p7:notes"/>
           <p:cNvSpPr txBox="1"/>
           <p:nvPr>
             <p:ph idx="1" type="body"/>
@@ -5500,7 +5884,7 @@
       </p:sp>
       <p:sp>
         <p:nvSpPr>
-          <p:cNvPr id="155" name="Google Shape;155;p8:notes"/>
+          <p:cNvPr id="174" name="Google Shape;174;p7:notes"/>
           <p:cNvSpPr/>
           <p:nvPr>
             <p:ph idx="2" type="sldImg"/>
@@ -10549,6 +10933,620 @@
 </p:sldLayout>
 </file>
 
+<file path=ppt/slideLayouts/slideLayout14.xml><?xml version="1.0" encoding="utf-8"?>
+<p:sldLayout xmlns:a="http://schemas.openxmlformats.org/drawingml/2006/main" xmlns:r="http://schemas.openxmlformats.org/officeDocument/2006/relationships" xmlns:mc="http://schemas.openxmlformats.org/markup-compatibility/2006" xmlns:mv="urn:schemas-microsoft-com:mac:vml" xmlns:p="http://schemas.openxmlformats.org/presentationml/2006/main" xmlns:c="http://schemas.openxmlformats.org/drawingml/2006/chart" xmlns:dgm="http://schemas.openxmlformats.org/drawingml/2006/diagram" xmlns:o="urn:schemas-microsoft-com:office:office" xmlns:v="urn:schemas-microsoft-com:vml" xmlns:pvml="urn:schemas-microsoft-com:office:powerpoint" xmlns:com="http://schemas.openxmlformats.org/drawingml/2006/compatibility" xmlns:p14="http://schemas.microsoft.com/office/powerpoint/2010/main" xmlns:p15="http://schemas.microsoft.com/office/powerpoint/2012/main" xmlns:ahyp="http://schemas.microsoft.com/office/drawing/2018/hyperlinkcolor" matchingName="Title Blue A" showMasterSp="0">
+  <p:cSld name="Title Blue A">
+    <p:bg>
+      <p:bgPr>
+        <a:solidFill>
+          <a:srgbClr val="184A86"/>
+        </a:solidFill>
+      </p:bgPr>
+    </p:bg>
+    <p:spTree>
+      <p:nvGrpSpPr>
+        <p:cNvPr id="91" name="Shape 91"/>
+        <p:cNvGrpSpPr/>
+        <p:nvPr/>
+      </p:nvGrpSpPr>
+      <p:grpSpPr>
+        <a:xfrm>
+          <a:off x="0" y="0"/>
+          <a:ext cx="0" cy="0"/>
+          <a:chOff x="0" y="0"/>
+          <a:chExt cx="0" cy="0"/>
+        </a:xfrm>
+      </p:grpSpPr>
+      <p:sp>
+        <p:nvSpPr>
+          <p:cNvPr id="92" name="Google Shape;92;g3474fa1927f_0_224"/>
+          <p:cNvSpPr txBox="1"/>
+          <p:nvPr>
+            <p:ph type="title"/>
+          </p:nvPr>
+        </p:nvSpPr>
+        <p:spPr>
+          <a:xfrm>
+            <a:off x="1895475" y="3585279"/>
+            <a:ext cx="10972800" cy="1091700"/>
+          </a:xfrm>
+          <a:prstGeom prst="rect">
+            <a:avLst/>
+          </a:prstGeom>
+          <a:noFill/>
+          <a:ln>
+            <a:noFill/>
+          </a:ln>
+        </p:spPr>
+        <p:txBody>
+          <a:bodyPr anchorCtr="0" anchor="t" bIns="0" lIns="0" spcFirstLastPara="1" rIns="0" wrap="square" tIns="0">
+            <a:noAutofit/>
+          </a:bodyPr>
+          <a:lstStyle>
+            <a:lvl1pPr lvl="0" algn="l">
+              <a:lnSpc>
+                <a:spcPct val="90000"/>
+              </a:lnSpc>
+              <a:spcBef>
+                <a:spcPts val="0"/>
+              </a:spcBef>
+              <a:spcAft>
+                <a:spcPts val="0"/>
+              </a:spcAft>
+              <a:buClr>
+                <a:schemeClr val="lt1"/>
+              </a:buClr>
+              <a:buSzPts val="7500"/>
+              <a:buFont typeface="Arial"/>
+              <a:buNone/>
+              <a:defRPr sz="7500">
+                <a:solidFill>
+                  <a:schemeClr val="lt1"/>
+                </a:solidFill>
+              </a:defRPr>
+            </a:lvl1pPr>
+            <a:lvl2pPr lvl="1" algn="l">
+              <a:lnSpc>
+                <a:spcPct val="90000"/>
+              </a:lnSpc>
+              <a:spcBef>
+                <a:spcPts val="0"/>
+              </a:spcBef>
+              <a:spcAft>
+                <a:spcPts val="0"/>
+              </a:spcAft>
+              <a:buClr>
+                <a:srgbClr val="535353"/>
+              </a:buClr>
+              <a:buSzPts val="1800"/>
+              <a:buNone/>
+              <a:defRPr/>
+            </a:lvl2pPr>
+            <a:lvl3pPr lvl="2" algn="l">
+              <a:lnSpc>
+                <a:spcPct val="90000"/>
+              </a:lnSpc>
+              <a:spcBef>
+                <a:spcPts val="0"/>
+              </a:spcBef>
+              <a:spcAft>
+                <a:spcPts val="0"/>
+              </a:spcAft>
+              <a:buClr>
+                <a:srgbClr val="535353"/>
+              </a:buClr>
+              <a:buSzPts val="1800"/>
+              <a:buNone/>
+              <a:defRPr/>
+            </a:lvl3pPr>
+            <a:lvl4pPr lvl="3" algn="l">
+              <a:lnSpc>
+                <a:spcPct val="90000"/>
+              </a:lnSpc>
+              <a:spcBef>
+                <a:spcPts val="0"/>
+              </a:spcBef>
+              <a:spcAft>
+                <a:spcPts val="0"/>
+              </a:spcAft>
+              <a:buClr>
+                <a:srgbClr val="535353"/>
+              </a:buClr>
+              <a:buSzPts val="1800"/>
+              <a:buNone/>
+              <a:defRPr/>
+            </a:lvl4pPr>
+            <a:lvl5pPr lvl="4" algn="l">
+              <a:lnSpc>
+                <a:spcPct val="90000"/>
+              </a:lnSpc>
+              <a:spcBef>
+                <a:spcPts val="0"/>
+              </a:spcBef>
+              <a:spcAft>
+                <a:spcPts val="0"/>
+              </a:spcAft>
+              <a:buClr>
+                <a:srgbClr val="535353"/>
+              </a:buClr>
+              <a:buSzPts val="1800"/>
+              <a:buNone/>
+              <a:defRPr/>
+            </a:lvl5pPr>
+            <a:lvl6pPr lvl="5" algn="l">
+              <a:lnSpc>
+                <a:spcPct val="90000"/>
+              </a:lnSpc>
+              <a:spcBef>
+                <a:spcPts val="0"/>
+              </a:spcBef>
+              <a:spcAft>
+                <a:spcPts val="0"/>
+              </a:spcAft>
+              <a:buClr>
+                <a:srgbClr val="535353"/>
+              </a:buClr>
+              <a:buSzPts val="1800"/>
+              <a:buNone/>
+              <a:defRPr/>
+            </a:lvl6pPr>
+            <a:lvl7pPr lvl="6" algn="l">
+              <a:lnSpc>
+                <a:spcPct val="90000"/>
+              </a:lnSpc>
+              <a:spcBef>
+                <a:spcPts val="0"/>
+              </a:spcBef>
+              <a:spcAft>
+                <a:spcPts val="0"/>
+              </a:spcAft>
+              <a:buClr>
+                <a:srgbClr val="535353"/>
+              </a:buClr>
+              <a:buSzPts val="1800"/>
+              <a:buNone/>
+              <a:defRPr/>
+            </a:lvl7pPr>
+            <a:lvl8pPr lvl="7" algn="l">
+              <a:lnSpc>
+                <a:spcPct val="90000"/>
+              </a:lnSpc>
+              <a:spcBef>
+                <a:spcPts val="0"/>
+              </a:spcBef>
+              <a:spcAft>
+                <a:spcPts val="0"/>
+              </a:spcAft>
+              <a:buClr>
+                <a:srgbClr val="535353"/>
+              </a:buClr>
+              <a:buSzPts val="1800"/>
+              <a:buNone/>
+              <a:defRPr/>
+            </a:lvl8pPr>
+            <a:lvl9pPr lvl="8" algn="l">
+              <a:lnSpc>
+                <a:spcPct val="90000"/>
+              </a:lnSpc>
+              <a:spcBef>
+                <a:spcPts val="0"/>
+              </a:spcBef>
+              <a:spcAft>
+                <a:spcPts val="0"/>
+              </a:spcAft>
+              <a:buClr>
+                <a:srgbClr val="535353"/>
+              </a:buClr>
+              <a:buSzPts val="1800"/>
+              <a:buNone/>
+              <a:defRPr/>
+            </a:lvl9pPr>
+          </a:lstStyle>
+          <a:p/>
+        </p:txBody>
+      </p:sp>
+      <p:sp>
+        <p:nvSpPr>
+          <p:cNvPr id="93" name="Google Shape;93;g3474fa1927f_0_224"/>
+          <p:cNvSpPr txBox="1"/>
+          <p:nvPr>
+            <p:ph idx="1" type="body"/>
+          </p:nvPr>
+        </p:nvSpPr>
+        <p:spPr>
+          <a:xfrm>
+            <a:off x="1895475" y="3182315"/>
+            <a:ext cx="10296600" cy="304800"/>
+          </a:xfrm>
+          <a:prstGeom prst="rect">
+            <a:avLst/>
+          </a:prstGeom>
+          <a:noFill/>
+          <a:ln>
+            <a:noFill/>
+          </a:ln>
+        </p:spPr>
+        <p:txBody>
+          <a:bodyPr anchorCtr="0" anchor="t" bIns="0" lIns="0" spcFirstLastPara="1" rIns="0" wrap="square" tIns="0">
+            <a:normAutofit/>
+          </a:bodyPr>
+          <a:lstStyle>
+            <a:lvl1pPr indent="-228600" lvl="0" marL="457200" algn="l">
+              <a:lnSpc>
+                <a:spcPct val="100000"/>
+              </a:lnSpc>
+              <a:spcBef>
+                <a:spcPts val="1200"/>
+              </a:spcBef>
+              <a:spcAft>
+                <a:spcPts val="0"/>
+              </a:spcAft>
+              <a:buClr>
+                <a:srgbClr val="00C7FD"/>
+              </a:buClr>
+              <a:buSzPts val="1600"/>
+              <a:buNone/>
+              <a:defRPr b="1" i="0" sz="1600">
+                <a:solidFill>
+                  <a:srgbClr val="00C7FD"/>
+                </a:solidFill>
+                <a:latin typeface="Arial"/>
+                <a:ea typeface="Arial"/>
+                <a:cs typeface="Arial"/>
+                <a:sym typeface="Arial"/>
+              </a:defRPr>
+            </a:lvl1pPr>
+            <a:lvl2pPr indent="-342900" lvl="1" marL="914400" algn="l">
+              <a:lnSpc>
+                <a:spcPct val="100000"/>
+              </a:lnSpc>
+              <a:spcBef>
+                <a:spcPts val="1200"/>
+              </a:spcBef>
+              <a:spcAft>
+                <a:spcPts val="0"/>
+              </a:spcAft>
+              <a:buClr>
+                <a:schemeClr val="lt2"/>
+              </a:buClr>
+              <a:buSzPts val="1800"/>
+              <a:buChar char="•"/>
+              <a:defRPr/>
+            </a:lvl2pPr>
+            <a:lvl3pPr indent="-342900" lvl="2" marL="1371600" algn="l">
+              <a:lnSpc>
+                <a:spcPct val="100000"/>
+              </a:lnSpc>
+              <a:spcBef>
+                <a:spcPts val="1200"/>
+              </a:spcBef>
+              <a:spcAft>
+                <a:spcPts val="0"/>
+              </a:spcAft>
+              <a:buClr>
+                <a:schemeClr val="lt2"/>
+              </a:buClr>
+              <a:buSzPts val="1800"/>
+              <a:buChar char="•"/>
+              <a:defRPr/>
+            </a:lvl3pPr>
+            <a:lvl4pPr indent="-342900" lvl="3" marL="1828800" algn="l">
+              <a:lnSpc>
+                <a:spcPct val="100000"/>
+              </a:lnSpc>
+              <a:spcBef>
+                <a:spcPts val="1200"/>
+              </a:spcBef>
+              <a:spcAft>
+                <a:spcPts val="0"/>
+              </a:spcAft>
+              <a:buClr>
+                <a:schemeClr val="lt2"/>
+              </a:buClr>
+              <a:buSzPts val="1800"/>
+              <a:buChar char="•"/>
+              <a:defRPr/>
+            </a:lvl4pPr>
+            <a:lvl5pPr indent="-342900" lvl="4" marL="2286000" algn="l">
+              <a:lnSpc>
+                <a:spcPct val="100000"/>
+              </a:lnSpc>
+              <a:spcBef>
+                <a:spcPts val="1200"/>
+              </a:spcBef>
+              <a:spcAft>
+                <a:spcPts val="0"/>
+              </a:spcAft>
+              <a:buClr>
+                <a:schemeClr val="lt2"/>
+              </a:buClr>
+              <a:buSzPts val="1800"/>
+              <a:buChar char="•"/>
+              <a:defRPr/>
+            </a:lvl5pPr>
+            <a:lvl6pPr indent="-228600" lvl="5" marL="2743200" algn="l">
+              <a:lnSpc>
+                <a:spcPct val="90000"/>
+              </a:lnSpc>
+              <a:spcBef>
+                <a:spcPts val="0"/>
+              </a:spcBef>
+              <a:spcAft>
+                <a:spcPts val="0"/>
+              </a:spcAft>
+              <a:buClr>
+                <a:srgbClr val="5E5E5E"/>
+              </a:buClr>
+              <a:buSzPts val="1800"/>
+              <a:buNone/>
+              <a:defRPr/>
+            </a:lvl6pPr>
+            <a:lvl7pPr indent="-228600" lvl="6" marL="3200400" algn="l">
+              <a:lnSpc>
+                <a:spcPct val="90000"/>
+              </a:lnSpc>
+              <a:spcBef>
+                <a:spcPts val="0"/>
+              </a:spcBef>
+              <a:spcAft>
+                <a:spcPts val="0"/>
+              </a:spcAft>
+              <a:buClr>
+                <a:srgbClr val="5E5E5E"/>
+              </a:buClr>
+              <a:buSzPts val="1800"/>
+              <a:buNone/>
+              <a:defRPr/>
+            </a:lvl7pPr>
+            <a:lvl8pPr indent="-228600" lvl="7" marL="3657600" algn="l">
+              <a:lnSpc>
+                <a:spcPct val="90000"/>
+              </a:lnSpc>
+              <a:spcBef>
+                <a:spcPts val="0"/>
+              </a:spcBef>
+              <a:spcAft>
+                <a:spcPts val="0"/>
+              </a:spcAft>
+              <a:buClr>
+                <a:srgbClr val="5E5E5E"/>
+              </a:buClr>
+              <a:buSzPts val="1800"/>
+              <a:buNone/>
+              <a:defRPr/>
+            </a:lvl8pPr>
+            <a:lvl9pPr indent="-228600" lvl="8" marL="4114800" algn="l">
+              <a:lnSpc>
+                <a:spcPct val="90000"/>
+              </a:lnSpc>
+              <a:spcBef>
+                <a:spcPts val="0"/>
+              </a:spcBef>
+              <a:spcAft>
+                <a:spcPts val="0"/>
+              </a:spcAft>
+              <a:buClr>
+                <a:srgbClr val="5E5E5E"/>
+              </a:buClr>
+              <a:buSzPts val="1800"/>
+              <a:buNone/>
+              <a:defRPr/>
+            </a:lvl9pPr>
+          </a:lstStyle>
+          <a:p/>
+        </p:txBody>
+      </p:sp>
+      <p:sp>
+        <p:nvSpPr>
+          <p:cNvPr id="94" name="Google Shape;94;g3474fa1927f_0_224"/>
+          <p:cNvSpPr txBox="1"/>
+          <p:nvPr>
+            <p:ph idx="2" type="body"/>
+          </p:nvPr>
+        </p:nvSpPr>
+        <p:spPr>
+          <a:xfrm>
+            <a:off x="1908348" y="4778609"/>
+            <a:ext cx="10283700" cy="326700"/>
+          </a:xfrm>
+          <a:prstGeom prst="rect">
+            <a:avLst/>
+          </a:prstGeom>
+          <a:noFill/>
+          <a:ln>
+            <a:noFill/>
+          </a:ln>
+        </p:spPr>
+        <p:txBody>
+          <a:bodyPr anchorCtr="0" anchor="t" bIns="0" lIns="0" spcFirstLastPara="1" rIns="0" wrap="square" tIns="0">
+            <a:normAutofit/>
+          </a:bodyPr>
+          <a:lstStyle>
+            <a:lvl1pPr indent="-228600" lvl="0" marL="457200" algn="l">
+              <a:lnSpc>
+                <a:spcPct val="100000"/>
+              </a:lnSpc>
+              <a:spcBef>
+                <a:spcPts val="1200"/>
+              </a:spcBef>
+              <a:spcAft>
+                <a:spcPts val="0"/>
+              </a:spcAft>
+              <a:buClr>
+                <a:schemeClr val="lt1"/>
+              </a:buClr>
+              <a:buSzPts val="1800"/>
+              <a:buNone/>
+              <a:defRPr b="0" i="0" sz="1800">
+                <a:solidFill>
+                  <a:schemeClr val="lt1"/>
+                </a:solidFill>
+                <a:latin typeface="Arial"/>
+                <a:ea typeface="Arial"/>
+                <a:cs typeface="Arial"/>
+                <a:sym typeface="Arial"/>
+              </a:defRPr>
+            </a:lvl1pPr>
+            <a:lvl2pPr indent="-342900" lvl="1" marL="914400" algn="l">
+              <a:lnSpc>
+                <a:spcPct val="100000"/>
+              </a:lnSpc>
+              <a:spcBef>
+                <a:spcPts val="1200"/>
+              </a:spcBef>
+              <a:spcAft>
+                <a:spcPts val="0"/>
+              </a:spcAft>
+              <a:buClr>
+                <a:schemeClr val="lt2"/>
+              </a:buClr>
+              <a:buSzPts val="1800"/>
+              <a:buChar char="•"/>
+              <a:defRPr/>
+            </a:lvl2pPr>
+            <a:lvl3pPr indent="-342900" lvl="2" marL="1371600" algn="l">
+              <a:lnSpc>
+                <a:spcPct val="100000"/>
+              </a:lnSpc>
+              <a:spcBef>
+                <a:spcPts val="1200"/>
+              </a:spcBef>
+              <a:spcAft>
+                <a:spcPts val="0"/>
+              </a:spcAft>
+              <a:buClr>
+                <a:schemeClr val="lt2"/>
+              </a:buClr>
+              <a:buSzPts val="1800"/>
+              <a:buChar char="•"/>
+              <a:defRPr/>
+            </a:lvl3pPr>
+            <a:lvl4pPr indent="-342900" lvl="3" marL="1828800" algn="l">
+              <a:lnSpc>
+                <a:spcPct val="100000"/>
+              </a:lnSpc>
+              <a:spcBef>
+                <a:spcPts val="1200"/>
+              </a:spcBef>
+              <a:spcAft>
+                <a:spcPts val="0"/>
+              </a:spcAft>
+              <a:buClr>
+                <a:schemeClr val="lt2"/>
+              </a:buClr>
+              <a:buSzPts val="1800"/>
+              <a:buChar char="•"/>
+              <a:defRPr/>
+            </a:lvl4pPr>
+            <a:lvl5pPr indent="-342900" lvl="4" marL="2286000" algn="l">
+              <a:lnSpc>
+                <a:spcPct val="100000"/>
+              </a:lnSpc>
+              <a:spcBef>
+                <a:spcPts val="1200"/>
+              </a:spcBef>
+              <a:spcAft>
+                <a:spcPts val="0"/>
+              </a:spcAft>
+              <a:buClr>
+                <a:schemeClr val="lt2"/>
+              </a:buClr>
+              <a:buSzPts val="1800"/>
+              <a:buChar char="•"/>
+              <a:defRPr/>
+            </a:lvl5pPr>
+            <a:lvl6pPr indent="-228600" lvl="5" marL="2743200" algn="l">
+              <a:lnSpc>
+                <a:spcPct val="90000"/>
+              </a:lnSpc>
+              <a:spcBef>
+                <a:spcPts val="0"/>
+              </a:spcBef>
+              <a:spcAft>
+                <a:spcPts val="0"/>
+              </a:spcAft>
+              <a:buClr>
+                <a:srgbClr val="5E5E5E"/>
+              </a:buClr>
+              <a:buSzPts val="1800"/>
+              <a:buNone/>
+              <a:defRPr/>
+            </a:lvl6pPr>
+            <a:lvl7pPr indent="-228600" lvl="6" marL="3200400" algn="l">
+              <a:lnSpc>
+                <a:spcPct val="90000"/>
+              </a:lnSpc>
+              <a:spcBef>
+                <a:spcPts val="0"/>
+              </a:spcBef>
+              <a:spcAft>
+                <a:spcPts val="0"/>
+              </a:spcAft>
+              <a:buClr>
+                <a:srgbClr val="5E5E5E"/>
+              </a:buClr>
+              <a:buSzPts val="1800"/>
+              <a:buNone/>
+              <a:defRPr/>
+            </a:lvl7pPr>
+            <a:lvl8pPr indent="-228600" lvl="7" marL="3657600" algn="l">
+              <a:lnSpc>
+                <a:spcPct val="90000"/>
+              </a:lnSpc>
+              <a:spcBef>
+                <a:spcPts val="0"/>
+              </a:spcBef>
+              <a:spcAft>
+                <a:spcPts val="0"/>
+              </a:spcAft>
+              <a:buClr>
+                <a:srgbClr val="5E5E5E"/>
+              </a:buClr>
+              <a:buSzPts val="1800"/>
+              <a:buNone/>
+              <a:defRPr/>
+            </a:lvl8pPr>
+            <a:lvl9pPr indent="-228600" lvl="8" marL="4114800" algn="l">
+              <a:lnSpc>
+                <a:spcPct val="90000"/>
+              </a:lnSpc>
+              <a:spcBef>
+                <a:spcPts val="0"/>
+              </a:spcBef>
+              <a:spcAft>
+                <a:spcPts val="0"/>
+              </a:spcAft>
+              <a:buClr>
+                <a:srgbClr val="5E5E5E"/>
+              </a:buClr>
+              <a:buSzPts val="1800"/>
+              <a:buNone/>
+              <a:defRPr/>
+            </a:lvl9pPr>
+          </a:lstStyle>
+          <a:p/>
+        </p:txBody>
+      </p:sp>
+    </p:spTree>
+  </p:cSld>
+  <p:clrMapOvr>
+    <a:masterClrMapping/>
+  </p:clrMapOvr>
+  <mc:AlternateContent>
+    <mc:Choice Requires="p14">
+      <p:transition spd="slow" p14:dur="700">
+        <p:fade/>
+      </p:transition>
+    </mc:Choice>
+    <mc:Fallback>
+      <p:transition spd="slow">
+        <p:fade/>
+      </p:transition>
+    </mc:Fallback>
+  </mc:AlternateContent>
+</p:sldLayout>
+</file>
+
 <file path=ppt/slideLayouts/slideLayout2.xml><?xml version="1.0" encoding="utf-8"?>
 <p:sldLayout xmlns:a="http://schemas.openxmlformats.org/drawingml/2006/main" xmlns:r="http://schemas.openxmlformats.org/officeDocument/2006/relationships" xmlns:mc="http://schemas.openxmlformats.org/markup-compatibility/2006" xmlns:mv="urn:schemas-microsoft-com:mac:vml" xmlns:p="http://schemas.openxmlformats.org/presentationml/2006/main" xmlns:c="http://schemas.openxmlformats.org/drawingml/2006/chart" xmlns:dgm="http://schemas.openxmlformats.org/drawingml/2006/diagram" xmlns:o="urn:schemas-microsoft-com:office:office" xmlns:v="urn:schemas-microsoft-com:vml" xmlns:pvml="urn:schemas-microsoft-com:office:powerpoint" xmlns:com="http://schemas.openxmlformats.org/drawingml/2006/compatibility" xmlns:p14="http://schemas.microsoft.com/office/powerpoint/2010/main" xmlns:p15="http://schemas.microsoft.com/office/powerpoint/2012/main" xmlns:ahyp="http://schemas.microsoft.com/office/drawing/2018/hyperlinkcolor" matchingName="Title &amp; Content">
   <p:cSld name="Title &amp; Content">
@@ -18868,6 +19866,7 @@
     <p:sldLayoutId id="2147483659" r:id="rId11"/>
     <p:sldLayoutId id="2147483660" r:id="rId12"/>
     <p:sldLayoutId id="2147483661" r:id="rId13"/>
+    <p:sldLayoutId id="2147483662" r:id="rId14"/>
   </p:sldLayoutIdLst>
   <p:hf dt="0" ftr="0" hdr="0"/>
   <p:txStyles>
@@ -19565,16 +20564,9 @@
 <file path=ppt/slides/slide1.xml><?xml version="1.0" encoding="utf-8"?>
 <p:sld xmlns:a="http://schemas.openxmlformats.org/drawingml/2006/main" xmlns:r="http://schemas.openxmlformats.org/officeDocument/2006/relationships" xmlns:mc="http://schemas.openxmlformats.org/markup-compatibility/2006" xmlns:mv="urn:schemas-microsoft-com:mac:vml" xmlns:p="http://schemas.openxmlformats.org/presentationml/2006/main" xmlns:c="http://schemas.openxmlformats.org/drawingml/2006/chart" xmlns:dgm="http://schemas.openxmlformats.org/drawingml/2006/diagram" xmlns:o="urn:schemas-microsoft-com:office:office" xmlns:v="urn:schemas-microsoft-com:vml" xmlns:pvml="urn:schemas-microsoft-com:office:powerpoint" xmlns:com="http://schemas.openxmlformats.org/drawingml/2006/compatibility" xmlns:p14="http://schemas.microsoft.com/office/powerpoint/2010/main" xmlns:p15="http://schemas.microsoft.com/office/powerpoint/2012/main" xmlns:ahyp="http://schemas.microsoft.com/office/drawing/2018/hyperlinkcolor">
   <p:cSld>
-    <p:bg>
-      <p:bgPr>
-        <a:solidFill>
-          <a:srgbClr val="0070C0"/>
-        </a:solidFill>
-      </p:bgPr>
-    </p:bg>
     <p:spTree>
       <p:nvGrpSpPr>
-        <p:cNvPr id="94" name="Shape 94"/>
+        <p:cNvPr id="98" name="Shape 98"/>
         <p:cNvGrpSpPr/>
         <p:nvPr/>
       </p:nvGrpSpPr>
@@ -19588,14 +20580,16 @@
       </p:grpSpPr>
       <p:sp>
         <p:nvSpPr>
-          <p:cNvPr id="95" name="Google Shape;95;p1"/>
+          <p:cNvPr id="99" name="Google Shape;99;g3474fa1927f_0_24"/>
           <p:cNvSpPr txBox="1"/>
-          <p:nvPr/>
+          <p:nvPr>
+            <p:ph type="title"/>
+          </p:nvPr>
         </p:nvSpPr>
         <p:spPr>
           <a:xfrm>
-            <a:off x="-606252" y="2883086"/>
-            <a:ext cx="10972801" cy="1091827"/>
+            <a:off x="1895475" y="3585275"/>
+            <a:ext cx="6192300" cy="1091700"/>
           </a:xfrm>
           <a:prstGeom prst="rect">
             <a:avLst/>
@@ -19606,12 +20600,12 @@
           </a:ln>
         </p:spPr>
         <p:txBody>
-          <a:bodyPr anchorCtr="0" anchor="b" bIns="45700" lIns="91425" spcFirstLastPara="1" rIns="91425" wrap="square" tIns="45700">
-            <a:normAutofit fontScale="92500" lnSpcReduction="20000"/>
+          <a:bodyPr anchorCtr="0" anchor="t" bIns="0" lIns="0" spcFirstLastPara="1" rIns="0" wrap="square" tIns="0">
+            <a:noAutofit/>
           </a:bodyPr>
           <a:lstStyle/>
           <a:p>
-            <a:pPr indent="0" lvl="0" marL="0" marR="0" rtl="0" algn="ctr">
+            <a:pPr indent="0" lvl="0" marL="0" rtl="0" algn="l">
               <a:lnSpc>
                 <a:spcPct val="90000"/>
               </a:lnSpc>
@@ -19624,44 +20618,30 @@
               <a:buClr>
                 <a:schemeClr val="lt1"/>
               </a:buClr>
-              <a:buSzPct val="100000"/>
-              <a:buFont typeface="Calibri"/>
+              <a:buSzPts val="7500"/>
+              <a:buFont typeface="Arial"/>
               <a:buNone/>
             </a:pPr>
             <a:r>
-              <a:rPr b="1" i="0" lang="en-US" sz="8800" u="none" cap="none" strike="noStrike">
-                <a:solidFill>
-                  <a:schemeClr val="lt1"/>
-                </a:solidFill>
-                <a:latin typeface="Calibri"/>
-                <a:ea typeface="Calibri"/>
-                <a:cs typeface="Calibri"/>
-                <a:sym typeface="Calibri"/>
-              </a:rPr>
+              <a:rPr lang="en-US"/>
               <a:t>Compilers 101</a:t>
             </a:r>
-            <a:endParaRPr b="0" i="0" sz="1400" u="none" cap="none" strike="noStrike">
-              <a:solidFill>
-                <a:srgbClr val="000000"/>
-              </a:solidFill>
-              <a:latin typeface="Arial"/>
-              <a:ea typeface="Arial"/>
-              <a:cs typeface="Arial"/>
-              <a:sym typeface="Arial"/>
-            </a:endParaRPr>
+            <a:endParaRPr/>
           </a:p>
         </p:txBody>
       </p:sp>
       <p:sp>
         <p:nvSpPr>
-          <p:cNvPr id="96" name="Google Shape;96;p1"/>
+          <p:cNvPr id="100" name="Google Shape;100;g3474fa1927f_0_24"/>
           <p:cNvSpPr txBox="1"/>
-          <p:nvPr/>
+          <p:nvPr>
+            <p:ph idx="2" type="body"/>
+          </p:nvPr>
         </p:nvSpPr>
         <p:spPr>
           <a:xfrm>
-            <a:off x="1908349" y="4227280"/>
-            <a:ext cx="10283651" cy="326776"/>
+            <a:off x="1908350" y="4778600"/>
+            <a:ext cx="8226000" cy="326700"/>
           </a:xfrm>
           <a:prstGeom prst="rect">
             <a:avLst/>
@@ -19672,14 +20652,14 @@
           </a:ln>
         </p:spPr>
         <p:txBody>
-          <a:bodyPr anchorCtr="0" anchor="t" bIns="45700" lIns="91425" spcFirstLastPara="1" rIns="91425" wrap="square" tIns="45700">
-            <a:noAutofit/>
+          <a:bodyPr anchorCtr="0" anchor="t" bIns="0" lIns="0" spcFirstLastPara="1" rIns="0" wrap="square" tIns="0">
+            <a:normAutofit/>
           </a:bodyPr>
           <a:lstStyle/>
           <a:p>
-            <a:pPr indent="0" lvl="0" marL="0" marR="0" rtl="0" algn="l">
-              <a:lnSpc>
-                <a:spcPct val="90000"/>
+            <a:pPr indent="0" lvl="0" marL="0" rtl="0" algn="l">
+              <a:lnSpc>
+                <a:spcPct val="100000"/>
               </a:lnSpc>
               <a:spcBef>
                 <a:spcPts val="0"/>
@@ -19690,31 +20670,14 @@
               <a:buClr>
                 <a:schemeClr val="lt1"/>
               </a:buClr>
-              <a:buSzPts val="2800"/>
-              <a:buFont typeface="Arial"/>
+              <a:buSzPts val="1800"/>
               <a:buNone/>
             </a:pPr>
             <a:r>
-              <a:rPr b="0" i="0" lang="en-US" sz="2800" u="none" cap="none" strike="noStrike">
-                <a:solidFill>
-                  <a:schemeClr val="lt1"/>
-                </a:solidFill>
-                <a:latin typeface="Calibri"/>
-                <a:ea typeface="Calibri"/>
-                <a:cs typeface="Calibri"/>
-                <a:sym typeface="Calibri"/>
-              </a:rPr>
+              <a:rPr lang="en-US"/>
               <a:t>Backends - Part 1</a:t>
             </a:r>
-            <a:endParaRPr b="0" i="0" sz="1400" u="none" cap="none" strike="noStrike">
-              <a:solidFill>
-                <a:srgbClr val="000000"/>
-              </a:solidFill>
-              <a:latin typeface="Arial"/>
-              <a:ea typeface="Arial"/>
-              <a:cs typeface="Arial"/>
-              <a:sym typeface="Arial"/>
-            </a:endParaRPr>
+            <a:endParaRPr/>
           </a:p>
         </p:txBody>
       </p:sp>
@@ -19723,6 +20686,18 @@
   <p:clrMapOvr>
     <a:masterClrMapping/>
   </p:clrMapOvr>
+  <mc:AlternateContent>
+    <mc:Choice Requires="p14">
+      <p:transition spd="slow" p14:dur="700">
+        <p:fade/>
+      </p:transition>
+    </mc:Choice>
+    <mc:Fallback>
+      <p:transition spd="slow">
+        <p:fade/>
+      </p:transition>
+    </mc:Fallback>
+  </mc:AlternateContent>
 </p:sld>
 </file>
 
@@ -19731,7 +20706,7 @@
   <p:cSld>
     <p:spTree>
       <p:nvGrpSpPr>
-        <p:cNvPr id="163" name="Shape 163"/>
+        <p:cNvPr id="182" name="Shape 182"/>
         <p:cNvGrpSpPr/>
         <p:nvPr/>
       </p:nvGrpSpPr>
@@ -19745,7 +20720,210 @@
       </p:grpSpPr>
       <p:sp>
         <p:nvSpPr>
-          <p:cNvPr id="164" name="Google Shape;164;p9"/>
+          <p:cNvPr id="183" name="Google Shape;183;p8"/>
+          <p:cNvSpPr txBox="1"/>
+          <p:nvPr>
+            <p:ph type="title"/>
+          </p:nvPr>
+        </p:nvSpPr>
+        <p:spPr>
+          <a:xfrm>
+            <a:off x="571370" y="571500"/>
+            <a:ext cx="11010816" cy="952499"/>
+          </a:xfrm>
+          <a:prstGeom prst="rect">
+            <a:avLst/>
+          </a:prstGeom>
+          <a:noFill/>
+          <a:ln>
+            <a:noFill/>
+          </a:ln>
+        </p:spPr>
+        <p:txBody>
+          <a:bodyPr anchorCtr="0" anchor="ctr" bIns="0" lIns="0" spcFirstLastPara="1" rIns="0" wrap="square" tIns="0">
+            <a:noAutofit/>
+          </a:bodyPr>
+          <a:lstStyle/>
+          <a:p>
+            <a:pPr indent="0" lvl="0" marL="0" rtl="0" algn="l">
+              <a:lnSpc>
+                <a:spcPct val="90000"/>
+              </a:lnSpc>
+              <a:spcBef>
+                <a:spcPts val="0"/>
+              </a:spcBef>
+              <a:spcAft>
+                <a:spcPts val="0"/>
+              </a:spcAft>
+              <a:buClr>
+                <a:srgbClr val="525252"/>
+              </a:buClr>
+              <a:buSzPts val="4000"/>
+              <a:buFont typeface="Calibri"/>
+              <a:buNone/>
+            </a:pPr>
+            <a:r>
+              <a:rPr lang="en-US"/>
+              <a:t>Registers</a:t>
+            </a:r>
+            <a:endParaRPr/>
+          </a:p>
+        </p:txBody>
+      </p:sp>
+      <p:pic>
+        <p:nvPicPr>
+          <p:cNvPr descr="Изображение выглядит как стол&#10;&#10;Автоматически созданное описание" id="184" name="Google Shape;184;p8"/>
+          <p:cNvPicPr preferRelativeResize="0"/>
+          <p:nvPr>
+            <p:ph idx="1" type="body"/>
+          </p:nvPr>
+        </p:nvPicPr>
+        <p:blipFill rotWithShape="1">
+          <a:blip r:embed="rId3">
+            <a:alphaModFix/>
+          </a:blip>
+          <a:srcRect b="0" l="0" r="0" t="0"/>
+          <a:stretch/>
+        </p:blipFill>
+        <p:spPr>
+          <a:xfrm>
+            <a:off x="2178050" y="2125662"/>
+            <a:ext cx="7797900" cy="3670200"/>
+          </a:xfrm>
+          <a:prstGeom prst="rect">
+            <a:avLst/>
+          </a:prstGeom>
+          <a:noFill/>
+          <a:ln>
+            <a:noFill/>
+          </a:ln>
+        </p:spPr>
+      </p:pic>
+      <p:sp>
+        <p:nvSpPr>
+          <p:cNvPr id="185" name="Google Shape;185;p8"/>
+          <p:cNvSpPr txBox="1"/>
+          <p:nvPr/>
+        </p:nvSpPr>
+        <p:spPr>
+          <a:xfrm>
+            <a:off x="2679714" y="5795962"/>
+            <a:ext cx="6794100" cy="369300"/>
+          </a:xfrm>
+          <a:prstGeom prst="rect">
+            <a:avLst/>
+          </a:prstGeom>
+          <a:noFill/>
+          <a:ln>
+            <a:noFill/>
+          </a:ln>
+        </p:spPr>
+        <p:txBody>
+          <a:bodyPr anchorCtr="0" anchor="t" bIns="45700" lIns="91425" spcFirstLastPara="1" rIns="91425" wrap="square" tIns="45700">
+            <a:spAutoFit/>
+          </a:bodyPr>
+          <a:lstStyle/>
+          <a:p>
+            <a:pPr indent="0" lvl="0" marL="0" marR="0" rtl="0" algn="l">
+              <a:lnSpc>
+                <a:spcPct val="100000"/>
+              </a:lnSpc>
+              <a:spcBef>
+                <a:spcPts val="0"/>
+              </a:spcBef>
+              <a:spcAft>
+                <a:spcPts val="0"/>
+              </a:spcAft>
+              <a:buClr>
+                <a:srgbClr val="000000"/>
+              </a:buClr>
+              <a:buSzPts val="1800"/>
+              <a:buFont typeface="Arial"/>
+              <a:buNone/>
+            </a:pPr>
+            <a:r>
+              <a:rPr b="0" i="0" lang="en-US" sz="1800" u="sng" cap="none" strike="noStrike">
+                <a:solidFill>
+                  <a:schemeClr val="dk1"/>
+                </a:solidFill>
+                <a:latin typeface="Calibri"/>
+                <a:ea typeface="Calibri"/>
+                <a:cs typeface="Calibri"/>
+                <a:sym typeface="Calibri"/>
+                <a:hlinkClick r:id="rId4">
+                  <a:extLst>
+                    <a:ext uri="{A12FA001-AC4F-418D-AE19-62706E023703}">
+                      <ahyp:hlinkClr val="tx"/>
+                    </a:ext>
+                  </a:extLst>
+                </a:hlinkClick>
+              </a:rPr>
+              <a:t>https://www.cs.uni.edu/~fienup/cs041s08/lectures/lec13_reg_file.pdf</a:t>
+            </a:r>
+            <a:r>
+              <a:rPr b="0" i="0" lang="en-US" sz="1800" u="none" cap="none" strike="noStrike">
+                <a:solidFill>
+                  <a:schemeClr val="dk1"/>
+                </a:solidFill>
+                <a:latin typeface="Calibri"/>
+                <a:ea typeface="Calibri"/>
+                <a:cs typeface="Calibri"/>
+                <a:sym typeface="Calibri"/>
+              </a:rPr>
+              <a:t> </a:t>
+            </a:r>
+            <a:endParaRPr b="0" i="0" sz="1800" u="none" cap="none" strike="noStrike">
+              <a:solidFill>
+                <a:schemeClr val="dk1"/>
+              </a:solidFill>
+              <a:latin typeface="Calibri"/>
+              <a:ea typeface="Calibri"/>
+              <a:cs typeface="Calibri"/>
+              <a:sym typeface="Calibri"/>
+            </a:endParaRPr>
+          </a:p>
+        </p:txBody>
+      </p:sp>
+    </p:spTree>
+  </p:cSld>
+  <p:clrMapOvr>
+    <a:masterClrMapping/>
+  </p:clrMapOvr>
+  <mc:AlternateContent>
+    <mc:Choice Requires="p14">
+      <p:transition spd="slow" p14:dur="700">
+        <p:fade/>
+      </p:transition>
+    </mc:Choice>
+    <mc:Fallback>
+      <p:transition spd="slow">
+        <p:fade/>
+      </p:transition>
+    </mc:Fallback>
+  </mc:AlternateContent>
+</p:sld>
+</file>
+
+<file path=ppt/slides/slide11.xml><?xml version="1.0" encoding="utf-8"?>
+<p:sld xmlns:a="http://schemas.openxmlformats.org/drawingml/2006/main" xmlns:r="http://schemas.openxmlformats.org/officeDocument/2006/relationships" xmlns:mc="http://schemas.openxmlformats.org/markup-compatibility/2006" xmlns:mv="urn:schemas-microsoft-com:mac:vml" xmlns:p="http://schemas.openxmlformats.org/presentationml/2006/main" xmlns:c="http://schemas.openxmlformats.org/drawingml/2006/chart" xmlns:dgm="http://schemas.openxmlformats.org/drawingml/2006/diagram" xmlns:o="urn:schemas-microsoft-com:office:office" xmlns:v="urn:schemas-microsoft-com:vml" xmlns:pvml="urn:schemas-microsoft-com:office:powerpoint" xmlns:com="http://schemas.openxmlformats.org/drawingml/2006/compatibility" xmlns:p14="http://schemas.microsoft.com/office/powerpoint/2010/main" xmlns:p15="http://schemas.microsoft.com/office/powerpoint/2012/main" xmlns:ahyp="http://schemas.microsoft.com/office/drawing/2018/hyperlinkcolor">
+  <p:cSld>
+    <p:spTree>
+      <p:nvGrpSpPr>
+        <p:cNvPr id="189" name="Shape 189"/>
+        <p:cNvGrpSpPr/>
+        <p:nvPr/>
+      </p:nvGrpSpPr>
+      <p:grpSpPr>
+        <a:xfrm>
+          <a:off x="0" y="0"/>
+          <a:ext cx="0" cy="0"/>
+          <a:chOff x="0" y="0"/>
+          <a:chExt cx="0" cy="0"/>
+        </a:xfrm>
+      </p:grpSpPr>
+      <p:sp>
+        <p:nvSpPr>
+          <p:cNvPr id="190" name="Google Shape;190;p9"/>
           <p:cNvSpPr txBox="1"/>
           <p:nvPr>
             <p:ph type="title"/>
@@ -19805,7 +20983,7 @@
       </p:sp>
       <p:pic>
         <p:nvPicPr>
-          <p:cNvPr descr="Изображение выглядит как стол&#10;&#10;Автоматически созданное описание" id="165" name="Google Shape;165;p9"/>
+          <p:cNvPr descr="Изображение выглядит как стол&#10;&#10;Автоматически созданное описание" id="191" name="Google Shape;191;p9"/>
           <p:cNvPicPr preferRelativeResize="0"/>
           <p:nvPr/>
         </p:nvPicPr>
@@ -19832,7 +21010,7 @@
       </p:pic>
       <p:sp>
         <p:nvSpPr>
-          <p:cNvPr id="166" name="Google Shape;166;p9"/>
+          <p:cNvPr id="192" name="Google Shape;192;p9"/>
           <p:cNvSpPr txBox="1"/>
           <p:nvPr/>
         </p:nvSpPr>
@@ -19917,7 +21095,7 @@
       </p:sp>
       <p:sp>
         <p:nvSpPr>
-          <p:cNvPr id="167" name="Google Shape;167;p9"/>
+          <p:cNvPr id="193" name="Google Shape;193;p9"/>
           <p:cNvSpPr txBox="1"/>
           <p:nvPr>
             <p:ph idx="12" type="sldNum"/>
@@ -19971,12 +21149,12 @@
 </p:sld>
 </file>
 
-<file path=ppt/slides/slide11.xml><?xml version="1.0" encoding="utf-8"?>
+<file path=ppt/slides/slide12.xml><?xml version="1.0" encoding="utf-8"?>
 <p:sld xmlns:a="http://schemas.openxmlformats.org/drawingml/2006/main" xmlns:r="http://schemas.openxmlformats.org/officeDocument/2006/relationships" xmlns:mc="http://schemas.openxmlformats.org/markup-compatibility/2006" xmlns:mv="urn:schemas-microsoft-com:mac:vml" xmlns:p="http://schemas.openxmlformats.org/presentationml/2006/main" xmlns:c="http://schemas.openxmlformats.org/drawingml/2006/chart" xmlns:dgm="http://schemas.openxmlformats.org/drawingml/2006/diagram" xmlns:o="urn:schemas-microsoft-com:office:office" xmlns:v="urn:schemas-microsoft-com:vml" xmlns:pvml="urn:schemas-microsoft-com:office:powerpoint" xmlns:com="http://schemas.openxmlformats.org/drawingml/2006/compatibility" xmlns:p14="http://schemas.microsoft.com/office/powerpoint/2010/main" xmlns:p15="http://schemas.microsoft.com/office/powerpoint/2012/main" xmlns:ahyp="http://schemas.microsoft.com/office/drawing/2018/hyperlinkcolor">
   <p:cSld>
     <p:spTree>
       <p:nvGrpSpPr>
-        <p:cNvPr id="171" name="Shape 171"/>
+        <p:cNvPr id="197" name="Shape 197"/>
         <p:cNvGrpSpPr/>
         <p:nvPr/>
       </p:nvGrpSpPr>
@@ -19990,7 +21168,7 @@
       </p:grpSpPr>
       <p:sp>
         <p:nvSpPr>
-          <p:cNvPr id="172" name="Google Shape;172;p10"/>
+          <p:cNvPr id="198" name="Google Shape;198;p10"/>
           <p:cNvSpPr txBox="1"/>
           <p:nvPr>
             <p:ph type="title"/>
@@ -20042,7 +21220,7 @@
       </p:sp>
       <p:sp>
         <p:nvSpPr>
-          <p:cNvPr id="173" name="Google Shape;173;p10"/>
+          <p:cNvPr id="199" name="Google Shape;199;p10"/>
           <p:cNvSpPr txBox="1"/>
           <p:nvPr>
             <p:ph idx="1" type="body"/>
@@ -20134,12 +21312,12 @@
 </p:sld>
 </file>
 
-<file path=ppt/slides/slide12.xml><?xml version="1.0" encoding="utf-8"?>
+<file path=ppt/slides/slide13.xml><?xml version="1.0" encoding="utf-8"?>
 <p:sld xmlns:a="http://schemas.openxmlformats.org/drawingml/2006/main" xmlns:r="http://schemas.openxmlformats.org/officeDocument/2006/relationships" xmlns:mc="http://schemas.openxmlformats.org/markup-compatibility/2006" xmlns:mv="urn:schemas-microsoft-com:mac:vml" xmlns:p="http://schemas.openxmlformats.org/presentationml/2006/main" xmlns:c="http://schemas.openxmlformats.org/drawingml/2006/chart" xmlns:dgm="http://schemas.openxmlformats.org/drawingml/2006/diagram" xmlns:o="urn:schemas-microsoft-com:office:office" xmlns:v="urn:schemas-microsoft-com:vml" xmlns:pvml="urn:schemas-microsoft-com:office:powerpoint" xmlns:com="http://schemas.openxmlformats.org/drawingml/2006/compatibility" xmlns:p14="http://schemas.microsoft.com/office/powerpoint/2010/main" xmlns:p15="http://schemas.microsoft.com/office/powerpoint/2012/main" xmlns:ahyp="http://schemas.microsoft.com/office/drawing/2018/hyperlinkcolor">
   <p:cSld>
     <p:spTree>
       <p:nvGrpSpPr>
-        <p:cNvPr id="177" name="Shape 177"/>
+        <p:cNvPr id="203" name="Shape 203"/>
         <p:cNvGrpSpPr/>
         <p:nvPr/>
       </p:nvGrpSpPr>
@@ -20153,7 +21331,7 @@
       </p:grpSpPr>
       <p:sp>
         <p:nvSpPr>
-          <p:cNvPr id="178" name="Google Shape;178;p11"/>
+          <p:cNvPr id="204" name="Google Shape;204;p11"/>
           <p:cNvSpPr txBox="1"/>
           <p:nvPr>
             <p:ph type="title"/>
@@ -20213,7 +21391,7 @@
       </p:sp>
       <p:sp>
         <p:nvSpPr>
-          <p:cNvPr id="179" name="Google Shape;179;p11"/>
+          <p:cNvPr id="205" name="Google Shape;205;p11"/>
           <p:cNvSpPr txBox="1"/>
           <p:nvPr>
             <p:ph idx="1" type="body"/>
@@ -20396,7 +21574,7 @@
       </p:sp>
       <p:sp>
         <p:nvSpPr>
-          <p:cNvPr id="180" name="Google Shape;180;p11"/>
+          <p:cNvPr id="206" name="Google Shape;206;p11"/>
           <p:cNvSpPr txBox="1"/>
           <p:nvPr>
             <p:ph idx="12" type="sldNum"/>
@@ -20450,12 +21628,12 @@
 </p:sld>
 </file>
 
-<file path=ppt/slides/slide13.xml><?xml version="1.0" encoding="utf-8"?>
+<file path=ppt/slides/slide14.xml><?xml version="1.0" encoding="utf-8"?>
 <p:sld xmlns:a="http://schemas.openxmlformats.org/drawingml/2006/main" xmlns:r="http://schemas.openxmlformats.org/officeDocument/2006/relationships" xmlns:mc="http://schemas.openxmlformats.org/markup-compatibility/2006" xmlns:mv="urn:schemas-microsoft-com:mac:vml" xmlns:p="http://schemas.openxmlformats.org/presentationml/2006/main" xmlns:c="http://schemas.openxmlformats.org/drawingml/2006/chart" xmlns:dgm="http://schemas.openxmlformats.org/drawingml/2006/diagram" xmlns:o="urn:schemas-microsoft-com:office:office" xmlns:v="urn:schemas-microsoft-com:vml" xmlns:pvml="urn:schemas-microsoft-com:office:powerpoint" xmlns:com="http://schemas.openxmlformats.org/drawingml/2006/compatibility" xmlns:p14="http://schemas.microsoft.com/office/powerpoint/2010/main" xmlns:p15="http://schemas.microsoft.com/office/powerpoint/2012/main" xmlns:ahyp="http://schemas.microsoft.com/office/drawing/2018/hyperlinkcolor">
   <p:cSld>
     <p:spTree>
       <p:nvGrpSpPr>
-        <p:cNvPr id="184" name="Shape 184"/>
+        <p:cNvPr id="210" name="Shape 210"/>
         <p:cNvGrpSpPr/>
         <p:nvPr/>
       </p:nvGrpSpPr>
@@ -20469,7 +21647,7 @@
       </p:grpSpPr>
       <p:sp>
         <p:nvSpPr>
-          <p:cNvPr id="185" name="Google Shape;185;p12"/>
+          <p:cNvPr id="211" name="Google Shape;211;p12"/>
           <p:cNvSpPr txBox="1"/>
           <p:nvPr>
             <p:ph type="title"/>
@@ -20529,7 +21707,7 @@
       </p:sp>
       <p:sp>
         <p:nvSpPr>
-          <p:cNvPr id="186" name="Google Shape;186;p12"/>
+          <p:cNvPr id="212" name="Google Shape;212;p12"/>
           <p:cNvSpPr txBox="1"/>
           <p:nvPr>
             <p:ph idx="12" type="sldNum"/>
@@ -20577,7 +21755,7 @@
       </p:sp>
       <p:pic>
         <p:nvPicPr>
-          <p:cNvPr id="187" name="Google Shape;187;p12"/>
+          <p:cNvPr id="213" name="Google Shape;213;p12"/>
           <p:cNvPicPr preferRelativeResize="0"/>
           <p:nvPr/>
         </p:nvPicPr>
@@ -20604,7 +21782,7 @@
       </p:pic>
       <p:sp>
         <p:nvSpPr>
-          <p:cNvPr id="188" name="Google Shape;188;p12"/>
+          <p:cNvPr id="214" name="Google Shape;214;p12"/>
           <p:cNvSpPr txBox="1"/>
           <p:nvPr/>
         </p:nvSpPr>
@@ -20645,6 +21823,25 @@
               <a:buNone/>
             </a:pPr>
             <a:r>
+              <a:rPr lang="en-US" sz="1800" u="sng">
+                <a:solidFill>
+                  <a:schemeClr val="dk1"/>
+                </a:solidFill>
+                <a:latin typeface="Calibri"/>
+                <a:ea typeface="Calibri"/>
+                <a:cs typeface="Calibri"/>
+                <a:sym typeface="Calibri"/>
+                <a:hlinkClick r:id="rId4">
+                  <a:extLst>
+                    <a:ext uri="{A12FA001-AC4F-418D-AE19-62706E023703}">
+                      <ahyp:hlinkClr val="tx"/>
+                    </a:ext>
+                  </a:extLst>
+                </a:hlinkClick>
+              </a:rPr>
+              <a:t>https://llvm.org/pubs/2008-06-PLDI-PuzzleSolving.pdf</a:t>
+            </a:r>
+            <a:r>
               <a:rPr lang="en-US" sz="1800">
                 <a:solidFill>
                   <a:schemeClr val="dk1"/>
@@ -20654,7 +21851,7 @@
                 <a:cs typeface="Calibri"/>
                 <a:sym typeface="Calibri"/>
               </a:rPr>
-              <a:t>https://llvm.org/pubs/2008-06-PLDI-PuzzleSolving.pdf</a:t>
+              <a:t> </a:t>
             </a:r>
             <a:endParaRPr b="0" i="0" sz="1800" u="none" cap="none" strike="noStrike">
               <a:solidFill>
@@ -20676,12 +21873,12 @@
 </p:sld>
 </file>
 
-<file path=ppt/slides/slide14.xml><?xml version="1.0" encoding="utf-8"?>
+<file path=ppt/slides/slide15.xml><?xml version="1.0" encoding="utf-8"?>
 <p:sld xmlns:a="http://schemas.openxmlformats.org/drawingml/2006/main" xmlns:r="http://schemas.openxmlformats.org/officeDocument/2006/relationships" xmlns:mc="http://schemas.openxmlformats.org/markup-compatibility/2006" xmlns:mv="urn:schemas-microsoft-com:mac:vml" xmlns:p="http://schemas.openxmlformats.org/presentationml/2006/main" xmlns:c="http://schemas.openxmlformats.org/drawingml/2006/chart" xmlns:dgm="http://schemas.openxmlformats.org/drawingml/2006/diagram" xmlns:o="urn:schemas-microsoft-com:office:office" xmlns:v="urn:schemas-microsoft-com:vml" xmlns:pvml="urn:schemas-microsoft-com:office:powerpoint" xmlns:com="http://schemas.openxmlformats.org/drawingml/2006/compatibility" xmlns:p14="http://schemas.microsoft.com/office/powerpoint/2010/main" xmlns:p15="http://schemas.microsoft.com/office/powerpoint/2012/main" xmlns:ahyp="http://schemas.microsoft.com/office/drawing/2018/hyperlinkcolor">
   <p:cSld>
     <p:spTree>
       <p:nvGrpSpPr>
-        <p:cNvPr id="192" name="Shape 192"/>
+        <p:cNvPr id="218" name="Shape 218"/>
         <p:cNvGrpSpPr/>
         <p:nvPr/>
       </p:nvGrpSpPr>
@@ -20695,7 +21892,7 @@
       </p:grpSpPr>
       <p:sp>
         <p:nvSpPr>
-          <p:cNvPr id="193" name="Google Shape;193;p13"/>
+          <p:cNvPr id="219" name="Google Shape;219;p13"/>
           <p:cNvSpPr txBox="1"/>
           <p:nvPr>
             <p:ph type="title"/>
@@ -20747,7 +21944,7 @@
       </p:sp>
       <p:sp>
         <p:nvSpPr>
-          <p:cNvPr id="194" name="Google Shape;194;p13"/>
+          <p:cNvPr id="220" name="Google Shape;220;p13"/>
           <p:cNvSpPr txBox="1"/>
           <p:nvPr>
             <p:ph idx="1" type="body"/>
@@ -20839,12 +22036,12 @@
 </p:sld>
 </file>
 
-<file path=ppt/slides/slide15.xml><?xml version="1.0" encoding="utf-8"?>
+<file path=ppt/slides/slide16.xml><?xml version="1.0" encoding="utf-8"?>
 <p:sld xmlns:a="http://schemas.openxmlformats.org/drawingml/2006/main" xmlns:r="http://schemas.openxmlformats.org/officeDocument/2006/relationships" xmlns:mc="http://schemas.openxmlformats.org/markup-compatibility/2006" xmlns:mv="urn:schemas-microsoft-com:mac:vml" xmlns:p="http://schemas.openxmlformats.org/presentationml/2006/main" xmlns:c="http://schemas.openxmlformats.org/drawingml/2006/chart" xmlns:dgm="http://schemas.openxmlformats.org/drawingml/2006/diagram" xmlns:o="urn:schemas-microsoft-com:office:office" xmlns:v="urn:schemas-microsoft-com:vml" xmlns:pvml="urn:schemas-microsoft-com:office:powerpoint" xmlns:com="http://schemas.openxmlformats.org/drawingml/2006/compatibility" xmlns:p14="http://schemas.microsoft.com/office/powerpoint/2010/main" xmlns:p15="http://schemas.microsoft.com/office/powerpoint/2012/main" xmlns:ahyp="http://schemas.microsoft.com/office/drawing/2018/hyperlinkcolor">
   <p:cSld>
     <p:spTree>
       <p:nvGrpSpPr>
-        <p:cNvPr id="198" name="Shape 198"/>
+        <p:cNvPr id="224" name="Shape 224"/>
         <p:cNvGrpSpPr/>
         <p:nvPr/>
       </p:nvGrpSpPr>
@@ -20858,7 +22055,7 @@
       </p:grpSpPr>
       <p:sp>
         <p:nvSpPr>
-          <p:cNvPr id="199" name="Google Shape;199;p14"/>
+          <p:cNvPr id="225" name="Google Shape;225;p14"/>
           <p:cNvSpPr txBox="1"/>
           <p:nvPr>
             <p:ph type="title"/>
@@ -20910,7 +22107,7 @@
       </p:sp>
       <p:sp>
         <p:nvSpPr>
-          <p:cNvPr id="200" name="Google Shape;200;p14"/>
+          <p:cNvPr id="226" name="Google Shape;226;p14"/>
           <p:cNvSpPr txBox="1"/>
           <p:nvPr>
             <p:ph idx="1" type="body"/>
@@ -21029,7 +22226,7 @@
       </p:sp>
       <p:pic>
         <p:nvPicPr>
-          <p:cNvPr id="201" name="Google Shape;201;p14"/>
+          <p:cNvPr id="227" name="Google Shape;227;p14"/>
           <p:cNvPicPr preferRelativeResize="0"/>
           <p:nvPr/>
         </p:nvPicPr>
@@ -21074,12 +22271,12 @@
 </p:sld>
 </file>
 
-<file path=ppt/slides/slide16.xml><?xml version="1.0" encoding="utf-8"?>
+<file path=ppt/slides/slide17.xml><?xml version="1.0" encoding="utf-8"?>
 <p:sld xmlns:a="http://schemas.openxmlformats.org/drawingml/2006/main" xmlns:r="http://schemas.openxmlformats.org/officeDocument/2006/relationships" xmlns:mc="http://schemas.openxmlformats.org/markup-compatibility/2006" xmlns:mv="urn:schemas-microsoft-com:mac:vml" xmlns:p="http://schemas.openxmlformats.org/presentationml/2006/main" xmlns:c="http://schemas.openxmlformats.org/drawingml/2006/chart" xmlns:dgm="http://schemas.openxmlformats.org/drawingml/2006/diagram" xmlns:o="urn:schemas-microsoft-com:office:office" xmlns:v="urn:schemas-microsoft-com:vml" xmlns:pvml="urn:schemas-microsoft-com:office:powerpoint" xmlns:com="http://schemas.openxmlformats.org/drawingml/2006/compatibility" xmlns:p14="http://schemas.microsoft.com/office/powerpoint/2010/main" xmlns:p15="http://schemas.microsoft.com/office/powerpoint/2012/main" xmlns:ahyp="http://schemas.microsoft.com/office/drawing/2018/hyperlinkcolor">
   <p:cSld>
     <p:spTree>
       <p:nvGrpSpPr>
-        <p:cNvPr id="206" name="Shape 206"/>
+        <p:cNvPr id="232" name="Shape 232"/>
         <p:cNvGrpSpPr/>
         <p:nvPr/>
       </p:nvGrpSpPr>
@@ -21093,7 +22290,7 @@
       </p:grpSpPr>
       <p:sp>
         <p:nvSpPr>
-          <p:cNvPr id="207" name="Google Shape;207;g2c81fcb20f4_2_1"/>
+          <p:cNvPr id="233" name="Google Shape;233;g2c81fcb20f4_2_1"/>
           <p:cNvSpPr txBox="1"/>
           <p:nvPr>
             <p:ph type="title"/>
@@ -21131,48 +22328,9 @@
           </a:p>
         </p:txBody>
       </p:sp>
-      <p:sp>
-        <p:nvSpPr>
-          <p:cNvPr id="208" name="Google Shape;208;g2c81fcb20f4_2_1"/>
-          <p:cNvSpPr txBox="1"/>
-          <p:nvPr>
-            <p:ph idx="1" type="body"/>
-          </p:nvPr>
-        </p:nvSpPr>
-        <p:spPr>
-          <a:xfrm>
-            <a:off x="571370" y="1673454"/>
-            <a:ext cx="11010900" cy="4575000"/>
-          </a:xfrm>
-          <a:prstGeom prst="rect">
-            <a:avLst/>
-          </a:prstGeom>
-        </p:spPr>
-        <p:txBody>
-          <a:bodyPr anchorCtr="0" anchor="t" bIns="45700" lIns="91425" spcFirstLastPara="1" rIns="91425" wrap="square" tIns="45700">
-            <a:normAutofit/>
-          </a:bodyPr>
-          <a:lstStyle/>
-          <a:p>
-            <a:pPr indent="0" lvl="0" marL="0" rtl="0" algn="l">
-              <a:spcBef>
-                <a:spcPts val="1000"/>
-              </a:spcBef>
-              <a:spcAft>
-                <a:spcPts val="0"/>
-              </a:spcAft>
-              <a:buNone/>
-            </a:pPr>
-            <a:r>
-              <a:t/>
-            </a:r>
-            <a:endParaRPr/>
-          </a:p>
-        </p:txBody>
-      </p:sp>
       <p:pic>
         <p:nvPicPr>
-          <p:cNvPr id="209" name="Google Shape;209;g2c81fcb20f4_2_1"/>
+          <p:cNvPr id="234" name="Google Shape;234;g2c81fcb20f4_2_1"/>
           <p:cNvPicPr preferRelativeResize="0"/>
           <p:nvPr/>
         </p:nvPicPr>
@@ -21206,12 +22364,12 @@
 </p:sld>
 </file>
 
-<file path=ppt/slides/slide17.xml><?xml version="1.0" encoding="utf-8"?>
+<file path=ppt/slides/slide18.xml><?xml version="1.0" encoding="utf-8"?>
 <p:sld xmlns:a="http://schemas.openxmlformats.org/drawingml/2006/main" xmlns:r="http://schemas.openxmlformats.org/officeDocument/2006/relationships" xmlns:mc="http://schemas.openxmlformats.org/markup-compatibility/2006" xmlns:mv="urn:schemas-microsoft-com:mac:vml" xmlns:p="http://schemas.openxmlformats.org/presentationml/2006/main" xmlns:c="http://schemas.openxmlformats.org/drawingml/2006/chart" xmlns:dgm="http://schemas.openxmlformats.org/drawingml/2006/diagram" xmlns:o="urn:schemas-microsoft-com:office:office" xmlns:v="urn:schemas-microsoft-com:vml" xmlns:pvml="urn:schemas-microsoft-com:office:powerpoint" xmlns:com="http://schemas.openxmlformats.org/drawingml/2006/compatibility" xmlns:p14="http://schemas.microsoft.com/office/powerpoint/2010/main" xmlns:p15="http://schemas.microsoft.com/office/powerpoint/2012/main" xmlns:ahyp="http://schemas.microsoft.com/office/drawing/2018/hyperlinkcolor">
   <p:cSld>
     <p:spTree>
       <p:nvGrpSpPr>
-        <p:cNvPr id="213" name="Shape 213"/>
+        <p:cNvPr id="239" name="Shape 239"/>
         <p:cNvGrpSpPr/>
         <p:nvPr/>
       </p:nvGrpSpPr>
@@ -21225,7 +22383,355 @@
       </p:grpSpPr>
       <p:sp>
         <p:nvSpPr>
-          <p:cNvPr id="214" name="Google Shape;214;p15"/>
+          <p:cNvPr id="240" name="Google Shape;240;g3474fa1927f_0_244"/>
+          <p:cNvSpPr txBox="1"/>
+          <p:nvPr>
+            <p:ph type="title"/>
+          </p:nvPr>
+        </p:nvSpPr>
+        <p:spPr>
+          <a:xfrm>
+            <a:off x="571370" y="571500"/>
+            <a:ext cx="11010900" cy="952500"/>
+          </a:xfrm>
+          <a:prstGeom prst="rect">
+            <a:avLst/>
+          </a:prstGeom>
+        </p:spPr>
+        <p:txBody>
+          <a:bodyPr anchorCtr="0" anchor="ctr" bIns="0" lIns="0" spcFirstLastPara="1" rIns="0" wrap="square" tIns="0">
+            <a:noAutofit/>
+          </a:bodyPr>
+          <a:lstStyle/>
+          <a:p>
+            <a:pPr indent="0" lvl="0" marL="0" rtl="0" algn="l">
+              <a:spcBef>
+                <a:spcPts val="0"/>
+              </a:spcBef>
+              <a:spcAft>
+                <a:spcPts val="0"/>
+              </a:spcAft>
+              <a:buNone/>
+            </a:pPr>
+            <a:r>
+              <a:rPr lang="en-US"/>
+              <a:t>Register allocation mechanism s</a:t>
+            </a:r>
+            <a:r>
+              <a:rPr lang="en-US"/>
+              <a:t>tages</a:t>
+            </a:r>
+            <a:endParaRPr/>
+          </a:p>
+        </p:txBody>
+      </p:sp>
+      <p:sp>
+        <p:nvSpPr>
+          <p:cNvPr id="241" name="Google Shape;241;g3474fa1927f_0_244"/>
+          <p:cNvSpPr txBox="1"/>
+          <p:nvPr>
+            <p:ph idx="1" type="body"/>
+          </p:nvPr>
+        </p:nvSpPr>
+        <p:spPr>
+          <a:xfrm>
+            <a:off x="571375" y="1336475"/>
+            <a:ext cx="11010900" cy="5425800"/>
+          </a:xfrm>
+          <a:prstGeom prst="rect">
+            <a:avLst/>
+          </a:prstGeom>
+        </p:spPr>
+        <p:txBody>
+          <a:bodyPr anchorCtr="0" anchor="t" bIns="45700" lIns="91425" spcFirstLastPara="1" rIns="91425" wrap="square" tIns="45700">
+            <a:spAutoFit/>
+          </a:bodyPr>
+          <a:lstStyle/>
+          <a:p>
+            <a:pPr indent="-323850" lvl="0" marL="457200" rtl="0" algn="l">
+              <a:spcBef>
+                <a:spcPts val="1000"/>
+              </a:spcBef>
+              <a:spcAft>
+                <a:spcPts val="0"/>
+              </a:spcAft>
+              <a:buSzPts val="1500"/>
+              <a:buChar char="•"/>
+            </a:pPr>
+            <a:r>
+              <a:rPr lang="en-US" sz="2500"/>
+              <a:t>Renumber</a:t>
+            </a:r>
+            <a:endParaRPr sz="2500"/>
+          </a:p>
+          <a:p>
+            <a:pPr indent="-323850" lvl="1" marL="914400" rtl="0" algn="l">
+              <a:spcBef>
+                <a:spcPts val="0"/>
+              </a:spcBef>
+              <a:spcAft>
+                <a:spcPts val="0"/>
+              </a:spcAft>
+              <a:buSzPts val="1500"/>
+              <a:buChar char="•"/>
+            </a:pPr>
+            <a:r>
+              <a:rPr lang="en-US" sz="2100"/>
+              <a:t>assign/verify unique virtual register IDs</a:t>
+            </a:r>
+            <a:endParaRPr sz="2100"/>
+          </a:p>
+          <a:p>
+            <a:pPr indent="-323850" lvl="0" marL="457200" rtl="0" algn="l">
+              <a:spcBef>
+                <a:spcPts val="0"/>
+              </a:spcBef>
+              <a:spcAft>
+                <a:spcPts val="0"/>
+              </a:spcAft>
+              <a:buSzPts val="1500"/>
+              <a:buChar char="•"/>
+            </a:pPr>
+            <a:r>
+              <a:rPr lang="en-US" sz="2500"/>
+              <a:t>Build</a:t>
+            </a:r>
+            <a:endParaRPr sz="2500"/>
+          </a:p>
+          <a:p>
+            <a:pPr indent="-323850" lvl="1" marL="914400" rtl="0" algn="l">
+              <a:spcBef>
+                <a:spcPts val="0"/>
+              </a:spcBef>
+              <a:spcAft>
+                <a:spcPts val="0"/>
+              </a:spcAft>
+              <a:buSzPts val="1500"/>
+              <a:buChar char="•"/>
+            </a:pPr>
+            <a:r>
+              <a:rPr lang="en-US" sz="2100"/>
+              <a:t>build a graph: liveness analysis</a:t>
+            </a:r>
+            <a:endParaRPr sz="2100"/>
+          </a:p>
+          <a:p>
+            <a:pPr indent="-323850" lvl="0" marL="457200" rtl="0" algn="l">
+              <a:spcBef>
+                <a:spcPts val="0"/>
+              </a:spcBef>
+              <a:spcAft>
+                <a:spcPts val="0"/>
+              </a:spcAft>
+              <a:buSzPts val="1500"/>
+              <a:buChar char="•"/>
+            </a:pPr>
+            <a:r>
+              <a:rPr lang="en-US" sz="2500"/>
+              <a:t>Coalesce</a:t>
+            </a:r>
+            <a:endParaRPr sz="2500"/>
+          </a:p>
+          <a:p>
+            <a:pPr indent="-323850" lvl="1" marL="914400" rtl="0" algn="l">
+              <a:spcBef>
+                <a:spcPts val="0"/>
+              </a:spcBef>
+              <a:spcAft>
+                <a:spcPts val="0"/>
+              </a:spcAft>
+              <a:buSzPts val="1500"/>
+              <a:buChar char="•"/>
+            </a:pPr>
+            <a:r>
+              <a:rPr lang="en-US" sz="2100"/>
+              <a:t>merge nodes that represent copy-related variables (reduce need of COPY)</a:t>
+            </a:r>
+            <a:endParaRPr sz="2100"/>
+          </a:p>
+          <a:p>
+            <a:pPr indent="-323850" lvl="0" marL="457200" rtl="0" algn="l">
+              <a:spcBef>
+                <a:spcPts val="0"/>
+              </a:spcBef>
+              <a:spcAft>
+                <a:spcPts val="0"/>
+              </a:spcAft>
+              <a:buSzPts val="1500"/>
+              <a:buChar char="•"/>
+            </a:pPr>
+            <a:r>
+              <a:rPr lang="en-US" sz="2500"/>
+              <a:t>Spill Cost</a:t>
+            </a:r>
+            <a:endParaRPr sz="2500"/>
+          </a:p>
+          <a:p>
+            <a:pPr indent="-323850" lvl="1" marL="914400" rtl="0" algn="l">
+              <a:spcBef>
+                <a:spcPts val="0"/>
+              </a:spcBef>
+              <a:spcAft>
+                <a:spcPts val="0"/>
+              </a:spcAft>
+              <a:buSzPts val="1500"/>
+              <a:buChar char="•"/>
+            </a:pPr>
+            <a:r>
+              <a:rPr lang="en-US" sz="2100"/>
+              <a:t>calculate a spill cost for each variable</a:t>
+            </a:r>
+            <a:endParaRPr sz="2100"/>
+          </a:p>
+          <a:p>
+            <a:pPr indent="-323850" lvl="0" marL="457200" rtl="0" algn="l">
+              <a:spcBef>
+                <a:spcPts val="0"/>
+              </a:spcBef>
+              <a:spcAft>
+                <a:spcPts val="0"/>
+              </a:spcAft>
+              <a:buSzPts val="1500"/>
+              <a:buChar char="•"/>
+            </a:pPr>
+            <a:r>
+              <a:rPr lang="en-US" sz="2500"/>
+              <a:t>Simplify</a:t>
+            </a:r>
+            <a:endParaRPr sz="2500"/>
+          </a:p>
+          <a:p>
+            <a:pPr indent="-323850" lvl="1" marL="914400" rtl="0" algn="l">
+              <a:spcBef>
+                <a:spcPts val="0"/>
+              </a:spcBef>
+              <a:spcAft>
+                <a:spcPts val="0"/>
+              </a:spcAft>
+              <a:buSzPts val="1500"/>
+              <a:buChar char="•"/>
+            </a:pPr>
+            <a:r>
+              <a:rPr lang="en-US" sz="2100"/>
+              <a:t>simplify a graph (e.g., drop low-degree nodes and push them to the stack)</a:t>
+            </a:r>
+            <a:endParaRPr sz="2100"/>
+          </a:p>
+          <a:p>
+            <a:pPr indent="-323850" lvl="0" marL="457200" rtl="0" algn="l">
+              <a:spcBef>
+                <a:spcPts val="0"/>
+              </a:spcBef>
+              <a:spcAft>
+                <a:spcPts val="0"/>
+              </a:spcAft>
+              <a:buSzPts val="1500"/>
+              <a:buChar char="•"/>
+            </a:pPr>
+            <a:r>
+              <a:rPr lang="en-US" sz="2500"/>
+              <a:t>Select</a:t>
+            </a:r>
+            <a:endParaRPr sz="2500"/>
+          </a:p>
+          <a:p>
+            <a:pPr indent="-323850" lvl="1" marL="914400" rtl="0" algn="l">
+              <a:spcBef>
+                <a:spcPts val="0"/>
+              </a:spcBef>
+              <a:spcAft>
+                <a:spcPts val="0"/>
+              </a:spcAft>
+              <a:buSzPts val="1500"/>
+              <a:buChar char="•"/>
+            </a:pPr>
+            <a:r>
+              <a:rPr lang="en-US" sz="2100"/>
+              <a:t>compiler pops nodes from the stack and tries to assign them to registers (color them)</a:t>
+            </a:r>
+            <a:endParaRPr sz="2100"/>
+          </a:p>
+          <a:p>
+            <a:pPr indent="-323850" lvl="1" marL="914400" rtl="0" algn="l">
+              <a:spcBef>
+                <a:spcPts val="0"/>
+              </a:spcBef>
+              <a:spcAft>
+                <a:spcPts val="0"/>
+              </a:spcAft>
+              <a:buSzPts val="1500"/>
+              <a:buChar char="•"/>
+            </a:pPr>
+            <a:r>
+              <a:rPr lang="en-US" sz="2100"/>
+              <a:t>if a node cannot be assigned a register (e.g., it conflicts with all available registers), the compiler designates it as “spilled”</a:t>
+            </a:r>
+            <a:endParaRPr sz="2100"/>
+          </a:p>
+          <a:p>
+            <a:pPr indent="-323850" lvl="0" marL="457200" rtl="0" algn="l">
+              <a:spcBef>
+                <a:spcPts val="0"/>
+              </a:spcBef>
+              <a:spcAft>
+                <a:spcPts val="0"/>
+              </a:spcAft>
+              <a:buSzPts val="1500"/>
+              <a:buChar char="•"/>
+            </a:pPr>
+            <a:r>
+              <a:rPr lang="en-US" sz="2500"/>
+              <a:t>Insert spill code</a:t>
+            </a:r>
+            <a:endParaRPr sz="2500"/>
+          </a:p>
+          <a:p>
+            <a:pPr indent="-323850" lvl="1" marL="914400" rtl="0" algn="l">
+              <a:spcBef>
+                <a:spcPts val="0"/>
+              </a:spcBef>
+              <a:spcAft>
+                <a:spcPts val="0"/>
+              </a:spcAft>
+              <a:buSzPts val="1500"/>
+              <a:buChar char="•"/>
+            </a:pPr>
+            <a:r>
+              <a:rPr lang="en-US" sz="2100"/>
+              <a:t>compiler inserts extra load/store instructions (the spill code) to move that variable between memory and registers (if needed)</a:t>
+            </a:r>
+            <a:endParaRPr sz="2100"/>
+          </a:p>
+        </p:txBody>
+      </p:sp>
+    </p:spTree>
+  </p:cSld>
+  <p:clrMapOvr>
+    <a:masterClrMapping/>
+  </p:clrMapOvr>
+</p:sld>
+</file>
+
+<file path=ppt/slides/slide19.xml><?xml version="1.0" encoding="utf-8"?>
+<p:sld xmlns:a="http://schemas.openxmlformats.org/drawingml/2006/main" xmlns:r="http://schemas.openxmlformats.org/officeDocument/2006/relationships" xmlns:mc="http://schemas.openxmlformats.org/markup-compatibility/2006" xmlns:mv="urn:schemas-microsoft-com:mac:vml" xmlns:p="http://schemas.openxmlformats.org/presentationml/2006/main" xmlns:c="http://schemas.openxmlformats.org/drawingml/2006/chart" xmlns:dgm="http://schemas.openxmlformats.org/drawingml/2006/diagram" xmlns:o="urn:schemas-microsoft-com:office:office" xmlns:v="urn:schemas-microsoft-com:vml" xmlns:pvml="urn:schemas-microsoft-com:office:powerpoint" xmlns:com="http://schemas.openxmlformats.org/drawingml/2006/compatibility" xmlns:p14="http://schemas.microsoft.com/office/powerpoint/2010/main" xmlns:p15="http://schemas.microsoft.com/office/powerpoint/2012/main" xmlns:ahyp="http://schemas.microsoft.com/office/drawing/2018/hyperlinkcolor">
+  <p:cSld>
+    <p:spTree>
+      <p:nvGrpSpPr>
+        <p:cNvPr id="245" name="Shape 245"/>
+        <p:cNvGrpSpPr/>
+        <p:nvPr/>
+      </p:nvGrpSpPr>
+      <p:grpSpPr>
+        <a:xfrm>
+          <a:off x="0" y="0"/>
+          <a:ext cx="0" cy="0"/>
+          <a:chOff x="0" y="0"/>
+          <a:chExt cx="0" cy="0"/>
+        </a:xfrm>
+      </p:grpSpPr>
+      <p:sp>
+        <p:nvSpPr>
+          <p:cNvPr id="246" name="Google Shape;246;p15"/>
           <p:cNvSpPr txBox="1"/>
           <p:nvPr>
             <p:ph type="title"/>
@@ -21285,7 +22791,7 @@
       </p:sp>
       <p:sp>
         <p:nvSpPr>
-          <p:cNvPr id="215" name="Google Shape;215;p15"/>
+          <p:cNvPr id="247" name="Google Shape;247;p15"/>
           <p:cNvSpPr txBox="1"/>
           <p:nvPr>
             <p:ph idx="1" type="body"/>
@@ -21336,7 +22842,7 @@
       </p:sp>
       <p:sp>
         <p:nvSpPr>
-          <p:cNvPr id="216" name="Google Shape;216;p15"/>
+          <p:cNvPr id="248" name="Google Shape;248;p15"/>
           <p:cNvSpPr txBox="1"/>
           <p:nvPr>
             <p:ph idx="2" type="body"/>
@@ -21433,7 +22939,7 @@
       </p:sp>
       <p:sp>
         <p:nvSpPr>
-          <p:cNvPr id="217" name="Google Shape;217;p15"/>
+          <p:cNvPr id="249" name="Google Shape;249;p15"/>
           <p:cNvSpPr txBox="1"/>
           <p:nvPr>
             <p:ph idx="12" type="sldNum"/>
@@ -21487,12 +22993,12 @@
 </p:sld>
 </file>
 
-<file path=ppt/slides/slide18.xml><?xml version="1.0" encoding="utf-8"?>
+<file path=ppt/slides/slide2.xml><?xml version="1.0" encoding="utf-8"?>
 <p:sld xmlns:a="http://schemas.openxmlformats.org/drawingml/2006/main" xmlns:r="http://schemas.openxmlformats.org/officeDocument/2006/relationships" xmlns:mc="http://schemas.openxmlformats.org/markup-compatibility/2006" xmlns:mv="urn:schemas-microsoft-com:mac:vml" xmlns:p="http://schemas.openxmlformats.org/presentationml/2006/main" xmlns:c="http://schemas.openxmlformats.org/drawingml/2006/chart" xmlns:dgm="http://schemas.openxmlformats.org/drawingml/2006/diagram" xmlns:o="urn:schemas-microsoft-com:office:office" xmlns:v="urn:schemas-microsoft-com:vml" xmlns:pvml="urn:schemas-microsoft-com:office:powerpoint" xmlns:com="http://schemas.openxmlformats.org/drawingml/2006/compatibility" xmlns:p14="http://schemas.microsoft.com/office/powerpoint/2010/main" xmlns:p15="http://schemas.microsoft.com/office/powerpoint/2012/main" xmlns:ahyp="http://schemas.microsoft.com/office/drawing/2018/hyperlinkcolor">
   <p:cSld>
     <p:spTree>
       <p:nvGrpSpPr>
-        <p:cNvPr id="221" name="Shape 221"/>
+        <p:cNvPr id="104" name="Shape 104"/>
         <p:cNvGrpSpPr/>
         <p:nvPr/>
       </p:nvGrpSpPr>
@@ -21506,495 +23012,7 @@
       </p:grpSpPr>
       <p:sp>
         <p:nvSpPr>
-          <p:cNvPr id="222" name="Google Shape;222;p16"/>
-          <p:cNvSpPr txBox="1"/>
-          <p:nvPr>
-            <p:ph type="title"/>
-          </p:nvPr>
-        </p:nvSpPr>
-        <p:spPr>
-          <a:xfrm>
-            <a:off x="506604" y="375173"/>
-            <a:ext cx="10515600" cy="1325563"/>
-          </a:xfrm>
-          <a:prstGeom prst="rect">
-            <a:avLst/>
-          </a:prstGeom>
-          <a:noFill/>
-          <a:ln>
-            <a:noFill/>
-          </a:ln>
-        </p:spPr>
-        <p:txBody>
-          <a:bodyPr anchorCtr="0" anchor="ctr" bIns="45700" lIns="91425" spcFirstLastPara="1" rIns="91425" wrap="square" tIns="45700">
-            <a:normAutofit/>
-          </a:bodyPr>
-          <a:lstStyle/>
-          <a:p>
-            <a:pPr indent="0" lvl="0" marL="0" rtl="0" algn="l">
-              <a:lnSpc>
-                <a:spcPct val="90000"/>
-              </a:lnSpc>
-              <a:spcBef>
-                <a:spcPts val="0"/>
-              </a:spcBef>
-              <a:spcAft>
-                <a:spcPts val="0"/>
-              </a:spcAft>
-              <a:buClr>
-                <a:srgbClr val="525252"/>
-              </a:buClr>
-              <a:buSzPts val="4000"/>
-              <a:buFont typeface="Calibri"/>
-              <a:buNone/>
-            </a:pPr>
-            <a:r>
-              <a:rPr lang="en-US" sz="4000">
-                <a:solidFill>
-                  <a:srgbClr val="525252"/>
-                </a:solidFill>
-              </a:rPr>
-              <a:t>Linear scan to the rescue!</a:t>
-            </a:r>
-            <a:endParaRPr sz="4000">
-              <a:solidFill>
-                <a:srgbClr val="525252"/>
-              </a:solidFill>
-            </a:endParaRPr>
-          </a:p>
-        </p:txBody>
-      </p:sp>
-      <p:sp>
-        <p:nvSpPr>
-          <p:cNvPr id="223" name="Google Shape;223;p16"/>
-          <p:cNvSpPr txBox="1"/>
-          <p:nvPr>
-            <p:ph idx="1" type="body"/>
-          </p:nvPr>
-        </p:nvSpPr>
-        <p:spPr>
-          <a:xfrm>
-            <a:off x="838200" y="1825625"/>
-            <a:ext cx="10515600" cy="4351338"/>
-          </a:xfrm>
-          <a:prstGeom prst="rect">
-            <a:avLst/>
-          </a:prstGeom>
-          <a:noFill/>
-          <a:ln>
-            <a:noFill/>
-          </a:ln>
-        </p:spPr>
-        <p:txBody>
-          <a:bodyPr anchorCtr="0" anchor="t" bIns="45700" lIns="91425" spcFirstLastPara="1" rIns="91425" wrap="square" tIns="45700">
-            <a:normAutofit/>
-          </a:bodyPr>
-          <a:lstStyle/>
-          <a:p>
-            <a:pPr indent="-228600" lvl="0" marL="228600" rtl="0" algn="l">
-              <a:lnSpc>
-                <a:spcPct val="90000"/>
-              </a:lnSpc>
-              <a:spcBef>
-                <a:spcPts val="0"/>
-              </a:spcBef>
-              <a:spcAft>
-                <a:spcPts val="0"/>
-              </a:spcAft>
-              <a:buClr>
-                <a:schemeClr val="dk1"/>
-              </a:buClr>
-              <a:buSzPts val="2800"/>
-              <a:buChar char="•"/>
-            </a:pPr>
-            <a:r>
-              <a:rPr lang="en-US"/>
-              <a:t>Instead of building a graph, all the variables are linearly scanned to determine their live range</a:t>
-            </a:r>
-            <a:endParaRPr/>
-          </a:p>
-          <a:p>
-            <a:pPr indent="-228600" lvl="0" marL="228600" rtl="0" algn="l">
-              <a:lnSpc>
-                <a:spcPct val="90000"/>
-              </a:lnSpc>
-              <a:spcBef>
-                <a:spcPts val="1000"/>
-              </a:spcBef>
-              <a:spcAft>
-                <a:spcPts val="0"/>
-              </a:spcAft>
-              <a:buClr>
-                <a:schemeClr val="dk1"/>
-              </a:buClr>
-              <a:buSzPts val="2800"/>
-              <a:buChar char="•"/>
-            </a:pPr>
-            <a:r>
-              <a:rPr lang="en-US"/>
-              <a:t>All ranges are sorted and traversed chronologically.</a:t>
-            </a:r>
-            <a:endParaRPr/>
-          </a:p>
-          <a:p>
-            <a:pPr indent="-228600" lvl="0" marL="228600" rtl="0" algn="l">
-              <a:lnSpc>
-                <a:spcPct val="90000"/>
-              </a:lnSpc>
-              <a:spcBef>
-                <a:spcPts val="1000"/>
-              </a:spcBef>
-              <a:spcAft>
-                <a:spcPts val="0"/>
-              </a:spcAft>
-              <a:buClr>
-                <a:schemeClr val="dk1"/>
-              </a:buClr>
-              <a:buSzPts val="2800"/>
-              <a:buChar char="•"/>
-            </a:pPr>
-            <a:r>
-              <a:rPr lang="en-US"/>
-              <a:t>Registers are allocated in a greedy way</a:t>
-            </a:r>
-            <a:endParaRPr/>
-          </a:p>
-        </p:txBody>
-      </p:sp>
-      <p:sp>
-        <p:nvSpPr>
-          <p:cNvPr id="224" name="Google Shape;224;p16"/>
-          <p:cNvSpPr txBox="1"/>
-          <p:nvPr>
-            <p:ph idx="12" type="sldNum"/>
-          </p:nvPr>
-        </p:nvSpPr>
-        <p:spPr>
-          <a:xfrm>
-            <a:off x="8610600" y="6356350"/>
-            <a:ext cx="2743200" cy="365125"/>
-          </a:xfrm>
-          <a:prstGeom prst="rect">
-            <a:avLst/>
-          </a:prstGeom>
-          <a:noFill/>
-          <a:ln>
-            <a:noFill/>
-          </a:ln>
-        </p:spPr>
-        <p:txBody>
-          <a:bodyPr anchorCtr="0" anchor="ctr" bIns="45700" lIns="91425" spcFirstLastPara="1" rIns="91425" wrap="square" tIns="45700">
-            <a:noAutofit/>
-          </a:bodyPr>
-          <a:lstStyle/>
-          <a:p>
-            <a:pPr indent="0" lvl="0" marL="0" rtl="0" algn="r">
-              <a:lnSpc>
-                <a:spcPct val="100000"/>
-              </a:lnSpc>
-              <a:spcBef>
-                <a:spcPts val="0"/>
-              </a:spcBef>
-              <a:spcAft>
-                <a:spcPts val="0"/>
-              </a:spcAft>
-              <a:buSzPts val="1200"/>
-              <a:buNone/>
-            </a:pPr>
-            <a:fld id="{00000000-1234-1234-1234-123412341234}" type="slidenum">
-              <a:rPr lang="en-US"/>
-              <a:t>‹#›</a:t>
-            </a:fld>
-            <a:endParaRPr/>
-          </a:p>
-        </p:txBody>
-      </p:sp>
-    </p:spTree>
-  </p:cSld>
-  <p:clrMapOvr>
-    <a:masterClrMapping/>
-  </p:clrMapOvr>
-</p:sld>
-</file>
-
-<file path=ppt/slides/slide19.xml><?xml version="1.0" encoding="utf-8"?>
-<p:sld xmlns:a="http://schemas.openxmlformats.org/drawingml/2006/main" xmlns:r="http://schemas.openxmlformats.org/officeDocument/2006/relationships" xmlns:mc="http://schemas.openxmlformats.org/markup-compatibility/2006" xmlns:mv="urn:schemas-microsoft-com:mac:vml" xmlns:p="http://schemas.openxmlformats.org/presentationml/2006/main" xmlns:c="http://schemas.openxmlformats.org/drawingml/2006/chart" xmlns:dgm="http://schemas.openxmlformats.org/drawingml/2006/diagram" xmlns:o="urn:schemas-microsoft-com:office:office" xmlns:v="urn:schemas-microsoft-com:vml" xmlns:pvml="urn:schemas-microsoft-com:office:powerpoint" xmlns:com="http://schemas.openxmlformats.org/drawingml/2006/compatibility" xmlns:p14="http://schemas.microsoft.com/office/powerpoint/2010/main" xmlns:p15="http://schemas.microsoft.com/office/powerpoint/2012/main" xmlns:ahyp="http://schemas.microsoft.com/office/drawing/2018/hyperlinkcolor">
-  <p:cSld>
-    <p:spTree>
-      <p:nvGrpSpPr>
-        <p:cNvPr id="228" name="Shape 228"/>
-        <p:cNvGrpSpPr/>
-        <p:nvPr/>
-      </p:nvGrpSpPr>
-      <p:grpSpPr>
-        <a:xfrm>
-          <a:off x="0" y="0"/>
-          <a:ext cx="0" cy="0"/>
-          <a:chOff x="0" y="0"/>
-          <a:chExt cx="0" cy="0"/>
-        </a:xfrm>
-      </p:grpSpPr>
-      <p:sp>
-        <p:nvSpPr>
-          <p:cNvPr id="229" name="Google Shape;229;p17"/>
-          <p:cNvSpPr txBox="1"/>
-          <p:nvPr>
-            <p:ph type="title"/>
-          </p:nvPr>
-        </p:nvSpPr>
-        <p:spPr>
-          <a:xfrm>
-            <a:off x="466411" y="365125"/>
-            <a:ext cx="10515600" cy="1325563"/>
-          </a:xfrm>
-          <a:prstGeom prst="rect">
-            <a:avLst/>
-          </a:prstGeom>
-          <a:noFill/>
-          <a:ln>
-            <a:noFill/>
-          </a:ln>
-        </p:spPr>
-        <p:txBody>
-          <a:bodyPr anchorCtr="0" anchor="ctr" bIns="45700" lIns="91425" spcFirstLastPara="1" rIns="91425" wrap="square" tIns="45700">
-            <a:normAutofit/>
-          </a:bodyPr>
-          <a:lstStyle/>
-          <a:p>
-            <a:pPr indent="0" lvl="0" marL="0" rtl="0" algn="l">
-              <a:lnSpc>
-                <a:spcPct val="90000"/>
-              </a:lnSpc>
-              <a:spcBef>
-                <a:spcPts val="0"/>
-              </a:spcBef>
-              <a:spcAft>
-                <a:spcPts val="0"/>
-              </a:spcAft>
-              <a:buClr>
-                <a:srgbClr val="525252"/>
-              </a:buClr>
-              <a:buSzPts val="4000"/>
-              <a:buFont typeface="Calibri"/>
-              <a:buNone/>
-            </a:pPr>
-            <a:r>
-              <a:rPr lang="en-US" sz="4000">
-                <a:solidFill>
-                  <a:srgbClr val="525252"/>
-                </a:solidFill>
-              </a:rPr>
-              <a:t>Pros and cons</a:t>
-            </a:r>
-            <a:endParaRPr sz="4000">
-              <a:solidFill>
-                <a:srgbClr val="525252"/>
-              </a:solidFill>
-            </a:endParaRPr>
-          </a:p>
-        </p:txBody>
-      </p:sp>
-      <p:sp>
-        <p:nvSpPr>
-          <p:cNvPr id="230" name="Google Shape;230;p17"/>
-          <p:cNvSpPr txBox="1"/>
-          <p:nvPr>
-            <p:ph idx="1" type="body"/>
-          </p:nvPr>
-        </p:nvSpPr>
-        <p:spPr>
-          <a:xfrm>
-            <a:off x="838200" y="1825625"/>
-            <a:ext cx="5181600" cy="4351338"/>
-          </a:xfrm>
-          <a:prstGeom prst="rect">
-            <a:avLst/>
-          </a:prstGeom>
-          <a:noFill/>
-          <a:ln>
-            <a:noFill/>
-          </a:ln>
-        </p:spPr>
-        <p:txBody>
-          <a:bodyPr anchorCtr="0" anchor="t" bIns="45700" lIns="91425" spcFirstLastPara="1" rIns="91425" wrap="square" tIns="45700">
-            <a:normAutofit/>
-          </a:bodyPr>
-          <a:lstStyle/>
-          <a:p>
-            <a:pPr indent="-228600" lvl="0" marL="228600" rtl="0" algn="l">
-              <a:lnSpc>
-                <a:spcPct val="90000"/>
-              </a:lnSpc>
-              <a:spcBef>
-                <a:spcPts val="0"/>
-              </a:spcBef>
-              <a:spcAft>
-                <a:spcPts val="0"/>
-              </a:spcAft>
-              <a:buClr>
-                <a:schemeClr val="dk1"/>
-              </a:buClr>
-              <a:buSzPts val="2800"/>
-              <a:buChar char="•"/>
-            </a:pPr>
-            <a:r>
-              <a:rPr lang="en-US"/>
-              <a:t>Fast algorithm</a:t>
-            </a:r>
-            <a:endParaRPr/>
-          </a:p>
-        </p:txBody>
-      </p:sp>
-      <p:sp>
-        <p:nvSpPr>
-          <p:cNvPr id="231" name="Google Shape;231;p17"/>
-          <p:cNvSpPr txBox="1"/>
-          <p:nvPr>
-            <p:ph idx="2" type="body"/>
-          </p:nvPr>
-        </p:nvSpPr>
-        <p:spPr>
-          <a:xfrm>
-            <a:off x="6172200" y="1825625"/>
-            <a:ext cx="5181600" cy="4351338"/>
-          </a:xfrm>
-          <a:prstGeom prst="rect">
-            <a:avLst/>
-          </a:prstGeom>
-          <a:noFill/>
-          <a:ln>
-            <a:noFill/>
-          </a:ln>
-        </p:spPr>
-        <p:txBody>
-          <a:bodyPr anchorCtr="0" anchor="t" bIns="45700" lIns="91425" spcFirstLastPara="1" rIns="91425" wrap="square" tIns="45700">
-            <a:normAutofit/>
-          </a:bodyPr>
-          <a:lstStyle/>
-          <a:p>
-            <a:pPr indent="-228600" lvl="0" marL="228600" rtl="0" algn="l">
-              <a:lnSpc>
-                <a:spcPct val="90000"/>
-              </a:lnSpc>
-              <a:spcBef>
-                <a:spcPts val="0"/>
-              </a:spcBef>
-              <a:spcAft>
-                <a:spcPts val="0"/>
-              </a:spcAft>
-              <a:buClr>
-                <a:schemeClr val="dk1"/>
-              </a:buClr>
-              <a:buSzPts val="2800"/>
-              <a:buChar char="•"/>
-            </a:pPr>
-            <a:r>
-              <a:rPr lang="en-US"/>
-              <a:t>Lifetime holes</a:t>
-            </a:r>
-            <a:endParaRPr/>
-          </a:p>
-          <a:p>
-            <a:pPr indent="-228600" lvl="0" marL="228600" rtl="0" algn="l">
-              <a:lnSpc>
-                <a:spcPct val="90000"/>
-              </a:lnSpc>
-              <a:spcBef>
-                <a:spcPts val="1000"/>
-              </a:spcBef>
-              <a:spcAft>
-                <a:spcPts val="0"/>
-              </a:spcAft>
-              <a:buClr>
-                <a:schemeClr val="dk1"/>
-              </a:buClr>
-              <a:buSzPts val="2800"/>
-              <a:buChar char="•"/>
-            </a:pPr>
-            <a:r>
-              <a:rPr lang="en-US"/>
-              <a:t>Spilled variable will stay spilled for its entire lifetime</a:t>
-            </a:r>
-            <a:endParaRPr/>
-          </a:p>
-        </p:txBody>
-      </p:sp>
-      <p:sp>
-        <p:nvSpPr>
-          <p:cNvPr id="232" name="Google Shape;232;p17"/>
-          <p:cNvSpPr txBox="1"/>
-          <p:nvPr>
-            <p:ph idx="12" type="sldNum"/>
-          </p:nvPr>
-        </p:nvSpPr>
-        <p:spPr>
-          <a:xfrm>
-            <a:off x="8610600" y="6356350"/>
-            <a:ext cx="2743200" cy="365125"/>
-          </a:xfrm>
-          <a:prstGeom prst="rect">
-            <a:avLst/>
-          </a:prstGeom>
-          <a:noFill/>
-          <a:ln>
-            <a:noFill/>
-          </a:ln>
-        </p:spPr>
-        <p:txBody>
-          <a:bodyPr anchorCtr="0" anchor="ctr" bIns="45700" lIns="91425" spcFirstLastPara="1" rIns="91425" wrap="square" tIns="45700">
-            <a:noAutofit/>
-          </a:bodyPr>
-          <a:lstStyle/>
-          <a:p>
-            <a:pPr indent="0" lvl="0" marL="0" rtl="0" algn="r">
-              <a:lnSpc>
-                <a:spcPct val="100000"/>
-              </a:lnSpc>
-              <a:spcBef>
-                <a:spcPts val="0"/>
-              </a:spcBef>
-              <a:spcAft>
-                <a:spcPts val="0"/>
-              </a:spcAft>
-              <a:buSzPts val="1200"/>
-              <a:buNone/>
-            </a:pPr>
-            <a:fld id="{00000000-1234-1234-1234-123412341234}" type="slidenum">
-              <a:rPr lang="en-US"/>
-              <a:t>‹#›</a:t>
-            </a:fld>
-            <a:endParaRPr/>
-          </a:p>
-        </p:txBody>
-      </p:sp>
-    </p:spTree>
-  </p:cSld>
-  <p:clrMapOvr>
-    <a:masterClrMapping/>
-  </p:clrMapOvr>
-</p:sld>
-</file>
-
-<file path=ppt/slides/slide2.xml><?xml version="1.0" encoding="utf-8"?>
-<p:sld xmlns:a="http://schemas.openxmlformats.org/drawingml/2006/main" xmlns:r="http://schemas.openxmlformats.org/officeDocument/2006/relationships" xmlns:mc="http://schemas.openxmlformats.org/markup-compatibility/2006" xmlns:mv="urn:schemas-microsoft-com:mac:vml" xmlns:p="http://schemas.openxmlformats.org/presentationml/2006/main" xmlns:c="http://schemas.openxmlformats.org/drawingml/2006/chart" xmlns:dgm="http://schemas.openxmlformats.org/drawingml/2006/diagram" xmlns:o="urn:schemas-microsoft-com:office:office" xmlns:v="urn:schemas-microsoft-com:vml" xmlns:pvml="urn:schemas-microsoft-com:office:powerpoint" xmlns:com="http://schemas.openxmlformats.org/drawingml/2006/compatibility" xmlns:p14="http://schemas.microsoft.com/office/powerpoint/2010/main" xmlns:p15="http://schemas.microsoft.com/office/powerpoint/2012/main" xmlns:ahyp="http://schemas.microsoft.com/office/drawing/2018/hyperlinkcolor">
-  <p:cSld>
-    <p:spTree>
-      <p:nvGrpSpPr>
-        <p:cNvPr id="100" name="Shape 100"/>
-        <p:cNvGrpSpPr/>
-        <p:nvPr/>
-      </p:nvGrpSpPr>
-      <p:grpSpPr>
-        <a:xfrm>
-          <a:off x="0" y="0"/>
-          <a:ext cx="0" cy="0"/>
-          <a:chOff x="0" y="0"/>
-          <a:chExt cx="0" cy="0"/>
-        </a:xfrm>
-      </p:grpSpPr>
-      <p:sp>
-        <p:nvSpPr>
-          <p:cNvPr id="101" name="Google Shape;101;p2"/>
+          <p:cNvPr id="105" name="Google Shape;105;p2"/>
           <p:cNvSpPr txBox="1"/>
           <p:nvPr>
             <p:ph type="title"/>
@@ -22046,7 +23064,7 @@
       </p:sp>
       <p:sp>
         <p:nvSpPr>
-          <p:cNvPr id="102" name="Google Shape;102;p2"/>
+          <p:cNvPr id="106" name="Google Shape;106;p2"/>
           <p:cNvSpPr/>
           <p:nvPr/>
         </p:nvSpPr>
@@ -22114,7 +23132,7 @@
       </p:sp>
       <p:sp>
         <p:nvSpPr>
-          <p:cNvPr id="103" name="Google Shape;103;p2"/>
+          <p:cNvPr id="107" name="Google Shape;107;p2"/>
           <p:cNvSpPr/>
           <p:nvPr/>
         </p:nvSpPr>
@@ -22182,7 +23200,7 @@
       </p:sp>
       <p:sp>
         <p:nvSpPr>
-          <p:cNvPr id="104" name="Google Shape;104;p2"/>
+          <p:cNvPr id="108" name="Google Shape;108;p2"/>
           <p:cNvSpPr/>
           <p:nvPr/>
         </p:nvSpPr>
@@ -22250,7 +23268,7 @@
       </p:sp>
       <p:sp>
         <p:nvSpPr>
-          <p:cNvPr id="105" name="Google Shape;105;p2"/>
+          <p:cNvPr id="109" name="Google Shape;109;p2"/>
           <p:cNvSpPr/>
           <p:nvPr/>
         </p:nvSpPr>
@@ -22318,7 +23336,7 @@
       </p:sp>
       <p:sp>
         <p:nvSpPr>
-          <p:cNvPr id="106" name="Google Shape;106;p2"/>
+          <p:cNvPr id="110" name="Google Shape;110;p2"/>
           <p:cNvSpPr/>
           <p:nvPr/>
         </p:nvSpPr>
@@ -22386,7 +23404,7 @@
       </p:sp>
       <p:sp>
         <p:nvSpPr>
-          <p:cNvPr id="107" name="Google Shape;107;p2"/>
+          <p:cNvPr id="111" name="Google Shape;111;p2"/>
           <p:cNvSpPr/>
           <p:nvPr/>
         </p:nvSpPr>
@@ -22454,7 +23472,7 @@
       </p:sp>
       <p:sp>
         <p:nvSpPr>
-          <p:cNvPr id="108" name="Google Shape;108;p2"/>
+          <p:cNvPr id="112" name="Google Shape;112;p2"/>
           <p:cNvSpPr/>
           <p:nvPr/>
         </p:nvSpPr>
@@ -22525,7 +23543,7 @@
       </p:sp>
       <p:sp>
         <p:nvSpPr>
-          <p:cNvPr id="109" name="Google Shape;109;p2"/>
+          <p:cNvPr id="113" name="Google Shape;113;p2"/>
           <p:cNvSpPr/>
           <p:nvPr/>
         </p:nvSpPr>
@@ -22596,7 +23614,7 @@
       </p:sp>
       <p:sp>
         <p:nvSpPr>
-          <p:cNvPr id="110" name="Google Shape;110;p2"/>
+          <p:cNvPr id="114" name="Google Shape;114;p2"/>
           <p:cNvSpPr/>
           <p:nvPr/>
         </p:nvSpPr>
@@ -22664,81 +23682,7 @@
       </p:sp>
       <p:sp>
         <p:nvSpPr>
-          <p:cNvPr id="111" name="Google Shape;111;p2"/>
-          <p:cNvSpPr/>
-          <p:nvPr/>
-        </p:nvSpPr>
-        <p:spPr>
-          <a:xfrm>
-            <a:off x="6478475" y="4241871"/>
-            <a:ext cx="2286983" cy="595035"/>
-          </a:xfrm>
-          <a:prstGeom prst="rect">
-            <a:avLst/>
-          </a:prstGeom>
-          <a:solidFill>
-            <a:schemeClr val="accent5"/>
-          </a:solidFill>
-          <a:ln cap="flat" cmpd="sng" w="12700">
-            <a:solidFill>
-              <a:srgbClr val="42719B"/>
-            </a:solidFill>
-            <a:prstDash val="solid"/>
-            <a:miter lim="800000"/>
-            <a:headEnd len="sm" w="sm" type="none"/>
-            <a:tailEnd len="sm" w="sm" type="none"/>
-          </a:ln>
-        </p:spPr>
-        <p:txBody>
-          <a:bodyPr anchorCtr="0" anchor="ctr" bIns="50800" lIns="50800" spcFirstLastPara="1" rIns="50800" wrap="square" tIns="50800">
-            <a:spAutoFit/>
-          </a:bodyPr>
-          <a:lstStyle/>
-          <a:p>
-            <a:pPr indent="0" lvl="0" marL="0" marR="0" rtl="0" algn="ctr">
-              <a:lnSpc>
-                <a:spcPct val="100000"/>
-              </a:lnSpc>
-              <a:spcBef>
-                <a:spcPts val="0"/>
-              </a:spcBef>
-              <a:spcAft>
-                <a:spcPts val="0"/>
-              </a:spcAft>
-              <a:buClr>
-                <a:schemeClr val="lt1"/>
-              </a:buClr>
-              <a:buSzPts val="3200"/>
-              <a:buFont typeface="Helvetica Neue"/>
-              <a:buNone/>
-            </a:pPr>
-            <a:r>
-              <a:rPr b="0" i="0" lang="en-US" sz="3200" u="none" cap="none" strike="noStrike">
-                <a:solidFill>
-                  <a:schemeClr val="lt1"/>
-                </a:solidFill>
-                <a:latin typeface="Helvetica Neue"/>
-                <a:ea typeface="Helvetica Neue"/>
-                <a:cs typeface="Helvetica Neue"/>
-                <a:sym typeface="Helvetica Neue"/>
-              </a:rPr>
-              <a:t>Middle-end</a:t>
-            </a:r>
-            <a:endParaRPr b="0" i="0" sz="1400" u="none" cap="none" strike="noStrike">
-              <a:solidFill>
-                <a:srgbClr val="000000"/>
-              </a:solidFill>
-              <a:latin typeface="Arial"/>
-              <a:ea typeface="Arial"/>
-              <a:cs typeface="Arial"/>
-              <a:sym typeface="Arial"/>
-            </a:endParaRPr>
-          </a:p>
-        </p:txBody>
-      </p:sp>
-      <p:sp>
-        <p:nvSpPr>
-          <p:cNvPr id="112" name="Google Shape;112;p2"/>
+          <p:cNvPr id="115" name="Google Shape;115;p2"/>
           <p:cNvSpPr/>
           <p:nvPr/>
         </p:nvSpPr>
@@ -22797,6 +23741,80 @@
                 <a:sym typeface="Helvetica Neue"/>
               </a:rPr>
               <a:t>Backend</a:t>
+            </a:r>
+            <a:endParaRPr b="0" i="0" sz="1400" u="none" cap="none" strike="noStrike">
+              <a:solidFill>
+                <a:srgbClr val="000000"/>
+              </a:solidFill>
+              <a:latin typeface="Arial"/>
+              <a:ea typeface="Arial"/>
+              <a:cs typeface="Arial"/>
+              <a:sym typeface="Arial"/>
+            </a:endParaRPr>
+          </a:p>
+        </p:txBody>
+      </p:sp>
+      <p:sp>
+        <p:nvSpPr>
+          <p:cNvPr id="116" name="Google Shape;116;p2"/>
+          <p:cNvSpPr/>
+          <p:nvPr/>
+        </p:nvSpPr>
+        <p:spPr>
+          <a:xfrm>
+            <a:off x="6478475" y="4241871"/>
+            <a:ext cx="2286900" cy="594900"/>
+          </a:xfrm>
+          <a:prstGeom prst="rect">
+            <a:avLst/>
+          </a:prstGeom>
+          <a:solidFill>
+            <a:srgbClr val="8F5DA2"/>
+          </a:solidFill>
+          <a:ln cap="flat" cmpd="sng" w="25400">
+            <a:solidFill>
+              <a:srgbClr val="684376"/>
+            </a:solidFill>
+            <a:prstDash val="solid"/>
+            <a:round/>
+            <a:headEnd len="sm" w="sm" type="none"/>
+            <a:tailEnd len="sm" w="sm" type="none"/>
+          </a:ln>
+        </p:spPr>
+        <p:txBody>
+          <a:bodyPr anchorCtr="0" anchor="ctr" bIns="50800" lIns="50800" spcFirstLastPara="1" rIns="50800" wrap="square" tIns="50800">
+            <a:noAutofit/>
+          </a:bodyPr>
+          <a:lstStyle/>
+          <a:p>
+            <a:pPr indent="0" lvl="0" marL="0" marR="0" rtl="0" algn="ctr">
+              <a:lnSpc>
+                <a:spcPct val="100000"/>
+              </a:lnSpc>
+              <a:spcBef>
+                <a:spcPts val="0"/>
+              </a:spcBef>
+              <a:spcAft>
+                <a:spcPts val="0"/>
+              </a:spcAft>
+              <a:buClr>
+                <a:srgbClr val="FFFFFF"/>
+              </a:buClr>
+              <a:buSzPts val="3200"/>
+              <a:buFont typeface="Helvetica Neue"/>
+              <a:buNone/>
+            </a:pPr>
+            <a:r>
+              <a:rPr b="0" i="0" lang="en-US" sz="3200" u="none" cap="none" strike="noStrike">
+                <a:solidFill>
+                  <a:srgbClr val="FFFFFF"/>
+                </a:solidFill>
+                <a:latin typeface="Helvetica Neue"/>
+                <a:ea typeface="Helvetica Neue"/>
+                <a:cs typeface="Helvetica Neue"/>
+                <a:sym typeface="Helvetica Neue"/>
+              </a:rPr>
+              <a:t>Middle-end</a:t>
             </a:r>
             <a:endParaRPr b="0" i="0" sz="1400" u="none" cap="none" strike="noStrike">
               <a:solidFill>
@@ -22835,7 +23853,495 @@
   <p:cSld>
     <p:spTree>
       <p:nvGrpSpPr>
-        <p:cNvPr id="236" name="Shape 236"/>
+        <p:cNvPr id="253" name="Shape 253"/>
+        <p:cNvGrpSpPr/>
+        <p:nvPr/>
+      </p:nvGrpSpPr>
+      <p:grpSpPr>
+        <a:xfrm>
+          <a:off x="0" y="0"/>
+          <a:ext cx="0" cy="0"/>
+          <a:chOff x="0" y="0"/>
+          <a:chExt cx="0" cy="0"/>
+        </a:xfrm>
+      </p:grpSpPr>
+      <p:sp>
+        <p:nvSpPr>
+          <p:cNvPr id="254" name="Google Shape;254;p16"/>
+          <p:cNvSpPr txBox="1"/>
+          <p:nvPr>
+            <p:ph type="title"/>
+          </p:nvPr>
+        </p:nvSpPr>
+        <p:spPr>
+          <a:xfrm>
+            <a:off x="506604" y="375173"/>
+            <a:ext cx="10515600" cy="1325563"/>
+          </a:xfrm>
+          <a:prstGeom prst="rect">
+            <a:avLst/>
+          </a:prstGeom>
+          <a:noFill/>
+          <a:ln>
+            <a:noFill/>
+          </a:ln>
+        </p:spPr>
+        <p:txBody>
+          <a:bodyPr anchorCtr="0" anchor="ctr" bIns="45700" lIns="91425" spcFirstLastPara="1" rIns="91425" wrap="square" tIns="45700">
+            <a:normAutofit/>
+          </a:bodyPr>
+          <a:lstStyle/>
+          <a:p>
+            <a:pPr indent="0" lvl="0" marL="0" rtl="0" algn="l">
+              <a:lnSpc>
+                <a:spcPct val="90000"/>
+              </a:lnSpc>
+              <a:spcBef>
+                <a:spcPts val="0"/>
+              </a:spcBef>
+              <a:spcAft>
+                <a:spcPts val="0"/>
+              </a:spcAft>
+              <a:buClr>
+                <a:srgbClr val="525252"/>
+              </a:buClr>
+              <a:buSzPts val="4000"/>
+              <a:buFont typeface="Calibri"/>
+              <a:buNone/>
+            </a:pPr>
+            <a:r>
+              <a:rPr lang="en-US" sz="4000">
+                <a:solidFill>
+                  <a:srgbClr val="525252"/>
+                </a:solidFill>
+              </a:rPr>
+              <a:t>Linear scan to the rescue!</a:t>
+            </a:r>
+            <a:endParaRPr sz="4000">
+              <a:solidFill>
+                <a:srgbClr val="525252"/>
+              </a:solidFill>
+            </a:endParaRPr>
+          </a:p>
+        </p:txBody>
+      </p:sp>
+      <p:sp>
+        <p:nvSpPr>
+          <p:cNvPr id="255" name="Google Shape;255;p16"/>
+          <p:cNvSpPr txBox="1"/>
+          <p:nvPr>
+            <p:ph idx="1" type="body"/>
+          </p:nvPr>
+        </p:nvSpPr>
+        <p:spPr>
+          <a:xfrm>
+            <a:off x="838200" y="1825625"/>
+            <a:ext cx="10515600" cy="4351338"/>
+          </a:xfrm>
+          <a:prstGeom prst="rect">
+            <a:avLst/>
+          </a:prstGeom>
+          <a:noFill/>
+          <a:ln>
+            <a:noFill/>
+          </a:ln>
+        </p:spPr>
+        <p:txBody>
+          <a:bodyPr anchorCtr="0" anchor="t" bIns="45700" lIns="91425" spcFirstLastPara="1" rIns="91425" wrap="square" tIns="45700">
+            <a:normAutofit/>
+          </a:bodyPr>
+          <a:lstStyle/>
+          <a:p>
+            <a:pPr indent="-228600" lvl="0" marL="228600" rtl="0" algn="l">
+              <a:lnSpc>
+                <a:spcPct val="90000"/>
+              </a:lnSpc>
+              <a:spcBef>
+                <a:spcPts val="0"/>
+              </a:spcBef>
+              <a:spcAft>
+                <a:spcPts val="0"/>
+              </a:spcAft>
+              <a:buClr>
+                <a:schemeClr val="dk1"/>
+              </a:buClr>
+              <a:buSzPts val="2800"/>
+              <a:buChar char="•"/>
+            </a:pPr>
+            <a:r>
+              <a:rPr lang="en-US"/>
+              <a:t>Instead of building a graph, all the variables are linearly scanned to determine their live range</a:t>
+            </a:r>
+            <a:endParaRPr/>
+          </a:p>
+          <a:p>
+            <a:pPr indent="-228600" lvl="0" marL="228600" rtl="0" algn="l">
+              <a:lnSpc>
+                <a:spcPct val="90000"/>
+              </a:lnSpc>
+              <a:spcBef>
+                <a:spcPts val="1000"/>
+              </a:spcBef>
+              <a:spcAft>
+                <a:spcPts val="0"/>
+              </a:spcAft>
+              <a:buClr>
+                <a:schemeClr val="dk1"/>
+              </a:buClr>
+              <a:buSzPts val="2800"/>
+              <a:buChar char="•"/>
+            </a:pPr>
+            <a:r>
+              <a:rPr lang="en-US"/>
+              <a:t>All ranges are sorted and traversed chronologically.</a:t>
+            </a:r>
+            <a:endParaRPr/>
+          </a:p>
+          <a:p>
+            <a:pPr indent="-228600" lvl="0" marL="228600" rtl="0" algn="l">
+              <a:lnSpc>
+                <a:spcPct val="90000"/>
+              </a:lnSpc>
+              <a:spcBef>
+                <a:spcPts val="1000"/>
+              </a:spcBef>
+              <a:spcAft>
+                <a:spcPts val="0"/>
+              </a:spcAft>
+              <a:buClr>
+                <a:schemeClr val="dk1"/>
+              </a:buClr>
+              <a:buSzPts val="2800"/>
+              <a:buChar char="•"/>
+            </a:pPr>
+            <a:r>
+              <a:rPr lang="en-US"/>
+              <a:t>Registers are allocated in a greedy way</a:t>
+            </a:r>
+            <a:endParaRPr/>
+          </a:p>
+        </p:txBody>
+      </p:sp>
+      <p:sp>
+        <p:nvSpPr>
+          <p:cNvPr id="256" name="Google Shape;256;p16"/>
+          <p:cNvSpPr txBox="1"/>
+          <p:nvPr>
+            <p:ph idx="12" type="sldNum"/>
+          </p:nvPr>
+        </p:nvSpPr>
+        <p:spPr>
+          <a:xfrm>
+            <a:off x="8610600" y="6356350"/>
+            <a:ext cx="2743200" cy="365125"/>
+          </a:xfrm>
+          <a:prstGeom prst="rect">
+            <a:avLst/>
+          </a:prstGeom>
+          <a:noFill/>
+          <a:ln>
+            <a:noFill/>
+          </a:ln>
+        </p:spPr>
+        <p:txBody>
+          <a:bodyPr anchorCtr="0" anchor="ctr" bIns="45700" lIns="91425" spcFirstLastPara="1" rIns="91425" wrap="square" tIns="45700">
+            <a:noAutofit/>
+          </a:bodyPr>
+          <a:lstStyle/>
+          <a:p>
+            <a:pPr indent="0" lvl="0" marL="0" rtl="0" algn="r">
+              <a:lnSpc>
+                <a:spcPct val="100000"/>
+              </a:lnSpc>
+              <a:spcBef>
+                <a:spcPts val="0"/>
+              </a:spcBef>
+              <a:spcAft>
+                <a:spcPts val="0"/>
+              </a:spcAft>
+              <a:buSzPts val="1200"/>
+              <a:buNone/>
+            </a:pPr>
+            <a:fld id="{00000000-1234-1234-1234-123412341234}" type="slidenum">
+              <a:rPr lang="en-US"/>
+              <a:t>‹#›</a:t>
+            </a:fld>
+            <a:endParaRPr/>
+          </a:p>
+        </p:txBody>
+      </p:sp>
+    </p:spTree>
+  </p:cSld>
+  <p:clrMapOvr>
+    <a:masterClrMapping/>
+  </p:clrMapOvr>
+</p:sld>
+</file>
+
+<file path=ppt/slides/slide21.xml><?xml version="1.0" encoding="utf-8"?>
+<p:sld xmlns:a="http://schemas.openxmlformats.org/drawingml/2006/main" xmlns:r="http://schemas.openxmlformats.org/officeDocument/2006/relationships" xmlns:mc="http://schemas.openxmlformats.org/markup-compatibility/2006" xmlns:mv="urn:schemas-microsoft-com:mac:vml" xmlns:p="http://schemas.openxmlformats.org/presentationml/2006/main" xmlns:c="http://schemas.openxmlformats.org/drawingml/2006/chart" xmlns:dgm="http://schemas.openxmlformats.org/drawingml/2006/diagram" xmlns:o="urn:schemas-microsoft-com:office:office" xmlns:v="urn:schemas-microsoft-com:vml" xmlns:pvml="urn:schemas-microsoft-com:office:powerpoint" xmlns:com="http://schemas.openxmlformats.org/drawingml/2006/compatibility" xmlns:p14="http://schemas.microsoft.com/office/powerpoint/2010/main" xmlns:p15="http://schemas.microsoft.com/office/powerpoint/2012/main" xmlns:ahyp="http://schemas.microsoft.com/office/drawing/2018/hyperlinkcolor">
+  <p:cSld>
+    <p:spTree>
+      <p:nvGrpSpPr>
+        <p:cNvPr id="260" name="Shape 260"/>
+        <p:cNvGrpSpPr/>
+        <p:nvPr/>
+      </p:nvGrpSpPr>
+      <p:grpSpPr>
+        <a:xfrm>
+          <a:off x="0" y="0"/>
+          <a:ext cx="0" cy="0"/>
+          <a:chOff x="0" y="0"/>
+          <a:chExt cx="0" cy="0"/>
+        </a:xfrm>
+      </p:grpSpPr>
+      <p:sp>
+        <p:nvSpPr>
+          <p:cNvPr id="261" name="Google Shape;261;p17"/>
+          <p:cNvSpPr txBox="1"/>
+          <p:nvPr>
+            <p:ph type="title"/>
+          </p:nvPr>
+        </p:nvSpPr>
+        <p:spPr>
+          <a:xfrm>
+            <a:off x="466411" y="365125"/>
+            <a:ext cx="10515600" cy="1325563"/>
+          </a:xfrm>
+          <a:prstGeom prst="rect">
+            <a:avLst/>
+          </a:prstGeom>
+          <a:noFill/>
+          <a:ln>
+            <a:noFill/>
+          </a:ln>
+        </p:spPr>
+        <p:txBody>
+          <a:bodyPr anchorCtr="0" anchor="ctr" bIns="45700" lIns="91425" spcFirstLastPara="1" rIns="91425" wrap="square" tIns="45700">
+            <a:normAutofit/>
+          </a:bodyPr>
+          <a:lstStyle/>
+          <a:p>
+            <a:pPr indent="0" lvl="0" marL="0" rtl="0" algn="l">
+              <a:lnSpc>
+                <a:spcPct val="90000"/>
+              </a:lnSpc>
+              <a:spcBef>
+                <a:spcPts val="0"/>
+              </a:spcBef>
+              <a:spcAft>
+                <a:spcPts val="0"/>
+              </a:spcAft>
+              <a:buClr>
+                <a:srgbClr val="525252"/>
+              </a:buClr>
+              <a:buSzPts val="4000"/>
+              <a:buFont typeface="Calibri"/>
+              <a:buNone/>
+            </a:pPr>
+            <a:r>
+              <a:rPr lang="en-US" sz="4000">
+                <a:solidFill>
+                  <a:srgbClr val="525252"/>
+                </a:solidFill>
+              </a:rPr>
+              <a:t>Pros and cons</a:t>
+            </a:r>
+            <a:endParaRPr sz="4000">
+              <a:solidFill>
+                <a:srgbClr val="525252"/>
+              </a:solidFill>
+            </a:endParaRPr>
+          </a:p>
+        </p:txBody>
+      </p:sp>
+      <p:sp>
+        <p:nvSpPr>
+          <p:cNvPr id="262" name="Google Shape;262;p17"/>
+          <p:cNvSpPr txBox="1"/>
+          <p:nvPr>
+            <p:ph idx="1" type="body"/>
+          </p:nvPr>
+        </p:nvSpPr>
+        <p:spPr>
+          <a:xfrm>
+            <a:off x="838200" y="1825625"/>
+            <a:ext cx="5181600" cy="4351338"/>
+          </a:xfrm>
+          <a:prstGeom prst="rect">
+            <a:avLst/>
+          </a:prstGeom>
+          <a:noFill/>
+          <a:ln>
+            <a:noFill/>
+          </a:ln>
+        </p:spPr>
+        <p:txBody>
+          <a:bodyPr anchorCtr="0" anchor="t" bIns="45700" lIns="91425" spcFirstLastPara="1" rIns="91425" wrap="square" tIns="45700">
+            <a:normAutofit/>
+          </a:bodyPr>
+          <a:lstStyle/>
+          <a:p>
+            <a:pPr indent="-228600" lvl="0" marL="228600" rtl="0" algn="l">
+              <a:lnSpc>
+                <a:spcPct val="90000"/>
+              </a:lnSpc>
+              <a:spcBef>
+                <a:spcPts val="0"/>
+              </a:spcBef>
+              <a:spcAft>
+                <a:spcPts val="0"/>
+              </a:spcAft>
+              <a:buClr>
+                <a:schemeClr val="dk1"/>
+              </a:buClr>
+              <a:buSzPts val="2800"/>
+              <a:buChar char="•"/>
+            </a:pPr>
+            <a:r>
+              <a:rPr lang="en-US"/>
+              <a:t>Fast algorithm</a:t>
+            </a:r>
+            <a:endParaRPr/>
+          </a:p>
+        </p:txBody>
+      </p:sp>
+      <p:sp>
+        <p:nvSpPr>
+          <p:cNvPr id="263" name="Google Shape;263;p17"/>
+          <p:cNvSpPr txBox="1"/>
+          <p:nvPr>
+            <p:ph idx="2" type="body"/>
+          </p:nvPr>
+        </p:nvSpPr>
+        <p:spPr>
+          <a:xfrm>
+            <a:off x="6172200" y="1825625"/>
+            <a:ext cx="5181600" cy="4351338"/>
+          </a:xfrm>
+          <a:prstGeom prst="rect">
+            <a:avLst/>
+          </a:prstGeom>
+          <a:noFill/>
+          <a:ln>
+            <a:noFill/>
+          </a:ln>
+        </p:spPr>
+        <p:txBody>
+          <a:bodyPr anchorCtr="0" anchor="t" bIns="45700" lIns="91425" spcFirstLastPara="1" rIns="91425" wrap="square" tIns="45700">
+            <a:normAutofit/>
+          </a:bodyPr>
+          <a:lstStyle/>
+          <a:p>
+            <a:pPr indent="-228600" lvl="0" marL="228600" rtl="0" algn="l">
+              <a:lnSpc>
+                <a:spcPct val="90000"/>
+              </a:lnSpc>
+              <a:spcBef>
+                <a:spcPts val="0"/>
+              </a:spcBef>
+              <a:spcAft>
+                <a:spcPts val="0"/>
+              </a:spcAft>
+              <a:buClr>
+                <a:schemeClr val="dk1"/>
+              </a:buClr>
+              <a:buSzPts val="2800"/>
+              <a:buChar char="•"/>
+            </a:pPr>
+            <a:r>
+              <a:rPr lang="en-US"/>
+              <a:t>Lifetime holes</a:t>
+            </a:r>
+            <a:endParaRPr/>
+          </a:p>
+          <a:p>
+            <a:pPr indent="-228600" lvl="0" marL="228600" rtl="0" algn="l">
+              <a:lnSpc>
+                <a:spcPct val="90000"/>
+              </a:lnSpc>
+              <a:spcBef>
+                <a:spcPts val="1000"/>
+              </a:spcBef>
+              <a:spcAft>
+                <a:spcPts val="0"/>
+              </a:spcAft>
+              <a:buClr>
+                <a:schemeClr val="dk1"/>
+              </a:buClr>
+              <a:buSzPts val="2800"/>
+              <a:buChar char="•"/>
+            </a:pPr>
+            <a:r>
+              <a:rPr lang="en-US"/>
+              <a:t>Spilled variable will stay spilled for its entire lifetime</a:t>
+            </a:r>
+            <a:endParaRPr/>
+          </a:p>
+        </p:txBody>
+      </p:sp>
+      <p:sp>
+        <p:nvSpPr>
+          <p:cNvPr id="264" name="Google Shape;264;p17"/>
+          <p:cNvSpPr txBox="1"/>
+          <p:nvPr>
+            <p:ph idx="12" type="sldNum"/>
+          </p:nvPr>
+        </p:nvSpPr>
+        <p:spPr>
+          <a:xfrm>
+            <a:off x="8610600" y="6356350"/>
+            <a:ext cx="2743200" cy="365125"/>
+          </a:xfrm>
+          <a:prstGeom prst="rect">
+            <a:avLst/>
+          </a:prstGeom>
+          <a:noFill/>
+          <a:ln>
+            <a:noFill/>
+          </a:ln>
+        </p:spPr>
+        <p:txBody>
+          <a:bodyPr anchorCtr="0" anchor="ctr" bIns="45700" lIns="91425" spcFirstLastPara="1" rIns="91425" wrap="square" tIns="45700">
+            <a:noAutofit/>
+          </a:bodyPr>
+          <a:lstStyle/>
+          <a:p>
+            <a:pPr indent="0" lvl="0" marL="0" rtl="0" algn="r">
+              <a:lnSpc>
+                <a:spcPct val="100000"/>
+              </a:lnSpc>
+              <a:spcBef>
+                <a:spcPts val="0"/>
+              </a:spcBef>
+              <a:spcAft>
+                <a:spcPts val="0"/>
+              </a:spcAft>
+              <a:buSzPts val="1200"/>
+              <a:buNone/>
+            </a:pPr>
+            <a:fld id="{00000000-1234-1234-1234-123412341234}" type="slidenum">
+              <a:rPr lang="en-US"/>
+              <a:t>‹#›</a:t>
+            </a:fld>
+            <a:endParaRPr/>
+          </a:p>
+        </p:txBody>
+      </p:sp>
+    </p:spTree>
+  </p:cSld>
+  <p:clrMapOvr>
+    <a:masterClrMapping/>
+  </p:clrMapOvr>
+</p:sld>
+</file>
+
+<file path=ppt/slides/slide22.xml><?xml version="1.0" encoding="utf-8"?>
+<p:sld xmlns:a="http://schemas.openxmlformats.org/drawingml/2006/main" xmlns:r="http://schemas.openxmlformats.org/officeDocument/2006/relationships" xmlns:mc="http://schemas.openxmlformats.org/markup-compatibility/2006" xmlns:mv="urn:schemas-microsoft-com:mac:vml" xmlns:p="http://schemas.openxmlformats.org/presentationml/2006/main" xmlns:c="http://schemas.openxmlformats.org/drawingml/2006/chart" xmlns:dgm="http://schemas.openxmlformats.org/drawingml/2006/diagram" xmlns:o="urn:schemas-microsoft-com:office:office" xmlns:v="urn:schemas-microsoft-com:vml" xmlns:pvml="urn:schemas-microsoft-com:office:powerpoint" xmlns:com="http://schemas.openxmlformats.org/drawingml/2006/compatibility" xmlns:p14="http://schemas.microsoft.com/office/powerpoint/2010/main" xmlns:p15="http://schemas.microsoft.com/office/powerpoint/2012/main" xmlns:ahyp="http://schemas.microsoft.com/office/drawing/2018/hyperlinkcolor">
+  <p:cSld>
+    <p:spTree>
+      <p:nvGrpSpPr>
+        <p:cNvPr id="268" name="Shape 268"/>
         <p:cNvGrpSpPr/>
         <p:nvPr/>
       </p:nvGrpSpPr>
@@ -22849,7 +24355,7 @@
       </p:grpSpPr>
       <p:pic>
         <p:nvPicPr>
-          <p:cNvPr id="237" name="Google Shape;237;p18"/>
+          <p:cNvPr id="269" name="Google Shape;269;p18"/>
           <p:cNvPicPr preferRelativeResize="0"/>
           <p:nvPr/>
         </p:nvPicPr>
@@ -22876,7 +24382,7 @@
       </p:pic>
       <p:sp>
         <p:nvSpPr>
-          <p:cNvPr id="238" name="Google Shape;238;p18"/>
+          <p:cNvPr id="270" name="Google Shape;270;p18"/>
           <p:cNvSpPr txBox="1"/>
           <p:nvPr/>
         </p:nvSpPr>
@@ -22961,7 +24467,7 @@
       </p:sp>
       <p:sp>
         <p:nvSpPr>
-          <p:cNvPr id="239" name="Google Shape;239;p18"/>
+          <p:cNvPr id="271" name="Google Shape;271;p18"/>
           <p:cNvSpPr txBox="1"/>
           <p:nvPr/>
         </p:nvSpPr>
@@ -23045,12 +24551,12 @@
 </p:sld>
 </file>
 
-<file path=ppt/slides/slide21.xml><?xml version="1.0" encoding="utf-8"?>
+<file path=ppt/slides/slide23.xml><?xml version="1.0" encoding="utf-8"?>
 <p:sld xmlns:a="http://schemas.openxmlformats.org/drawingml/2006/main" xmlns:r="http://schemas.openxmlformats.org/officeDocument/2006/relationships" xmlns:mc="http://schemas.openxmlformats.org/markup-compatibility/2006" xmlns:mv="urn:schemas-microsoft-com:mac:vml" xmlns:p="http://schemas.openxmlformats.org/presentationml/2006/main" xmlns:c="http://schemas.openxmlformats.org/drawingml/2006/chart" xmlns:dgm="http://schemas.openxmlformats.org/drawingml/2006/diagram" xmlns:o="urn:schemas-microsoft-com:office:office" xmlns:v="urn:schemas-microsoft-com:vml" xmlns:pvml="urn:schemas-microsoft-com:office:powerpoint" xmlns:com="http://schemas.openxmlformats.org/drawingml/2006/compatibility" xmlns:p14="http://schemas.microsoft.com/office/powerpoint/2010/main" xmlns:p15="http://schemas.microsoft.com/office/powerpoint/2012/main" xmlns:ahyp="http://schemas.microsoft.com/office/drawing/2018/hyperlinkcolor">
   <p:cSld>
     <p:spTree>
       <p:nvGrpSpPr>
-        <p:cNvPr id="243" name="Shape 243"/>
+        <p:cNvPr id="275" name="Shape 275"/>
         <p:cNvGrpSpPr/>
         <p:nvPr/>
       </p:nvGrpSpPr>
@@ -23064,7 +24570,7 @@
       </p:grpSpPr>
       <p:sp>
         <p:nvSpPr>
-          <p:cNvPr id="244" name="Google Shape;244;p19"/>
+          <p:cNvPr id="276" name="Google Shape;276;p19"/>
           <p:cNvSpPr txBox="1"/>
           <p:nvPr>
             <p:ph type="title"/>
@@ -23116,7 +24622,7 @@
       </p:sp>
       <p:sp>
         <p:nvSpPr>
-          <p:cNvPr id="245" name="Google Shape;245;p19"/>
+          <p:cNvPr id="277" name="Google Shape;277;p19"/>
           <p:cNvSpPr txBox="1"/>
           <p:nvPr>
             <p:ph idx="1" type="body"/>
@@ -23254,12 +24760,12 @@
 </p:sld>
 </file>
 
-<file path=ppt/slides/slide22.xml><?xml version="1.0" encoding="utf-8"?>
+<file path=ppt/slides/slide24.xml><?xml version="1.0" encoding="utf-8"?>
 <p:sld xmlns:a="http://schemas.openxmlformats.org/drawingml/2006/main" xmlns:r="http://schemas.openxmlformats.org/officeDocument/2006/relationships" xmlns:mc="http://schemas.openxmlformats.org/markup-compatibility/2006" xmlns:mv="urn:schemas-microsoft-com:mac:vml" xmlns:p="http://schemas.openxmlformats.org/presentationml/2006/main" xmlns:c="http://schemas.openxmlformats.org/drawingml/2006/chart" xmlns:dgm="http://schemas.openxmlformats.org/drawingml/2006/diagram" xmlns:o="urn:schemas-microsoft-com:office:office" xmlns:v="urn:schemas-microsoft-com:vml" xmlns:pvml="urn:schemas-microsoft-com:office:powerpoint" xmlns:com="http://schemas.openxmlformats.org/drawingml/2006/compatibility" xmlns:p14="http://schemas.microsoft.com/office/powerpoint/2010/main" xmlns:p15="http://schemas.microsoft.com/office/powerpoint/2012/main" xmlns:ahyp="http://schemas.microsoft.com/office/drawing/2018/hyperlinkcolor">
   <p:cSld>
     <p:spTree>
       <p:nvGrpSpPr>
-        <p:cNvPr id="249" name="Shape 249"/>
+        <p:cNvPr id="281" name="Shape 281"/>
         <p:cNvGrpSpPr/>
         <p:nvPr/>
       </p:nvGrpSpPr>
@@ -23273,7 +24779,7 @@
       </p:grpSpPr>
       <p:sp>
         <p:nvSpPr>
-          <p:cNvPr id="250" name="Google Shape;250;p20"/>
+          <p:cNvPr id="282" name="Google Shape;282;p20"/>
           <p:cNvSpPr txBox="1"/>
           <p:nvPr>
             <p:ph type="title"/>
@@ -23325,7 +24831,7 @@
       </p:sp>
       <p:sp>
         <p:nvSpPr>
-          <p:cNvPr id="251" name="Google Shape;251;p20"/>
+          <p:cNvPr id="283" name="Google Shape;283;p20"/>
           <p:cNvSpPr txBox="1"/>
           <p:nvPr>
             <p:ph idx="1" type="body"/>
@@ -23491,7 +24997,7 @@
       </p:sp>
       <p:sp>
         <p:nvSpPr>
-          <p:cNvPr id="252" name="Google Shape;252;p20"/>
+          <p:cNvPr id="284" name="Google Shape;284;p20"/>
           <p:cNvSpPr txBox="1"/>
           <p:nvPr/>
         </p:nvSpPr>
@@ -23775,12 +25281,12 @@
 </p:sld>
 </file>
 
-<file path=ppt/slides/slide23.xml><?xml version="1.0" encoding="utf-8"?>
+<file path=ppt/slides/slide25.xml><?xml version="1.0" encoding="utf-8"?>
 <p:sld xmlns:a="http://schemas.openxmlformats.org/drawingml/2006/main" xmlns:r="http://schemas.openxmlformats.org/officeDocument/2006/relationships" xmlns:mc="http://schemas.openxmlformats.org/markup-compatibility/2006" xmlns:mv="urn:schemas-microsoft-com:mac:vml" xmlns:p="http://schemas.openxmlformats.org/presentationml/2006/main" xmlns:c="http://schemas.openxmlformats.org/drawingml/2006/chart" xmlns:dgm="http://schemas.openxmlformats.org/drawingml/2006/diagram" xmlns:o="urn:schemas-microsoft-com:office:office" xmlns:v="urn:schemas-microsoft-com:vml" xmlns:pvml="urn:schemas-microsoft-com:office:powerpoint" xmlns:com="http://schemas.openxmlformats.org/drawingml/2006/compatibility" xmlns:p14="http://schemas.microsoft.com/office/powerpoint/2010/main" xmlns:p15="http://schemas.microsoft.com/office/powerpoint/2012/main" xmlns:ahyp="http://schemas.microsoft.com/office/drawing/2018/hyperlinkcolor">
   <p:cSld>
     <p:spTree>
       <p:nvGrpSpPr>
-        <p:cNvPr id="256" name="Shape 256"/>
+        <p:cNvPr id="288" name="Shape 288"/>
         <p:cNvGrpSpPr/>
         <p:nvPr/>
       </p:nvGrpSpPr>
@@ -23794,7 +25300,7 @@
       </p:grpSpPr>
       <p:sp>
         <p:nvSpPr>
-          <p:cNvPr id="257" name="Google Shape;257;p21"/>
+          <p:cNvPr id="289" name="Google Shape;289;p21"/>
           <p:cNvSpPr txBox="1"/>
           <p:nvPr>
             <p:ph type="title"/>
@@ -23846,7 +25352,7 @@
       </p:sp>
       <p:pic>
         <p:nvPicPr>
-          <p:cNvPr id="258" name="Google Shape;258;p21"/>
+          <p:cNvPr id="290" name="Google Shape;290;p21"/>
           <p:cNvPicPr preferRelativeResize="0"/>
           <p:nvPr>
             <p:ph idx="1" type="body"/>
@@ -23893,12 +25399,12 @@
 </p:sld>
 </file>
 
-<file path=ppt/slides/slide24.xml><?xml version="1.0" encoding="utf-8"?>
+<file path=ppt/slides/slide26.xml><?xml version="1.0" encoding="utf-8"?>
 <p:sld xmlns:a="http://schemas.openxmlformats.org/drawingml/2006/main" xmlns:r="http://schemas.openxmlformats.org/officeDocument/2006/relationships" xmlns:mc="http://schemas.openxmlformats.org/markup-compatibility/2006" xmlns:mv="urn:schemas-microsoft-com:mac:vml" xmlns:p="http://schemas.openxmlformats.org/presentationml/2006/main" xmlns:c="http://schemas.openxmlformats.org/drawingml/2006/chart" xmlns:dgm="http://schemas.openxmlformats.org/drawingml/2006/diagram" xmlns:o="urn:schemas-microsoft-com:office:office" xmlns:v="urn:schemas-microsoft-com:vml" xmlns:pvml="urn:schemas-microsoft-com:office:powerpoint" xmlns:com="http://schemas.openxmlformats.org/drawingml/2006/compatibility" xmlns:p14="http://schemas.microsoft.com/office/powerpoint/2010/main" xmlns:p15="http://schemas.microsoft.com/office/powerpoint/2012/main" xmlns:ahyp="http://schemas.microsoft.com/office/drawing/2018/hyperlinkcolor">
   <p:cSld>
     <p:spTree>
       <p:nvGrpSpPr>
-        <p:cNvPr id="262" name="Shape 262"/>
+        <p:cNvPr id="294" name="Shape 294"/>
         <p:cNvGrpSpPr/>
         <p:nvPr/>
       </p:nvGrpSpPr>
@@ -23912,7 +25418,7 @@
       </p:grpSpPr>
       <p:sp>
         <p:nvSpPr>
-          <p:cNvPr id="263" name="Google Shape;263;p22"/>
+          <p:cNvPr id="295" name="Google Shape;295;p22"/>
           <p:cNvSpPr txBox="1"/>
           <p:nvPr>
             <p:ph type="title"/>
@@ -23964,7 +25470,7 @@
       </p:sp>
       <p:sp>
         <p:nvSpPr>
-          <p:cNvPr id="264" name="Google Shape;264;p22"/>
+          <p:cNvPr id="296" name="Google Shape;296;p22"/>
           <p:cNvSpPr txBox="1"/>
           <p:nvPr>
             <p:ph idx="1" type="body"/>
@@ -24151,12 +25657,12 @@
 </p:sld>
 </file>
 
-<file path=ppt/slides/slide25.xml><?xml version="1.0" encoding="utf-8"?>
+<file path=ppt/slides/slide27.xml><?xml version="1.0" encoding="utf-8"?>
 <p:sld xmlns:a="http://schemas.openxmlformats.org/drawingml/2006/main" xmlns:r="http://schemas.openxmlformats.org/officeDocument/2006/relationships" xmlns:mc="http://schemas.openxmlformats.org/markup-compatibility/2006" xmlns:mv="urn:schemas-microsoft-com:mac:vml" xmlns:p="http://schemas.openxmlformats.org/presentationml/2006/main" xmlns:c="http://schemas.openxmlformats.org/drawingml/2006/chart" xmlns:dgm="http://schemas.openxmlformats.org/drawingml/2006/diagram" xmlns:o="urn:schemas-microsoft-com:office:office" xmlns:v="urn:schemas-microsoft-com:vml" xmlns:pvml="urn:schemas-microsoft-com:office:powerpoint" xmlns:com="http://schemas.openxmlformats.org/drawingml/2006/compatibility" xmlns:p14="http://schemas.microsoft.com/office/powerpoint/2010/main" xmlns:p15="http://schemas.microsoft.com/office/powerpoint/2012/main" xmlns:ahyp="http://schemas.microsoft.com/office/drawing/2018/hyperlinkcolor">
   <p:cSld>
     <p:spTree>
       <p:nvGrpSpPr>
-        <p:cNvPr id="268" name="Shape 268"/>
+        <p:cNvPr id="300" name="Shape 300"/>
         <p:cNvGrpSpPr/>
         <p:nvPr/>
       </p:nvGrpSpPr>
@@ -24170,7 +25676,7 @@
       </p:grpSpPr>
       <p:sp>
         <p:nvSpPr>
-          <p:cNvPr id="269" name="Google Shape;269;p23"/>
+          <p:cNvPr id="301" name="Google Shape;301;p23"/>
           <p:cNvSpPr txBox="1"/>
           <p:nvPr>
             <p:ph type="title"/>
@@ -24222,7 +25728,7 @@
       </p:sp>
       <p:sp>
         <p:nvSpPr>
-          <p:cNvPr id="270" name="Google Shape;270;p23"/>
+          <p:cNvPr id="302" name="Google Shape;302;p23"/>
           <p:cNvSpPr txBox="1"/>
           <p:nvPr>
             <p:ph idx="1" type="body"/>
@@ -24356,12 +25862,12 @@
 </p:sld>
 </file>
 
-<file path=ppt/slides/slide26.xml><?xml version="1.0" encoding="utf-8"?>
+<file path=ppt/slides/slide28.xml><?xml version="1.0" encoding="utf-8"?>
 <p:sld xmlns:a="http://schemas.openxmlformats.org/drawingml/2006/main" xmlns:r="http://schemas.openxmlformats.org/officeDocument/2006/relationships" xmlns:mc="http://schemas.openxmlformats.org/markup-compatibility/2006" xmlns:mv="urn:schemas-microsoft-com:mac:vml" xmlns:p="http://schemas.openxmlformats.org/presentationml/2006/main" xmlns:c="http://schemas.openxmlformats.org/drawingml/2006/chart" xmlns:dgm="http://schemas.openxmlformats.org/drawingml/2006/diagram" xmlns:o="urn:schemas-microsoft-com:office:office" xmlns:v="urn:schemas-microsoft-com:vml" xmlns:pvml="urn:schemas-microsoft-com:office:powerpoint" xmlns:com="http://schemas.openxmlformats.org/drawingml/2006/compatibility" xmlns:p14="http://schemas.microsoft.com/office/powerpoint/2010/main" xmlns:p15="http://schemas.microsoft.com/office/powerpoint/2012/main" xmlns:ahyp="http://schemas.microsoft.com/office/drawing/2018/hyperlinkcolor">
   <p:cSld>
     <p:spTree>
       <p:nvGrpSpPr>
-        <p:cNvPr id="274" name="Shape 274"/>
+        <p:cNvPr id="306" name="Shape 306"/>
         <p:cNvGrpSpPr/>
         <p:nvPr/>
       </p:nvGrpSpPr>
@@ -24375,7 +25881,7 @@
       </p:grpSpPr>
       <p:sp>
         <p:nvSpPr>
-          <p:cNvPr id="275" name="Google Shape;275;p24"/>
+          <p:cNvPr id="307" name="Google Shape;307;p24"/>
           <p:cNvSpPr txBox="1"/>
           <p:nvPr>
             <p:ph type="title"/>
@@ -24427,7 +25933,7 @@
       </p:sp>
       <p:sp>
         <p:nvSpPr>
-          <p:cNvPr id="276" name="Google Shape;276;p24"/>
+          <p:cNvPr id="308" name="Google Shape;308;p24"/>
           <p:cNvSpPr txBox="1"/>
           <p:nvPr>
             <p:ph idx="1" type="body"/>
@@ -24542,12 +26048,12 @@
 </p:sld>
 </file>
 
-<file path=ppt/slides/slide27.xml><?xml version="1.0" encoding="utf-8"?>
+<file path=ppt/slides/slide29.xml><?xml version="1.0" encoding="utf-8"?>
 <p:sld xmlns:a="http://schemas.openxmlformats.org/drawingml/2006/main" xmlns:r="http://schemas.openxmlformats.org/officeDocument/2006/relationships" xmlns:mc="http://schemas.openxmlformats.org/markup-compatibility/2006" xmlns:mv="urn:schemas-microsoft-com:mac:vml" xmlns:p="http://schemas.openxmlformats.org/presentationml/2006/main" xmlns:c="http://schemas.openxmlformats.org/drawingml/2006/chart" xmlns:dgm="http://schemas.openxmlformats.org/drawingml/2006/diagram" xmlns:o="urn:schemas-microsoft-com:office:office" xmlns:v="urn:schemas-microsoft-com:vml" xmlns:pvml="urn:schemas-microsoft-com:office:powerpoint" xmlns:com="http://schemas.openxmlformats.org/drawingml/2006/compatibility" xmlns:p14="http://schemas.microsoft.com/office/powerpoint/2010/main" xmlns:p15="http://schemas.microsoft.com/office/powerpoint/2012/main" xmlns:ahyp="http://schemas.microsoft.com/office/drawing/2018/hyperlinkcolor">
   <p:cSld>
     <p:spTree>
       <p:nvGrpSpPr>
-        <p:cNvPr id="280" name="Shape 280"/>
+        <p:cNvPr id="312" name="Shape 312"/>
         <p:cNvGrpSpPr/>
         <p:nvPr/>
       </p:nvGrpSpPr>
@@ -24561,7 +26067,7 @@
       </p:grpSpPr>
       <p:sp>
         <p:nvSpPr>
-          <p:cNvPr id="281" name="Google Shape;281;p25"/>
+          <p:cNvPr id="313" name="Google Shape;313;p25"/>
           <p:cNvSpPr txBox="1"/>
           <p:nvPr>
             <p:ph type="title"/>
@@ -24613,7 +26119,7 @@
       </p:sp>
       <p:sp>
         <p:nvSpPr>
-          <p:cNvPr id="282" name="Google Shape;282;p25"/>
+          <p:cNvPr id="314" name="Google Shape;314;p25"/>
           <p:cNvSpPr txBox="1"/>
           <p:nvPr>
             <p:ph idx="1" type="body"/>
@@ -24796,12 +26302,12 @@
 </p:sld>
 </file>
 
-<file path=ppt/slides/slide28.xml><?xml version="1.0" encoding="utf-8"?>
+<file path=ppt/slides/slide3.xml><?xml version="1.0" encoding="utf-8"?>
 <p:sld xmlns:a="http://schemas.openxmlformats.org/drawingml/2006/main" xmlns:r="http://schemas.openxmlformats.org/officeDocument/2006/relationships" xmlns:mc="http://schemas.openxmlformats.org/markup-compatibility/2006" xmlns:mv="urn:schemas-microsoft-com:mac:vml" xmlns:p="http://schemas.openxmlformats.org/presentationml/2006/main" xmlns:c="http://schemas.openxmlformats.org/drawingml/2006/chart" xmlns:dgm="http://schemas.openxmlformats.org/drawingml/2006/diagram" xmlns:o="urn:schemas-microsoft-com:office:office" xmlns:v="urn:schemas-microsoft-com:vml" xmlns:pvml="urn:schemas-microsoft-com:office:powerpoint" xmlns:com="http://schemas.openxmlformats.org/drawingml/2006/compatibility" xmlns:p14="http://schemas.microsoft.com/office/powerpoint/2010/main" xmlns:p15="http://schemas.microsoft.com/office/powerpoint/2012/main" xmlns:ahyp="http://schemas.microsoft.com/office/drawing/2018/hyperlinkcolor">
   <p:cSld>
     <p:spTree>
       <p:nvGrpSpPr>
-        <p:cNvPr id="287" name="Shape 287"/>
+        <p:cNvPr id="121" name="Shape 121"/>
         <p:cNvGrpSpPr/>
         <p:nvPr/>
       </p:nvGrpSpPr>
@@ -24815,7 +26321,7 @@
       </p:grpSpPr>
       <p:sp>
         <p:nvSpPr>
-          <p:cNvPr id="288" name="Google Shape;288;g2c81fcb20f4_1_2"/>
+          <p:cNvPr id="122" name="Google Shape;122;g3474fa1927f_0_18"/>
           <p:cNvSpPr txBox="1"/>
           <p:nvPr>
             <p:ph type="title"/>
@@ -24847,7 +26353,7 @@
             </a:pPr>
             <a:r>
               <a:rPr lang="en-US"/>
-              <a:t>Code emission</a:t>
+              <a:t>Today</a:t>
             </a:r>
             <a:endParaRPr/>
           </a:p>
@@ -24855,7 +26361,7 @@
       </p:sp>
       <p:sp>
         <p:nvSpPr>
-          <p:cNvPr id="289" name="Google Shape;289;g2c81fcb20f4_1_2"/>
+          <p:cNvPr id="123" name="Google Shape;123;g3474fa1927f_0_18"/>
           <p:cNvSpPr txBox="1"/>
           <p:nvPr>
             <p:ph idx="1" type="body"/>
@@ -24877,6 +26383,139 @@
           <a:lstStyle/>
           <a:p>
             <a:pPr indent="-342900" lvl="0" marL="457200" rtl="0" algn="l">
+              <a:lnSpc>
+                <a:spcPct val="100000"/>
+              </a:lnSpc>
+              <a:spcBef>
+                <a:spcPts val="1000"/>
+              </a:spcBef>
+              <a:spcAft>
+                <a:spcPts val="0"/>
+              </a:spcAft>
+              <a:buSzPts val="1800"/>
+              <a:buChar char="•"/>
+            </a:pPr>
+            <a:r>
+              <a:rPr lang="en-US"/>
+              <a:t>Compiler backends</a:t>
+            </a:r>
+            <a:endParaRPr/>
+          </a:p>
+          <a:p>
+            <a:pPr indent="-342900" lvl="0" marL="457200" rtl="0" algn="l">
+              <a:lnSpc>
+                <a:spcPct val="100000"/>
+              </a:lnSpc>
+              <a:spcBef>
+                <a:spcPts val="0"/>
+              </a:spcBef>
+              <a:spcAft>
+                <a:spcPts val="0"/>
+              </a:spcAft>
+              <a:buSzPts val="1800"/>
+              <a:buChar char="•"/>
+            </a:pPr>
+            <a:r>
+              <a:rPr lang="en-US"/>
+              <a:t>Backend </a:t>
+            </a:r>
+            <a:r>
+              <a:rPr lang="en-US"/>
+              <a:t>stages and algorithms behind</a:t>
+            </a:r>
+            <a:endParaRPr/>
+          </a:p>
+        </p:txBody>
+      </p:sp>
+    </p:spTree>
+  </p:cSld>
+  <p:clrMapOvr>
+    <a:masterClrMapping/>
+  </p:clrMapOvr>
+</p:sld>
+</file>
+
+<file path=ppt/slides/slide30.xml><?xml version="1.0" encoding="utf-8"?>
+<p:sld xmlns:a="http://schemas.openxmlformats.org/drawingml/2006/main" xmlns:r="http://schemas.openxmlformats.org/officeDocument/2006/relationships" xmlns:mc="http://schemas.openxmlformats.org/markup-compatibility/2006" xmlns:mv="urn:schemas-microsoft-com:mac:vml" xmlns:p="http://schemas.openxmlformats.org/presentationml/2006/main" xmlns:c="http://schemas.openxmlformats.org/drawingml/2006/chart" xmlns:dgm="http://schemas.openxmlformats.org/drawingml/2006/diagram" xmlns:o="urn:schemas-microsoft-com:office:office" xmlns:v="urn:schemas-microsoft-com:vml" xmlns:pvml="urn:schemas-microsoft-com:office:powerpoint" xmlns:com="http://schemas.openxmlformats.org/drawingml/2006/compatibility" xmlns:p14="http://schemas.microsoft.com/office/powerpoint/2010/main" xmlns:p15="http://schemas.microsoft.com/office/powerpoint/2012/main" xmlns:ahyp="http://schemas.microsoft.com/office/drawing/2018/hyperlinkcolor">
+  <p:cSld>
+    <p:spTree>
+      <p:nvGrpSpPr>
+        <p:cNvPr id="319" name="Shape 319"/>
+        <p:cNvGrpSpPr/>
+        <p:nvPr/>
+      </p:nvGrpSpPr>
+      <p:grpSpPr>
+        <a:xfrm>
+          <a:off x="0" y="0"/>
+          <a:ext cx="0" cy="0"/>
+          <a:chOff x="0" y="0"/>
+          <a:chExt cx="0" cy="0"/>
+        </a:xfrm>
+      </p:grpSpPr>
+      <p:sp>
+        <p:nvSpPr>
+          <p:cNvPr id="320" name="Google Shape;320;g2c81fcb20f4_1_2"/>
+          <p:cNvSpPr txBox="1"/>
+          <p:nvPr>
+            <p:ph type="title"/>
+          </p:nvPr>
+        </p:nvSpPr>
+        <p:spPr>
+          <a:xfrm>
+            <a:off x="571370" y="571500"/>
+            <a:ext cx="11010900" cy="952500"/>
+          </a:xfrm>
+          <a:prstGeom prst="rect">
+            <a:avLst/>
+          </a:prstGeom>
+        </p:spPr>
+        <p:txBody>
+          <a:bodyPr anchorCtr="0" anchor="ctr" bIns="0" lIns="0" spcFirstLastPara="1" rIns="0" wrap="square" tIns="0">
+            <a:noAutofit/>
+          </a:bodyPr>
+          <a:lstStyle/>
+          <a:p>
+            <a:pPr indent="0" lvl="0" marL="0" rtl="0" algn="l">
+              <a:spcBef>
+                <a:spcPts val="0"/>
+              </a:spcBef>
+              <a:spcAft>
+                <a:spcPts val="0"/>
+              </a:spcAft>
+              <a:buNone/>
+            </a:pPr>
+            <a:r>
+              <a:rPr lang="en-US"/>
+              <a:t>Code emission</a:t>
+            </a:r>
+            <a:endParaRPr/>
+          </a:p>
+        </p:txBody>
+      </p:sp>
+      <p:sp>
+        <p:nvSpPr>
+          <p:cNvPr id="321" name="Google Shape;321;g2c81fcb20f4_1_2"/>
+          <p:cNvSpPr txBox="1"/>
+          <p:nvPr>
+            <p:ph idx="1" type="body"/>
+          </p:nvPr>
+        </p:nvSpPr>
+        <p:spPr>
+          <a:xfrm>
+            <a:off x="571370" y="1673454"/>
+            <a:ext cx="11010900" cy="4575000"/>
+          </a:xfrm>
+          <a:prstGeom prst="rect">
+            <a:avLst/>
+          </a:prstGeom>
+        </p:spPr>
+        <p:txBody>
+          <a:bodyPr anchorCtr="0" anchor="t" bIns="45700" lIns="91425" spcFirstLastPara="1" rIns="91425" wrap="square" tIns="45700">
+            <a:normAutofit/>
+          </a:bodyPr>
+          <a:lstStyle/>
+          <a:p>
+            <a:pPr indent="-342900" lvl="0" marL="457200" rtl="0" algn="l">
               <a:spcBef>
                 <a:spcPts val="1000"/>
               </a:spcBef>
@@ -24913,7 +26552,7 @@
       </p:sp>
       <p:sp>
         <p:nvSpPr>
-          <p:cNvPr id="290" name="Google Shape;290;g2c81fcb20f4_1_2"/>
+          <p:cNvPr id="322" name="Google Shape;322;g2c81fcb20f4_1_2"/>
           <p:cNvSpPr/>
           <p:nvPr/>
         </p:nvSpPr>
@@ -24975,7 +26614,7 @@
       </p:sp>
       <p:sp>
         <p:nvSpPr>
-          <p:cNvPr id="291" name="Google Shape;291;g2c81fcb20f4_1_2"/>
+          <p:cNvPr id="323" name="Google Shape;323;g2c81fcb20f4_1_2"/>
           <p:cNvSpPr/>
           <p:nvPr/>
         </p:nvSpPr>
@@ -25037,7 +26676,7 @@
       </p:sp>
       <p:sp>
         <p:nvSpPr>
-          <p:cNvPr id="292" name="Google Shape;292;g2c81fcb20f4_1_2"/>
+          <p:cNvPr id="324" name="Google Shape;324;g2c81fcb20f4_1_2"/>
           <p:cNvSpPr/>
           <p:nvPr/>
         </p:nvSpPr>
@@ -25099,10 +26738,10 @@
       </p:sp>
       <p:cxnSp>
         <p:nvCxnSpPr>
-          <p:cNvPr id="293" name="Google Shape;293;g2c81fcb20f4_1_2"/>
+          <p:cNvPr id="325" name="Google Shape;325;g2c81fcb20f4_1_2"/>
           <p:cNvCxnSpPr>
-            <a:stCxn id="290" idx="2"/>
-            <a:endCxn id="291" idx="0"/>
+            <a:stCxn id="322" idx="2"/>
+            <a:endCxn id="323" idx="0"/>
           </p:cNvCxnSpPr>
           <p:nvPr/>
         </p:nvCxnSpPr>
@@ -25128,10 +26767,10 @@
       </p:cxnSp>
       <p:cxnSp>
         <p:nvCxnSpPr>
-          <p:cNvPr id="294" name="Google Shape;294;g2c81fcb20f4_1_2"/>
+          <p:cNvPr id="326" name="Google Shape;326;g2c81fcb20f4_1_2"/>
           <p:cNvCxnSpPr>
-            <a:stCxn id="290" idx="2"/>
-            <a:endCxn id="292" idx="0"/>
+            <a:stCxn id="322" idx="2"/>
+            <a:endCxn id="324" idx="0"/>
           </p:cNvCxnSpPr>
           <p:nvPr/>
         </p:nvCxnSpPr>
@@ -25157,7 +26796,7 @@
       </p:cxnSp>
       <p:pic>
         <p:nvPicPr>
-          <p:cNvPr id="295" name="Google Shape;295;g2c81fcb20f4_1_2"/>
+          <p:cNvPr id="327" name="Google Shape;327;g2c81fcb20f4_1_2"/>
           <p:cNvPicPr preferRelativeResize="0"/>
           <p:nvPr/>
         </p:nvPicPr>
@@ -25191,12 +26830,12 @@
 </p:sld>
 </file>
 
-<file path=ppt/slides/slide29.xml><?xml version="1.0" encoding="utf-8"?>
+<file path=ppt/slides/slide31.xml><?xml version="1.0" encoding="utf-8"?>
 <p:sld xmlns:a="http://schemas.openxmlformats.org/drawingml/2006/main" xmlns:r="http://schemas.openxmlformats.org/officeDocument/2006/relationships" xmlns:mc="http://schemas.openxmlformats.org/markup-compatibility/2006" xmlns:mv="urn:schemas-microsoft-com:mac:vml" xmlns:p="http://schemas.openxmlformats.org/presentationml/2006/main" xmlns:c="http://schemas.openxmlformats.org/drawingml/2006/chart" xmlns:dgm="http://schemas.openxmlformats.org/drawingml/2006/diagram" xmlns:o="urn:schemas-microsoft-com:office:office" xmlns:v="urn:schemas-microsoft-com:vml" xmlns:pvml="urn:schemas-microsoft-com:office:powerpoint" xmlns:com="http://schemas.openxmlformats.org/drawingml/2006/compatibility" xmlns:p14="http://schemas.microsoft.com/office/powerpoint/2010/main" xmlns:p15="http://schemas.microsoft.com/office/powerpoint/2012/main" xmlns:ahyp="http://schemas.microsoft.com/office/drawing/2018/hyperlinkcolor">
   <p:cSld>
     <p:spTree>
       <p:nvGrpSpPr>
-        <p:cNvPr id="300" name="Shape 300"/>
+        <p:cNvPr id="332" name="Shape 332"/>
         <p:cNvGrpSpPr/>
         <p:nvPr/>
       </p:nvGrpSpPr>
@@ -25210,7 +26849,7 @@
       </p:grpSpPr>
       <p:sp>
         <p:nvSpPr>
-          <p:cNvPr id="301" name="Google Shape;301;g2c81fcb20f4_2_8"/>
+          <p:cNvPr id="333" name="Google Shape;333;g2c81fcb20f4_2_8"/>
           <p:cNvSpPr txBox="1"/>
           <p:nvPr>
             <p:ph type="title"/>
@@ -25250,7 +26889,7 @@
       </p:sp>
       <p:sp>
         <p:nvSpPr>
-          <p:cNvPr id="302" name="Google Shape;302;g2c81fcb20f4_2_8"/>
+          <p:cNvPr id="334" name="Google Shape;334;g2c81fcb20f4_2_8"/>
           <p:cNvSpPr txBox="1"/>
           <p:nvPr>
             <p:ph idx="1" type="body"/>
@@ -25467,12 +27106,12 @@
 </p:sld>
 </file>
 
-<file path=ppt/slides/slide3.xml><?xml version="1.0" encoding="utf-8"?>
+<file path=ppt/slides/slide32.xml><?xml version="1.0" encoding="utf-8"?>
 <p:sld xmlns:a="http://schemas.openxmlformats.org/drawingml/2006/main" xmlns:r="http://schemas.openxmlformats.org/officeDocument/2006/relationships" xmlns:mc="http://schemas.openxmlformats.org/markup-compatibility/2006" xmlns:mv="urn:schemas-microsoft-com:mac:vml" xmlns:p="http://schemas.openxmlformats.org/presentationml/2006/main" xmlns:c="http://schemas.openxmlformats.org/drawingml/2006/chart" xmlns:dgm="http://schemas.openxmlformats.org/drawingml/2006/diagram" xmlns:o="urn:schemas-microsoft-com:office:office" xmlns:v="urn:schemas-microsoft-com:vml" xmlns:pvml="urn:schemas-microsoft-com:office:powerpoint" xmlns:com="http://schemas.openxmlformats.org/drawingml/2006/compatibility" xmlns:p14="http://schemas.microsoft.com/office/powerpoint/2010/main" xmlns:p15="http://schemas.microsoft.com/office/powerpoint/2012/main" xmlns:ahyp="http://schemas.microsoft.com/office/drawing/2018/hyperlinkcolor">
   <p:cSld>
     <p:spTree>
       <p:nvGrpSpPr>
-        <p:cNvPr id="116" name="Shape 116"/>
+        <p:cNvPr id="338" name="Shape 338"/>
         <p:cNvGrpSpPr/>
         <p:nvPr/>
       </p:nvGrpSpPr>
@@ -25486,186 +27125,7 @@
       </p:grpSpPr>
       <p:sp>
         <p:nvSpPr>
-          <p:cNvPr id="117" name="Google Shape;117;p3"/>
-          <p:cNvSpPr txBox="1"/>
-          <p:nvPr>
-            <p:ph type="title"/>
-          </p:nvPr>
-        </p:nvSpPr>
-        <p:spPr>
-          <a:xfrm>
-            <a:off x="571370" y="571500"/>
-            <a:ext cx="11010816" cy="952499"/>
-          </a:xfrm>
-          <a:prstGeom prst="rect">
-            <a:avLst/>
-          </a:prstGeom>
-          <a:noFill/>
-          <a:ln>
-            <a:noFill/>
-          </a:ln>
-        </p:spPr>
-        <p:txBody>
-          <a:bodyPr anchorCtr="0" anchor="ctr" bIns="0" lIns="0" spcFirstLastPara="1" rIns="0" wrap="square" tIns="0">
-            <a:noAutofit/>
-          </a:bodyPr>
-          <a:lstStyle/>
-          <a:p>
-            <a:pPr indent="0" lvl="0" marL="0" rtl="0" algn="l">
-              <a:lnSpc>
-                <a:spcPct val="90000"/>
-              </a:lnSpc>
-              <a:spcBef>
-                <a:spcPts val="0"/>
-              </a:spcBef>
-              <a:spcAft>
-                <a:spcPts val="0"/>
-              </a:spcAft>
-              <a:buClr>
-                <a:srgbClr val="525252"/>
-              </a:buClr>
-              <a:buSzPts val="4000"/>
-              <a:buFont typeface="Calibri"/>
-              <a:buNone/>
-            </a:pPr>
-            <a:r>
-              <a:rPr lang="en-US"/>
-              <a:t>Backend in LLVM</a:t>
-            </a:r>
-            <a:endParaRPr/>
-          </a:p>
-        </p:txBody>
-      </p:sp>
-      <p:pic>
-        <p:nvPicPr>
-          <p:cNvPr id="118" name="Google Shape;118;p3"/>
-          <p:cNvPicPr preferRelativeResize="0"/>
-          <p:nvPr/>
-        </p:nvPicPr>
-        <p:blipFill rotWithShape="1">
-          <a:blip r:embed="rId3">
-            <a:alphaModFix/>
-          </a:blip>
-          <a:srcRect b="0" l="0" r="0" t="0"/>
-          <a:stretch/>
-        </p:blipFill>
-        <p:spPr>
-          <a:xfrm>
-            <a:off x="465221" y="1947519"/>
-            <a:ext cx="10708106" cy="3756202"/>
-          </a:xfrm>
-          <a:prstGeom prst="rect">
-            <a:avLst/>
-          </a:prstGeom>
-          <a:noFill/>
-          <a:ln>
-            <a:noFill/>
-          </a:ln>
-        </p:spPr>
-      </p:pic>
-      <p:sp>
-        <p:nvSpPr>
-          <p:cNvPr id="119" name="Google Shape;119;p3"/>
-          <p:cNvSpPr/>
-          <p:nvPr/>
-        </p:nvSpPr>
-        <p:spPr>
-          <a:xfrm>
-            <a:off x="7387389" y="3072062"/>
-            <a:ext cx="2590800" cy="1235243"/>
-          </a:xfrm>
-          <a:prstGeom prst="rect">
-            <a:avLst/>
-          </a:prstGeom>
-          <a:noFill/>
-          <a:ln cap="flat" cmpd="sng" w="28575">
-            <a:solidFill>
-              <a:srgbClr val="FF0000"/>
-            </a:solidFill>
-            <a:prstDash val="solid"/>
-            <a:miter lim="800000"/>
-            <a:headEnd len="sm" w="sm" type="none"/>
-            <a:tailEnd len="sm" w="sm" type="none"/>
-          </a:ln>
-        </p:spPr>
-        <p:txBody>
-          <a:bodyPr anchorCtr="0" anchor="ctr" bIns="45700" lIns="91425" spcFirstLastPara="1" rIns="91425" wrap="square" tIns="45700">
-            <a:noAutofit/>
-          </a:bodyPr>
-          <a:lstStyle/>
-          <a:p>
-            <a:pPr indent="0" lvl="0" marL="0" marR="0" rtl="0" algn="ctr">
-              <a:lnSpc>
-                <a:spcPct val="100000"/>
-              </a:lnSpc>
-              <a:spcBef>
-                <a:spcPts val="0"/>
-              </a:spcBef>
-              <a:spcAft>
-                <a:spcPts val="0"/>
-              </a:spcAft>
-              <a:buClr>
-                <a:srgbClr val="000000"/>
-              </a:buClr>
-              <a:buSzPts val="1800"/>
-              <a:buFont typeface="Arial"/>
-              <a:buNone/>
-            </a:pPr>
-            <a:r>
-              <a:t/>
-            </a:r>
-            <a:endParaRPr b="0" i="0" sz="1800" u="none" cap="none" strike="noStrike">
-              <a:solidFill>
-                <a:schemeClr val="lt1"/>
-              </a:solidFill>
-              <a:latin typeface="Calibri"/>
-              <a:ea typeface="Calibri"/>
-              <a:cs typeface="Calibri"/>
-              <a:sym typeface="Calibri"/>
-            </a:endParaRPr>
-          </a:p>
-        </p:txBody>
-      </p:sp>
-    </p:spTree>
-  </p:cSld>
-  <p:clrMapOvr>
-    <a:masterClrMapping/>
-  </p:clrMapOvr>
-  <mc:AlternateContent>
-    <mc:Choice Requires="p14">
-      <p:transition spd="slow" p14:dur="700">
-        <p:fade/>
-      </p:transition>
-    </mc:Choice>
-    <mc:Fallback>
-      <p:transition spd="slow">
-        <p:fade/>
-      </p:transition>
-    </mc:Fallback>
-  </mc:AlternateContent>
-</p:sld>
-</file>
-
-<file path=ppt/slides/slide30.xml><?xml version="1.0" encoding="utf-8"?>
-<p:sld xmlns:a="http://schemas.openxmlformats.org/drawingml/2006/main" xmlns:r="http://schemas.openxmlformats.org/officeDocument/2006/relationships" xmlns:mc="http://schemas.openxmlformats.org/markup-compatibility/2006" xmlns:mv="urn:schemas-microsoft-com:mac:vml" xmlns:p="http://schemas.openxmlformats.org/presentationml/2006/main" xmlns:c="http://schemas.openxmlformats.org/drawingml/2006/chart" xmlns:dgm="http://schemas.openxmlformats.org/drawingml/2006/diagram" xmlns:o="urn:schemas-microsoft-com:office:office" xmlns:v="urn:schemas-microsoft-com:vml" xmlns:pvml="urn:schemas-microsoft-com:office:powerpoint" xmlns:com="http://schemas.openxmlformats.org/drawingml/2006/compatibility" xmlns:p14="http://schemas.microsoft.com/office/powerpoint/2010/main" xmlns:p15="http://schemas.microsoft.com/office/powerpoint/2012/main" xmlns:ahyp="http://schemas.microsoft.com/office/drawing/2018/hyperlinkcolor">
-  <p:cSld>
-    <p:spTree>
-      <p:nvGrpSpPr>
-        <p:cNvPr id="306" name="Shape 306"/>
-        <p:cNvGrpSpPr/>
-        <p:nvPr/>
-      </p:nvGrpSpPr>
-      <p:grpSpPr>
-        <a:xfrm>
-          <a:off x="0" y="0"/>
-          <a:ext cx="0" cy="0"/>
-          <a:chOff x="0" y="0"/>
-          <a:chExt cx="0" cy="0"/>
-        </a:xfrm>
-      </p:grpSpPr>
-      <p:sp>
-        <p:nvSpPr>
-          <p:cNvPr id="307" name="Google Shape;307;g26ce01a8fcf_1_5"/>
+          <p:cNvPr id="339" name="Google Shape;339;g26ce01a8fcf_1_5"/>
           <p:cNvSpPr txBox="1"/>
           <p:nvPr>
             <p:ph type="title"/>
@@ -25717,7 +27177,7 @@
       </p:sp>
       <p:sp>
         <p:nvSpPr>
-          <p:cNvPr id="308" name="Google Shape;308;g26ce01a8fcf_1_5"/>
+          <p:cNvPr id="340" name="Google Shape;340;g26ce01a8fcf_1_5"/>
           <p:cNvSpPr txBox="1"/>
           <p:nvPr>
             <p:ph idx="1" type="body"/>
@@ -25786,12 +27246,12 @@
 </p:sld>
 </file>
 
-<file path=ppt/slides/slide31.xml><?xml version="1.0" encoding="utf-8"?>
-<p:sld xmlns:a="http://schemas.openxmlformats.org/drawingml/2006/main" xmlns:r="http://schemas.openxmlformats.org/officeDocument/2006/relationships" xmlns:mc="http://schemas.openxmlformats.org/markup-compatibility/2006" xmlns:mv="urn:schemas-microsoft-com:mac:vml" xmlns:p="http://schemas.openxmlformats.org/presentationml/2006/main" xmlns:c="http://schemas.openxmlformats.org/drawingml/2006/chart" xmlns:dgm="http://schemas.openxmlformats.org/drawingml/2006/diagram" xmlns:o="urn:schemas-microsoft-com:office:office" xmlns:v="urn:schemas-microsoft-com:vml" xmlns:pvml="urn:schemas-microsoft-com:office:powerpoint" xmlns:com="http://schemas.openxmlformats.org/drawingml/2006/compatibility" xmlns:p14="http://schemas.microsoft.com/office/powerpoint/2010/main" xmlns:p15="http://schemas.microsoft.com/office/powerpoint/2012/main" xmlns:ahyp="http://schemas.microsoft.com/office/drawing/2018/hyperlinkcolor">
+<file path=ppt/slides/slide33.xml><?xml version="1.0" encoding="utf-8"?>
+<p:sld xmlns:a="http://schemas.openxmlformats.org/drawingml/2006/main" xmlns:r="http://schemas.openxmlformats.org/officeDocument/2006/relationships" xmlns:mc="http://schemas.openxmlformats.org/markup-compatibility/2006" xmlns:mv="urn:schemas-microsoft-com:mac:vml" xmlns:p="http://schemas.openxmlformats.org/presentationml/2006/main" xmlns:c="http://schemas.openxmlformats.org/drawingml/2006/chart" xmlns:dgm="http://schemas.openxmlformats.org/drawingml/2006/diagram" xmlns:o="urn:schemas-microsoft-com:office:office" xmlns:v="urn:schemas-microsoft-com:vml" xmlns:pvml="urn:schemas-microsoft-com:office:powerpoint" xmlns:com="http://schemas.openxmlformats.org/drawingml/2006/compatibility" xmlns:p14="http://schemas.microsoft.com/office/powerpoint/2010/main" xmlns:p15="http://schemas.microsoft.com/office/powerpoint/2012/main" xmlns:ahyp="http://schemas.microsoft.com/office/drawing/2018/hyperlinkcolor" show="0">
   <p:cSld>
     <p:spTree>
       <p:nvGrpSpPr>
-        <p:cNvPr id="312" name="Shape 312"/>
+        <p:cNvPr id="344" name="Shape 344"/>
         <p:cNvGrpSpPr/>
         <p:nvPr/>
       </p:nvGrpSpPr>
@@ -25805,7 +27265,7 @@
       </p:grpSpPr>
       <p:sp>
         <p:nvSpPr>
-          <p:cNvPr id="313" name="Google Shape;313;g2c7e46875cf_0_0"/>
+          <p:cNvPr id="345" name="Google Shape;345;g2c7e46875cf_0_0"/>
           <p:cNvSpPr txBox="1"/>
           <p:nvPr>
             <p:ph type="title"/>
@@ -25845,7 +27305,7 @@
       </p:sp>
       <p:sp>
         <p:nvSpPr>
-          <p:cNvPr id="314" name="Google Shape;314;g2c7e46875cf_0_0"/>
+          <p:cNvPr id="346" name="Google Shape;346;g2c7e46875cf_0_0"/>
           <p:cNvSpPr txBox="1"/>
           <p:nvPr>
             <p:ph idx="1" type="body"/>
@@ -25918,7 +27378,7 @@
       </p:sp>
       <p:sp>
         <p:nvSpPr>
-          <p:cNvPr id="315" name="Google Shape;315;g2c7e46875cf_0_0"/>
+          <p:cNvPr id="347" name="Google Shape;347;g2c7e46875cf_0_0"/>
           <p:cNvSpPr txBox="1"/>
           <p:nvPr/>
         </p:nvSpPr>
@@ -25991,7 +27451,7 @@
       </p:sp>
       <p:pic>
         <p:nvPicPr>
-          <p:cNvPr id="316" name="Google Shape;316;g2c7e46875cf_0_0"/>
+          <p:cNvPr id="348" name="Google Shape;348;g2c7e46875cf_0_0"/>
           <p:cNvPicPr preferRelativeResize="0"/>
           <p:nvPr/>
         </p:nvPicPr>
@@ -26025,12 +27485,12 @@
 </p:sld>
 </file>
 
-<file path=ppt/slides/slide32.xml><?xml version="1.0" encoding="utf-8"?>
+<file path=ppt/slides/slide34.xml><?xml version="1.0" encoding="utf-8"?>
 <p:sld xmlns:a="http://schemas.openxmlformats.org/drawingml/2006/main" xmlns:r="http://schemas.openxmlformats.org/officeDocument/2006/relationships" xmlns:mc="http://schemas.openxmlformats.org/markup-compatibility/2006" xmlns:mv="urn:schemas-microsoft-com:mac:vml" xmlns:p="http://schemas.openxmlformats.org/presentationml/2006/main" xmlns:c="http://schemas.openxmlformats.org/drawingml/2006/chart" xmlns:dgm="http://schemas.openxmlformats.org/drawingml/2006/diagram" xmlns:o="urn:schemas-microsoft-com:office:office" xmlns:v="urn:schemas-microsoft-com:vml" xmlns:pvml="urn:schemas-microsoft-com:office:powerpoint" xmlns:com="http://schemas.openxmlformats.org/drawingml/2006/compatibility" xmlns:p14="http://schemas.microsoft.com/office/powerpoint/2010/main" xmlns:p15="http://schemas.microsoft.com/office/powerpoint/2012/main" xmlns:ahyp="http://schemas.microsoft.com/office/drawing/2018/hyperlinkcolor">
   <p:cSld>
     <p:spTree>
       <p:nvGrpSpPr>
-        <p:cNvPr id="320" name="Shape 320"/>
+        <p:cNvPr id="352" name="Shape 352"/>
         <p:cNvGrpSpPr/>
         <p:nvPr/>
       </p:nvGrpSpPr>
@@ -26044,7 +27504,274 @@
       </p:grpSpPr>
       <p:sp>
         <p:nvSpPr>
-          <p:cNvPr id="321" name="Google Shape;321;g26ce01a8fcf_1_10"/>
+          <p:cNvPr id="353" name="Google Shape;353;g3474fa1927f_0_6"/>
+          <p:cNvSpPr txBox="1"/>
+          <p:nvPr>
+            <p:ph type="title"/>
+          </p:nvPr>
+        </p:nvSpPr>
+        <p:spPr>
+          <a:xfrm>
+            <a:off x="571370" y="571500"/>
+            <a:ext cx="11010900" cy="952500"/>
+          </a:xfrm>
+          <a:prstGeom prst="rect">
+            <a:avLst/>
+          </a:prstGeom>
+        </p:spPr>
+        <p:txBody>
+          <a:bodyPr anchorCtr="0" anchor="ctr" bIns="0" lIns="0" spcFirstLastPara="1" rIns="0" wrap="square" tIns="0">
+            <a:noAutofit/>
+          </a:bodyPr>
+          <a:lstStyle/>
+          <a:p>
+            <a:pPr indent="0" lvl="0" marL="0" rtl="0" algn="l">
+              <a:spcBef>
+                <a:spcPts val="0"/>
+              </a:spcBef>
+              <a:spcAft>
+                <a:spcPts val="0"/>
+              </a:spcAft>
+              <a:buNone/>
+            </a:pPr>
+            <a:r>
+              <a:rPr lang="en-US"/>
+              <a:t>Test</a:t>
+            </a:r>
+            <a:endParaRPr/>
+          </a:p>
+        </p:txBody>
+      </p:sp>
+      <p:sp>
+        <p:nvSpPr>
+          <p:cNvPr id="354" name="Google Shape;354;g3474fa1927f_0_6"/>
+          <p:cNvSpPr txBox="1"/>
+          <p:nvPr>
+            <p:ph idx="1" type="body"/>
+          </p:nvPr>
+        </p:nvSpPr>
+        <p:spPr>
+          <a:xfrm>
+            <a:off x="571370" y="1673454"/>
+            <a:ext cx="11010900" cy="4575000"/>
+          </a:xfrm>
+          <a:prstGeom prst="rect">
+            <a:avLst/>
+          </a:prstGeom>
+        </p:spPr>
+        <p:txBody>
+          <a:bodyPr anchorCtr="0" anchor="t" bIns="45700" lIns="91425" spcFirstLastPara="1" rIns="91425" wrap="square" tIns="45700">
+            <a:normAutofit/>
+          </a:bodyPr>
+          <a:lstStyle/>
+          <a:p>
+            <a:pPr indent="0" lvl="0" marL="0" rtl="0" algn="l">
+              <a:spcBef>
+                <a:spcPts val="1000"/>
+              </a:spcBef>
+              <a:spcAft>
+                <a:spcPts val="0"/>
+              </a:spcAft>
+              <a:buNone/>
+            </a:pPr>
+            <a:r>
+              <a:rPr lang="en-US" u="sng">
+                <a:solidFill>
+                  <a:schemeClr val="hlink"/>
+                </a:solidFill>
+                <a:hlinkClick r:id="rId3"/>
+              </a:rPr>
+              <a:t>https://forms.gle/LZZZYDejbnUV19zY7</a:t>
+            </a:r>
+            <a:r>
+              <a:rPr lang="en-US"/>
+              <a:t> </a:t>
+            </a:r>
+            <a:endParaRPr/>
+          </a:p>
+          <a:p>
+            <a:pPr indent="0" lvl="0" marL="0" rtl="0" algn="l">
+              <a:spcBef>
+                <a:spcPts val="1000"/>
+              </a:spcBef>
+              <a:spcAft>
+                <a:spcPts val="0"/>
+              </a:spcAft>
+              <a:buNone/>
+            </a:pPr>
+            <a:r>
+              <a:rPr lang="en-US"/>
+              <a:t>Submission time: </a:t>
+            </a:r>
+            <a:r>
+              <a:rPr b="1" lang="en-US"/>
+              <a:t>10 minutes</a:t>
+            </a:r>
+            <a:r>
+              <a:rPr lang="en-US"/>
+              <a:t> </a:t>
+            </a:r>
+            <a:endParaRPr/>
+          </a:p>
+        </p:txBody>
+      </p:sp>
+      <p:sp>
+        <p:nvSpPr>
+          <p:cNvPr id="355" name="Google Shape;355;g3474fa1927f_0_6"/>
+          <p:cNvSpPr txBox="1"/>
+          <p:nvPr/>
+        </p:nvSpPr>
+        <p:spPr>
+          <a:xfrm>
+            <a:off x="8510750" y="6397900"/>
+            <a:ext cx="3356100" cy="492600"/>
+          </a:xfrm>
+          <a:prstGeom prst="rect">
+            <a:avLst/>
+          </a:prstGeom>
+          <a:noFill/>
+          <a:ln>
+            <a:noFill/>
+          </a:ln>
+        </p:spPr>
+        <p:txBody>
+          <a:bodyPr anchorCtr="0" anchor="t" bIns="91425" lIns="91425" spcFirstLastPara="1" rIns="91425" wrap="square" tIns="91425">
+            <a:spAutoFit/>
+          </a:bodyPr>
+          <a:lstStyle/>
+          <a:p>
+            <a:pPr indent="0" lvl="0" marL="0" rtl="0" algn="l">
+              <a:spcBef>
+                <a:spcPts val="0"/>
+              </a:spcBef>
+              <a:spcAft>
+                <a:spcPts val="0"/>
+              </a:spcAft>
+              <a:buNone/>
+            </a:pPr>
+            <a:r>
+              <a:rPr lang="en-US" sz="2000">
+                <a:solidFill>
+                  <a:srgbClr val="525252"/>
+                </a:solidFill>
+              </a:rPr>
+              <a:t>Backup: </a:t>
+            </a:r>
+            <a:r>
+              <a:rPr lang="en-US" sz="2000" u="sng">
+                <a:solidFill>
+                  <a:srgbClr val="0068B5"/>
+                </a:solidFill>
+                <a:hlinkClick r:id="rId4">
+                  <a:extLst>
+                    <a:ext uri="{A12FA001-AC4F-418D-AE19-62706E023703}">
+                      <ahyp:hlinkClr val="tx"/>
+                    </a:ext>
+                  </a:extLst>
+                </a:hlinkClick>
+              </a:rPr>
+              <a:t>me@gooddoog.ru</a:t>
+            </a:r>
+            <a:r>
+              <a:rPr lang="en-US" sz="2000">
+                <a:solidFill>
+                  <a:srgbClr val="525252"/>
+                </a:solidFill>
+              </a:rPr>
+              <a:t> </a:t>
+            </a:r>
+            <a:endParaRPr sz="2000">
+              <a:solidFill>
+                <a:srgbClr val="525252"/>
+              </a:solidFill>
+            </a:endParaRPr>
+          </a:p>
+        </p:txBody>
+      </p:sp>
+      <p:pic>
+        <p:nvPicPr>
+          <p:cNvPr id="356" name="Google Shape;356;g3474fa1927f_0_6"/>
+          <p:cNvPicPr preferRelativeResize="0"/>
+          <p:nvPr/>
+        </p:nvPicPr>
+        <p:blipFill>
+          <a:blip r:embed="rId5">
+            <a:alphaModFix/>
+          </a:blip>
+          <a:stretch>
+            <a:fillRect/>
+          </a:stretch>
+        </p:blipFill>
+        <p:spPr>
+          <a:xfrm>
+            <a:off x="8209525" y="1436650"/>
+            <a:ext cx="2990850" cy="2914650"/>
+          </a:xfrm>
+          <a:prstGeom prst="rect">
+            <a:avLst/>
+          </a:prstGeom>
+          <a:noFill/>
+          <a:ln>
+            <a:noFill/>
+          </a:ln>
+        </p:spPr>
+      </p:pic>
+      <p:pic>
+        <p:nvPicPr>
+          <p:cNvPr id="357" name="Google Shape;357;g3474fa1927f_0_6"/>
+          <p:cNvPicPr preferRelativeResize="0"/>
+          <p:nvPr/>
+        </p:nvPicPr>
+        <p:blipFill>
+          <a:blip r:embed="rId6">
+            <a:alphaModFix/>
+          </a:blip>
+          <a:stretch>
+            <a:fillRect/>
+          </a:stretch>
+        </p:blipFill>
+        <p:spPr>
+          <a:xfrm>
+            <a:off x="204850" y="2643700"/>
+            <a:ext cx="7937974" cy="4141000"/>
+          </a:xfrm>
+          <a:prstGeom prst="rect">
+            <a:avLst/>
+          </a:prstGeom>
+          <a:noFill/>
+          <a:ln>
+            <a:noFill/>
+          </a:ln>
+        </p:spPr>
+      </p:pic>
+    </p:spTree>
+  </p:cSld>
+  <p:clrMapOvr>
+    <a:masterClrMapping/>
+  </p:clrMapOvr>
+</p:sld>
+</file>
+
+<file path=ppt/slides/slide35.xml><?xml version="1.0" encoding="utf-8"?>
+<p:sld xmlns:a="http://schemas.openxmlformats.org/drawingml/2006/main" xmlns:r="http://schemas.openxmlformats.org/officeDocument/2006/relationships" xmlns:mc="http://schemas.openxmlformats.org/markup-compatibility/2006" xmlns:mv="urn:schemas-microsoft-com:mac:vml" xmlns:p="http://schemas.openxmlformats.org/presentationml/2006/main" xmlns:c="http://schemas.openxmlformats.org/drawingml/2006/chart" xmlns:dgm="http://schemas.openxmlformats.org/drawingml/2006/diagram" xmlns:o="urn:schemas-microsoft-com:office:office" xmlns:v="urn:schemas-microsoft-com:vml" xmlns:pvml="urn:schemas-microsoft-com:office:powerpoint" xmlns:com="http://schemas.openxmlformats.org/drawingml/2006/compatibility" xmlns:p14="http://schemas.microsoft.com/office/powerpoint/2010/main" xmlns:p15="http://schemas.microsoft.com/office/powerpoint/2012/main" xmlns:ahyp="http://schemas.microsoft.com/office/drawing/2018/hyperlinkcolor">
+  <p:cSld>
+    <p:spTree>
+      <p:nvGrpSpPr>
+        <p:cNvPr id="361" name="Shape 361"/>
+        <p:cNvGrpSpPr/>
+        <p:nvPr/>
+      </p:nvGrpSpPr>
+      <p:grpSpPr>
+        <a:xfrm>
+          <a:off x="0" y="0"/>
+          <a:ext cx="0" cy="0"/>
+          <a:chOff x="0" y="0"/>
+          <a:chExt cx="0" cy="0"/>
+        </a:xfrm>
+      </p:grpSpPr>
+      <p:sp>
+        <p:nvSpPr>
+          <p:cNvPr id="362" name="Google Shape;362;g26ce01a8fcf_1_10"/>
           <p:cNvSpPr txBox="1"/>
           <p:nvPr>
             <p:ph type="title"/>
@@ -26096,7 +27823,7 @@
       </p:sp>
       <p:sp>
         <p:nvSpPr>
-          <p:cNvPr id="322" name="Google Shape;322;g26ce01a8fcf_1_10"/>
+          <p:cNvPr id="363" name="Google Shape;363;g26ce01a8fcf_1_10"/>
           <p:cNvSpPr txBox="1"/>
           <p:nvPr>
             <p:ph idx="1" type="body"/>
@@ -26246,6 +27973,39 @@
                 <a:hlinkClick r:id="rId6"/>
               </a:rPr>
               <a:t>https://llvm.org/docs/WritingAnLLVMBackend.html</a:t>
+            </a:r>
+            <a:r>
+              <a:rPr lang="en-US" sz="1600"/>
+              <a:t> </a:t>
+            </a:r>
+            <a:endParaRPr sz="1600"/>
+          </a:p>
+          <a:p>
+            <a:pPr indent="-228600" lvl="0" marL="228600" rtl="0" algn="l">
+              <a:lnSpc>
+                <a:spcPct val="90000"/>
+              </a:lnSpc>
+              <a:spcBef>
+                <a:spcPts val="1000"/>
+              </a:spcBef>
+              <a:spcAft>
+                <a:spcPts val="0"/>
+              </a:spcAft>
+              <a:buSzPts val="1600"/>
+              <a:buChar char="•"/>
+            </a:pPr>
+            <a:r>
+              <a:rPr lang="en-US" sz="1600"/>
+              <a:t>Welcome to the Back End: The LLVM Machine Representation: </a:t>
+            </a:r>
+            <a:r>
+              <a:rPr lang="en-US" sz="1600" u="sng">
+                <a:solidFill>
+                  <a:schemeClr val="hlink"/>
+                </a:solidFill>
+                <a:hlinkClick r:id="rId7"/>
+              </a:rPr>
+              <a:t>https://llvm.org/devmtg/2017-10/slides/Braun-Welcome%20to%20the%20Back%20End.pdf</a:t>
             </a:r>
             <a:r>
               <a:rPr lang="en-US" sz="1600"/>
@@ -26324,7 +28084,7 @@
   <p:cSld>
     <p:spTree>
       <p:nvGrpSpPr>
-        <p:cNvPr id="123" name="Shape 123"/>
+        <p:cNvPr id="127" name="Shape 127"/>
         <p:cNvGrpSpPr/>
         <p:nvPr/>
       </p:nvGrpSpPr>
@@ -26338,7 +28098,7 @@
       </p:grpSpPr>
       <p:sp>
         <p:nvSpPr>
-          <p:cNvPr id="124" name="Google Shape;124;p4"/>
+          <p:cNvPr id="128" name="Google Shape;128;p3"/>
           <p:cNvSpPr txBox="1"/>
           <p:nvPr>
             <p:ph type="title"/>
@@ -26382,7 +28142,7 @@
             </a:pPr>
             <a:r>
               <a:rPr lang="en-US"/>
-              <a:t>LLVM backend pipeline (overview)</a:t>
+              <a:t>Backend in LLVM</a:t>
             </a:r>
             <a:endParaRPr/>
           </a:p>
@@ -26390,11 +28150,9 @@
       </p:sp>
       <p:pic>
         <p:nvPicPr>
-          <p:cNvPr descr="Overview | Getting Started with LLVM Core Libraries" id="125" name="Google Shape;125;p4"/>
+          <p:cNvPr id="129" name="Google Shape;129;p3"/>
           <p:cNvPicPr preferRelativeResize="0"/>
-          <p:nvPr>
-            <p:ph idx="1" type="body"/>
-          </p:nvPr>
+          <p:nvPr/>
         </p:nvPicPr>
         <p:blipFill rotWithShape="1">
           <a:blip r:embed="rId3">
@@ -26405,8 +28163,8 @@
         </p:blipFill>
         <p:spPr>
           <a:xfrm>
-            <a:off x="1488056" y="2673183"/>
-            <a:ext cx="9215888" cy="2869364"/>
+            <a:off x="465221" y="1947519"/>
+            <a:ext cx="10708106" cy="3756202"/>
           </a:xfrm>
           <a:prstGeom prst="rect">
             <a:avLst/>
@@ -26417,6 +28175,134 @@
           </a:ln>
         </p:spPr>
       </p:pic>
+      <p:sp>
+        <p:nvSpPr>
+          <p:cNvPr id="130" name="Google Shape;130;p3"/>
+          <p:cNvSpPr/>
+          <p:nvPr/>
+        </p:nvSpPr>
+        <p:spPr>
+          <a:xfrm>
+            <a:off x="7387389" y="3072062"/>
+            <a:ext cx="2590800" cy="1235243"/>
+          </a:xfrm>
+          <a:prstGeom prst="rect">
+            <a:avLst/>
+          </a:prstGeom>
+          <a:noFill/>
+          <a:ln cap="flat" cmpd="sng" w="28575">
+            <a:solidFill>
+              <a:srgbClr val="FF0000"/>
+            </a:solidFill>
+            <a:prstDash val="solid"/>
+            <a:miter lim="800000"/>
+            <a:headEnd len="sm" w="sm" type="none"/>
+            <a:tailEnd len="sm" w="sm" type="none"/>
+          </a:ln>
+        </p:spPr>
+        <p:txBody>
+          <a:bodyPr anchorCtr="0" anchor="ctr" bIns="45700" lIns="91425" spcFirstLastPara="1" rIns="91425" wrap="square" tIns="45700">
+            <a:noAutofit/>
+          </a:bodyPr>
+          <a:lstStyle/>
+          <a:p>
+            <a:pPr indent="0" lvl="0" marL="0" marR="0" rtl="0" algn="ctr">
+              <a:lnSpc>
+                <a:spcPct val="100000"/>
+              </a:lnSpc>
+              <a:spcBef>
+                <a:spcPts val="0"/>
+              </a:spcBef>
+              <a:spcAft>
+                <a:spcPts val="0"/>
+              </a:spcAft>
+              <a:buClr>
+                <a:srgbClr val="000000"/>
+              </a:buClr>
+              <a:buSzPts val="1800"/>
+              <a:buFont typeface="Arial"/>
+              <a:buNone/>
+            </a:pPr>
+            <a:r>
+              <a:t/>
+            </a:r>
+            <a:endParaRPr b="0" i="0" sz="1800" u="none" cap="none" strike="noStrike">
+              <a:solidFill>
+                <a:schemeClr val="lt1"/>
+              </a:solidFill>
+              <a:latin typeface="Calibri"/>
+              <a:ea typeface="Calibri"/>
+              <a:cs typeface="Calibri"/>
+              <a:sym typeface="Calibri"/>
+            </a:endParaRPr>
+          </a:p>
+        </p:txBody>
+      </p:sp>
+      <p:sp>
+        <p:nvSpPr>
+          <p:cNvPr id="131" name="Google Shape;131;p3"/>
+          <p:cNvSpPr txBox="1"/>
+          <p:nvPr/>
+        </p:nvSpPr>
+        <p:spPr>
+          <a:xfrm>
+            <a:off x="1052250" y="5577350"/>
+            <a:ext cx="10087500" cy="400200"/>
+          </a:xfrm>
+          <a:prstGeom prst="rect">
+            <a:avLst/>
+          </a:prstGeom>
+          <a:noFill/>
+          <a:ln>
+            <a:noFill/>
+          </a:ln>
+        </p:spPr>
+        <p:txBody>
+          <a:bodyPr anchorCtr="0" anchor="t" bIns="91425" lIns="91425" spcFirstLastPara="1" rIns="91425" wrap="square" tIns="91425">
+            <a:spAutoFit/>
+          </a:bodyPr>
+          <a:lstStyle/>
+          <a:p>
+            <a:pPr indent="0" lvl="0" marL="0" rtl="0" algn="l">
+              <a:spcBef>
+                <a:spcPts val="0"/>
+              </a:spcBef>
+              <a:spcAft>
+                <a:spcPts val="0"/>
+              </a:spcAft>
+              <a:buNone/>
+            </a:pPr>
+            <a:r>
+              <a:rPr lang="en-US" u="sng">
+                <a:solidFill>
+                  <a:schemeClr val="dk1"/>
+                </a:solidFill>
+                <a:hlinkClick r:id="rId4">
+                  <a:extLst>
+                    <a:ext uri="{A12FA001-AC4F-418D-AE19-62706E023703}">
+                      <ahyp:hlinkClr val="tx"/>
+                    </a:ext>
+                  </a:extLst>
+                </a:hlinkClick>
+              </a:rPr>
+              <a:t>https://wr.informatik.uni-hamburg.de/_media/teaching/wintersemester_2020_2021/ep-2021_hosseini_llvm.pdf</a:t>
+            </a:r>
+            <a:r>
+              <a:rPr lang="en-US">
+                <a:solidFill>
+                  <a:schemeClr val="dk1"/>
+                </a:solidFill>
+              </a:rPr>
+              <a:t> </a:t>
+            </a:r>
+            <a:endParaRPr>
+              <a:solidFill>
+                <a:schemeClr val="dk1"/>
+              </a:solidFill>
+            </a:endParaRPr>
+          </a:p>
+        </p:txBody>
+      </p:sp>
     </p:spTree>
   </p:cSld>
   <p:clrMapOvr>
@@ -26442,7 +28328,7 @@
   <p:cSld>
     <p:spTree>
       <p:nvGrpSpPr>
-        <p:cNvPr id="130" name="Shape 130"/>
+        <p:cNvPr id="135" name="Shape 135"/>
         <p:cNvGrpSpPr/>
         <p:nvPr/>
       </p:nvGrpSpPr>
@@ -26456,7 +28342,190 @@
       </p:grpSpPr>
       <p:sp>
         <p:nvSpPr>
-          <p:cNvPr id="131" name="Google Shape;131;g2c7e46875cf_0_213"/>
+          <p:cNvPr id="136" name="Google Shape;136;p4"/>
+          <p:cNvSpPr txBox="1"/>
+          <p:nvPr>
+            <p:ph type="title"/>
+          </p:nvPr>
+        </p:nvSpPr>
+        <p:spPr>
+          <a:xfrm>
+            <a:off x="571370" y="571500"/>
+            <a:ext cx="11010816" cy="952499"/>
+          </a:xfrm>
+          <a:prstGeom prst="rect">
+            <a:avLst/>
+          </a:prstGeom>
+          <a:noFill/>
+          <a:ln>
+            <a:noFill/>
+          </a:ln>
+        </p:spPr>
+        <p:txBody>
+          <a:bodyPr anchorCtr="0" anchor="ctr" bIns="0" lIns="0" spcFirstLastPara="1" rIns="0" wrap="square" tIns="0">
+            <a:noAutofit/>
+          </a:bodyPr>
+          <a:lstStyle/>
+          <a:p>
+            <a:pPr indent="0" lvl="0" marL="0" rtl="0" algn="l">
+              <a:lnSpc>
+                <a:spcPct val="90000"/>
+              </a:lnSpc>
+              <a:spcBef>
+                <a:spcPts val="0"/>
+              </a:spcBef>
+              <a:spcAft>
+                <a:spcPts val="0"/>
+              </a:spcAft>
+              <a:buClr>
+                <a:srgbClr val="525252"/>
+              </a:buClr>
+              <a:buSzPts val="4000"/>
+              <a:buFont typeface="Calibri"/>
+              <a:buNone/>
+            </a:pPr>
+            <a:r>
+              <a:rPr lang="en-US"/>
+              <a:t>LLVM backend pipeline (overview)</a:t>
+            </a:r>
+            <a:endParaRPr/>
+          </a:p>
+        </p:txBody>
+      </p:sp>
+      <p:pic>
+        <p:nvPicPr>
+          <p:cNvPr descr="Overview | Getting Started with LLVM Core Libraries" id="137" name="Google Shape;137;p4"/>
+          <p:cNvPicPr preferRelativeResize="0"/>
+          <p:nvPr>
+            <p:ph idx="1" type="body"/>
+          </p:nvPr>
+        </p:nvPicPr>
+        <p:blipFill rotWithShape="1">
+          <a:blip r:embed="rId3">
+            <a:alphaModFix/>
+          </a:blip>
+          <a:srcRect b="0" l="0" r="0" t="0"/>
+          <a:stretch/>
+        </p:blipFill>
+        <p:spPr>
+          <a:xfrm>
+            <a:off x="847724" y="1726598"/>
+            <a:ext cx="11010900" cy="3428400"/>
+          </a:xfrm>
+          <a:prstGeom prst="rect">
+            <a:avLst/>
+          </a:prstGeom>
+          <a:noFill/>
+          <a:ln>
+            <a:noFill/>
+          </a:ln>
+        </p:spPr>
+      </p:pic>
+      <p:sp>
+        <p:nvSpPr>
+          <p:cNvPr id="138" name="Google Shape;138;p4"/>
+          <p:cNvSpPr txBox="1"/>
+          <p:nvPr/>
+        </p:nvSpPr>
+        <p:spPr>
+          <a:xfrm>
+            <a:off x="2425025" y="5357600"/>
+            <a:ext cx="7303500" cy="400200"/>
+          </a:xfrm>
+          <a:prstGeom prst="rect">
+            <a:avLst/>
+          </a:prstGeom>
+          <a:noFill/>
+          <a:ln>
+            <a:noFill/>
+          </a:ln>
+        </p:spPr>
+        <p:txBody>
+          <a:bodyPr anchorCtr="0" anchor="t" bIns="91425" lIns="91425" spcFirstLastPara="1" rIns="91425" wrap="square" tIns="91425">
+            <a:spAutoFit/>
+          </a:bodyPr>
+          <a:lstStyle/>
+          <a:p>
+            <a:pPr indent="0" lvl="0" marL="0" rtl="0" algn="l">
+              <a:spcBef>
+                <a:spcPts val="0"/>
+              </a:spcBef>
+              <a:spcAft>
+                <a:spcPts val="0"/>
+              </a:spcAft>
+              <a:buNone/>
+            </a:pPr>
+            <a:r>
+              <a:rPr lang="en-US" u="sng">
+                <a:solidFill>
+                  <a:schemeClr val="dk1"/>
+                </a:solidFill>
+                <a:hlinkClick r:id="rId4">
+                  <a:extLst>
+                    <a:ext uri="{A12FA001-AC4F-418D-AE19-62706E023703}">
+                      <ahyp:hlinkClr val="tx"/>
+                    </a:ext>
+                  </a:extLst>
+                </a:hlinkClick>
+              </a:rPr>
+              <a:t>https://getting-started-with-llvm-core-libraries-zh-cn.readthedocs.io/zh-cn/latest/ch06.html</a:t>
+            </a:r>
+            <a:r>
+              <a:rPr lang="en-US">
+                <a:solidFill>
+                  <a:schemeClr val="dk1"/>
+                </a:solidFill>
+              </a:rPr>
+              <a:t> </a:t>
+            </a:r>
+            <a:endParaRPr>
+              <a:solidFill>
+                <a:schemeClr val="dk1"/>
+              </a:solidFill>
+            </a:endParaRPr>
+          </a:p>
+        </p:txBody>
+      </p:sp>
+    </p:spTree>
+  </p:cSld>
+  <p:clrMapOvr>
+    <a:masterClrMapping/>
+  </p:clrMapOvr>
+  <mc:AlternateContent>
+    <mc:Choice Requires="p14">
+      <p:transition spd="slow" p14:dur="700">
+        <p:fade/>
+      </p:transition>
+    </mc:Choice>
+    <mc:Fallback>
+      <p:transition spd="slow">
+        <p:fade/>
+      </p:transition>
+    </mc:Fallback>
+  </mc:AlternateContent>
+</p:sld>
+</file>
+
+<file path=ppt/slides/slide6.xml><?xml version="1.0" encoding="utf-8"?>
+<p:sld xmlns:a="http://schemas.openxmlformats.org/drawingml/2006/main" xmlns:r="http://schemas.openxmlformats.org/officeDocument/2006/relationships" xmlns:mc="http://schemas.openxmlformats.org/markup-compatibility/2006" xmlns:mv="urn:schemas-microsoft-com:mac:vml" xmlns:p="http://schemas.openxmlformats.org/presentationml/2006/main" xmlns:c="http://schemas.openxmlformats.org/drawingml/2006/chart" xmlns:dgm="http://schemas.openxmlformats.org/drawingml/2006/diagram" xmlns:o="urn:schemas-microsoft-com:office:office" xmlns:v="urn:schemas-microsoft-com:vml" xmlns:pvml="urn:schemas-microsoft-com:office:powerpoint" xmlns:com="http://schemas.openxmlformats.org/drawingml/2006/compatibility" xmlns:p14="http://schemas.microsoft.com/office/powerpoint/2010/main" xmlns:p15="http://schemas.microsoft.com/office/powerpoint/2012/main" xmlns:ahyp="http://schemas.microsoft.com/office/drawing/2018/hyperlinkcolor">
+  <p:cSld>
+    <p:spTree>
+      <p:nvGrpSpPr>
+        <p:cNvPr id="143" name="Shape 143"/>
+        <p:cNvGrpSpPr/>
+        <p:nvPr/>
+      </p:nvGrpSpPr>
+      <p:grpSpPr>
+        <a:xfrm>
+          <a:off x="0" y="0"/>
+          <a:ext cx="0" cy="0"/>
+          <a:chOff x="0" y="0"/>
+          <a:chExt cx="0" cy="0"/>
+        </a:xfrm>
+      </p:grpSpPr>
+      <p:sp>
+        <p:nvSpPr>
+          <p:cNvPr id="144" name="Google Shape;144;g2c7e46875cf_0_213"/>
           <p:cNvSpPr txBox="1"/>
           <p:nvPr>
             <p:ph type="title"/>
@@ -26496,7 +28565,7 @@
       </p:sp>
       <p:pic>
         <p:nvPicPr>
-          <p:cNvPr id="132" name="Google Shape;132;g2c7e46875cf_0_213"/>
+          <p:cNvPr id="145" name="Google Shape;145;g2c7e46875cf_0_213"/>
           <p:cNvPicPr preferRelativeResize="0"/>
           <p:nvPr/>
         </p:nvPicPr>
@@ -26523,7 +28592,7 @@
       </p:pic>
       <p:sp>
         <p:nvSpPr>
-          <p:cNvPr id="133" name="Google Shape;133;g2c7e46875cf_0_213"/>
+          <p:cNvPr id="146" name="Google Shape;146;g2c7e46875cf_0_213"/>
           <p:cNvSpPr txBox="1"/>
           <p:nvPr/>
         </p:nvSpPr>
@@ -26579,6 +28648,71 @@
           </a:p>
         </p:txBody>
       </p:sp>
+      <p:sp>
+        <p:nvSpPr>
+          <p:cNvPr id="147" name="Google Shape;147;g2c7e46875cf_0_213"/>
+          <p:cNvSpPr txBox="1"/>
+          <p:nvPr/>
+        </p:nvSpPr>
+        <p:spPr>
+          <a:xfrm>
+            <a:off x="4202275" y="4491575"/>
+            <a:ext cx="3749100" cy="400200"/>
+          </a:xfrm>
+          <a:prstGeom prst="rect">
+            <a:avLst/>
+          </a:prstGeom>
+          <a:noFill/>
+          <a:ln>
+            <a:noFill/>
+          </a:ln>
+        </p:spPr>
+        <p:txBody>
+          <a:bodyPr anchorCtr="0" anchor="t" bIns="91425" lIns="91425" spcFirstLastPara="1" rIns="91425" wrap="square" tIns="91425">
+            <a:spAutoFit/>
+          </a:bodyPr>
+          <a:lstStyle/>
+          <a:p>
+            <a:pPr indent="0" lvl="0" marL="0" rtl="0" algn="l">
+              <a:spcBef>
+                <a:spcPts val="0"/>
+              </a:spcBef>
+              <a:spcAft>
+                <a:spcPts val="0"/>
+              </a:spcAft>
+              <a:buNone/>
+            </a:pPr>
+            <a:r>
+              <a:rPr lang="en-US" u="sng">
+                <a:solidFill>
+                  <a:schemeClr val="dk1"/>
+                </a:solidFill>
+                <a:hlinkClick r:id="rId4">
+                  <a:extLst>
+                    <a:ext uri="{A12FA001-AC4F-418D-AE19-62706E023703}">
+                      <ahyp:hlinkClr val="tx"/>
+                    </a:ext>
+                  </a:extLst>
+                </a:hlinkClick>
+              </a:rPr>
+              <a:t>https://llvm.org/docs/GlobalISel/Pipeline.html</a:t>
+            </a:r>
+            <a:r>
+              <a:rPr lang="en-US">
+                <a:solidFill>
+                  <a:schemeClr val="dk1"/>
+                </a:solidFill>
+              </a:rPr>
+              <a:t> </a:t>
+            </a:r>
+            <a:endParaRPr>
+              <a:solidFill>
+                <a:schemeClr val="dk1"/>
+              </a:solidFill>
+            </a:endParaRPr>
+          </a:p>
+        </p:txBody>
+      </p:sp>
     </p:spTree>
   </p:cSld>
   <p:clrMapOvr>
@@ -26587,12 +28721,12 @@
 </p:sld>
 </file>
 
-<file path=ppt/slides/slide6.xml><?xml version="1.0" encoding="utf-8"?>
+<file path=ppt/slides/slide7.xml><?xml version="1.0" encoding="utf-8"?>
 <p:sld xmlns:a="http://schemas.openxmlformats.org/drawingml/2006/main" xmlns:r="http://schemas.openxmlformats.org/officeDocument/2006/relationships" xmlns:mc="http://schemas.openxmlformats.org/markup-compatibility/2006" xmlns:mv="urn:schemas-microsoft-com:mac:vml" xmlns:p="http://schemas.openxmlformats.org/presentationml/2006/main" xmlns:c="http://schemas.openxmlformats.org/drawingml/2006/chart" xmlns:dgm="http://schemas.openxmlformats.org/drawingml/2006/diagram" xmlns:o="urn:schemas-microsoft-com:office:office" xmlns:v="urn:schemas-microsoft-com:vml" xmlns:pvml="urn:schemas-microsoft-com:office:powerpoint" xmlns:com="http://schemas.openxmlformats.org/drawingml/2006/compatibility" xmlns:p14="http://schemas.microsoft.com/office/powerpoint/2010/main" xmlns:p15="http://schemas.microsoft.com/office/powerpoint/2012/main" xmlns:ahyp="http://schemas.microsoft.com/office/drawing/2018/hyperlinkcolor">
   <p:cSld>
     <p:spTree>
       <p:nvGrpSpPr>
-        <p:cNvPr id="137" name="Shape 137"/>
+        <p:cNvPr id="151" name="Shape 151"/>
         <p:cNvGrpSpPr/>
         <p:nvPr/>
       </p:nvGrpSpPr>
@@ -26606,7 +28740,7 @@
       </p:grpSpPr>
       <p:sp>
         <p:nvSpPr>
-          <p:cNvPr id="138" name="Google Shape;138;p5"/>
+          <p:cNvPr id="152" name="Google Shape;152;p5"/>
           <p:cNvSpPr txBox="1"/>
           <p:nvPr>
             <p:ph type="title"/>
@@ -26658,7 +28792,7 @@
       </p:sp>
       <p:sp>
         <p:nvSpPr>
-          <p:cNvPr id="139" name="Google Shape;139;p5"/>
+          <p:cNvPr id="153" name="Google Shape;153;p5"/>
           <p:cNvSpPr txBox="1"/>
           <p:nvPr>
             <p:ph idx="1" type="body"/>
@@ -26666,8 +28800,8 @@
         </p:nvSpPr>
         <p:spPr>
           <a:xfrm>
-            <a:off x="571370" y="1673454"/>
-            <a:ext cx="11010900" cy="4574947"/>
+            <a:off x="435175" y="1303500"/>
+            <a:ext cx="11010900" cy="1898400"/>
           </a:xfrm>
           <a:prstGeom prst="rect">
             <a:avLst/>
@@ -26728,57 +28862,208 @@
             </a:r>
             <a:endParaRPr/>
           </a:p>
+          <a:p>
+            <a:pPr indent="0" lvl="0" marL="0" rtl="0" algn="l">
+              <a:lnSpc>
+                <a:spcPct val="90000"/>
+              </a:lnSpc>
+              <a:spcBef>
+                <a:spcPts val="1000"/>
+              </a:spcBef>
+              <a:spcAft>
+                <a:spcPts val="0"/>
+              </a:spcAft>
+              <a:buNone/>
+            </a:pPr>
+            <a:r>
+              <a:rPr i="1" lang="en-US" sz="2200"/>
+              <a:t>In case of LLVM compiler: LLVM IR → MIR (Machine IR)</a:t>
+            </a:r>
+            <a:endParaRPr i="1" sz="2200"/>
+          </a:p>
         </p:txBody>
       </p:sp>
-    </p:spTree>
-  </p:cSld>
-  <p:clrMapOvr>
-    <a:masterClrMapping/>
-  </p:clrMapOvr>
-  <mc:AlternateContent>
-    <mc:Choice Requires="p14">
-      <p:transition spd="slow" p14:dur="700">
-        <p:fade/>
-      </p:transition>
-    </mc:Choice>
-    <mc:Fallback>
-      <p:transition spd="slow">
-        <p:fade/>
-      </p:transition>
-    </mc:Fallback>
-  </mc:AlternateContent>
-</p:sld>
-</file>
-
-<file path=ppt/slides/slide7.xml><?xml version="1.0" encoding="utf-8"?>
-<p:sld xmlns:a="http://schemas.openxmlformats.org/drawingml/2006/main" xmlns:r="http://schemas.openxmlformats.org/officeDocument/2006/relationships" xmlns:mc="http://schemas.openxmlformats.org/markup-compatibility/2006" xmlns:mv="urn:schemas-microsoft-com:mac:vml" xmlns:p="http://schemas.openxmlformats.org/presentationml/2006/main" xmlns:c="http://schemas.openxmlformats.org/drawingml/2006/chart" xmlns:dgm="http://schemas.openxmlformats.org/drawingml/2006/diagram" xmlns:o="urn:schemas-microsoft-com:office:office" xmlns:v="urn:schemas-microsoft-com:vml" xmlns:pvml="urn:schemas-microsoft-com:office:powerpoint" xmlns:com="http://schemas.openxmlformats.org/drawingml/2006/compatibility" xmlns:p14="http://schemas.microsoft.com/office/powerpoint/2010/main" xmlns:p15="http://schemas.microsoft.com/office/powerpoint/2012/main" xmlns:ahyp="http://schemas.microsoft.com/office/drawing/2018/hyperlinkcolor">
-  <p:cSld>
-    <p:spTree>
-      <p:nvGrpSpPr>
-        <p:cNvPr id="143" name="Shape 143"/>
-        <p:cNvGrpSpPr/>
-        <p:nvPr/>
-      </p:nvGrpSpPr>
-      <p:grpSpPr>
-        <a:xfrm>
-          <a:off x="0" y="0"/>
-          <a:ext cx="0" cy="0"/>
-          <a:chOff x="0" y="0"/>
-          <a:chExt cx="0" cy="0"/>
-        </a:xfrm>
-      </p:grpSpPr>
-      <p:sp>
-        <p:nvSpPr>
-          <p:cNvPr id="144" name="Google Shape;144;p6"/>
-          <p:cNvSpPr txBox="1"/>
-          <p:nvPr>
-            <p:ph type="title"/>
-          </p:nvPr>
-        </p:nvSpPr>
+      <p:grpSp>
+        <p:nvGrpSpPr>
+          <p:cNvPr id="154" name="Google Shape;154;p5"/>
+          <p:cNvGrpSpPr/>
+          <p:nvPr/>
+        </p:nvGrpSpPr>
+        <p:grpSpPr>
+          <a:xfrm>
+            <a:off x="77275" y="6358538"/>
+            <a:ext cx="5188500" cy="445275"/>
+            <a:chOff x="289925" y="5611838"/>
+            <a:chExt cx="5188500" cy="445275"/>
+          </a:xfrm>
+        </p:grpSpPr>
+        <p:sp>
+          <p:nvSpPr>
+            <p:cNvPr id="155" name="Google Shape;155;p5"/>
+            <p:cNvSpPr/>
+            <p:nvPr/>
+          </p:nvSpPr>
+          <p:spPr>
+            <a:xfrm>
+              <a:off x="289925" y="5611850"/>
+              <a:ext cx="5188500" cy="445200"/>
+            </a:xfrm>
+            <a:prstGeom prst="rect">
+              <a:avLst/>
+            </a:prstGeom>
+            <a:solidFill>
+              <a:srgbClr val="FFFFFF"/>
+            </a:solidFill>
+            <a:ln cap="flat" cmpd="sng" w="9525">
+              <a:solidFill>
+                <a:srgbClr val="000000"/>
+              </a:solidFill>
+              <a:prstDash val="solid"/>
+              <a:round/>
+              <a:headEnd len="sm" w="sm" type="none"/>
+              <a:tailEnd len="sm" w="sm" type="none"/>
+            </a:ln>
+          </p:spPr>
+          <p:txBody>
+            <a:bodyPr anchorCtr="0" anchor="ctr" bIns="91425" lIns="91425" spcFirstLastPara="1" rIns="91425" wrap="square" tIns="91425">
+              <a:noAutofit/>
+            </a:bodyPr>
+            <a:lstStyle/>
+            <a:p>
+              <a:pPr indent="0" lvl="0" marL="0" rtl="0" algn="l">
+                <a:spcBef>
+                  <a:spcPts val="0"/>
+                </a:spcBef>
+                <a:spcAft>
+                  <a:spcPts val="0"/>
+                </a:spcAft>
+                <a:buNone/>
+              </a:pPr>
+              <a:r>
+                <a:t/>
+              </a:r>
+              <a:endParaRPr sz="2400">
+                <a:solidFill>
+                  <a:srgbClr val="000000"/>
+                </a:solidFill>
+              </a:endParaRPr>
+            </a:p>
+          </p:txBody>
+        </p:sp>
+        <p:pic>
+          <p:nvPicPr>
+            <p:cNvPr id="156" name="Google Shape;156;p5"/>
+            <p:cNvPicPr preferRelativeResize="0"/>
+            <p:nvPr/>
+          </p:nvPicPr>
+          <p:blipFill>
+            <a:blip r:embed="rId3">
+              <a:alphaModFix/>
+            </a:blip>
+            <a:stretch>
+              <a:fillRect/>
+            </a:stretch>
+          </p:blipFill>
+          <p:spPr>
+            <a:xfrm>
+              <a:off x="289925" y="5611838"/>
+              <a:ext cx="445275" cy="445275"/>
+            </a:xfrm>
+            <a:prstGeom prst="rect">
+              <a:avLst/>
+            </a:prstGeom>
+            <a:noFill/>
+            <a:ln>
+              <a:noFill/>
+            </a:ln>
+          </p:spPr>
+        </p:pic>
+        <p:sp>
+          <p:nvSpPr>
+            <p:cNvPr id="157" name="Google Shape;157;p5"/>
+            <p:cNvSpPr/>
+            <p:nvPr/>
+          </p:nvSpPr>
+          <p:spPr>
+            <a:xfrm>
+              <a:off x="777375" y="5611850"/>
+              <a:ext cx="4701000" cy="445200"/>
+            </a:xfrm>
+            <a:prstGeom prst="rect">
+              <a:avLst/>
+            </a:prstGeom>
+            <a:solidFill>
+              <a:srgbClr val="FFFFFF"/>
+            </a:solidFill>
+            <a:ln cap="flat" cmpd="sng" w="9525">
+              <a:solidFill>
+                <a:srgbClr val="000000"/>
+              </a:solidFill>
+              <a:prstDash val="solid"/>
+              <a:round/>
+              <a:headEnd len="sm" w="sm" type="none"/>
+              <a:tailEnd len="sm" w="sm" type="none"/>
+            </a:ln>
+          </p:spPr>
+          <p:txBody>
+            <a:bodyPr anchorCtr="0" anchor="ctr" bIns="91425" lIns="91425" spcFirstLastPara="1" rIns="91425" wrap="square" tIns="91425">
+              <a:noAutofit/>
+            </a:bodyPr>
+            <a:lstStyle/>
+            <a:p>
+              <a:pPr indent="0" lvl="0" marL="0" rtl="0" algn="l">
+                <a:lnSpc>
+                  <a:spcPct val="90000"/>
+                </a:lnSpc>
+                <a:spcBef>
+                  <a:spcPts val="0"/>
+                </a:spcBef>
+                <a:spcAft>
+                  <a:spcPts val="0"/>
+                </a:spcAft>
+                <a:buClr>
+                  <a:srgbClr val="000000"/>
+                </a:buClr>
+                <a:buSzPts val="2400"/>
+                <a:buFont typeface="Arial"/>
+                <a:buNone/>
+              </a:pPr>
+              <a:r>
+                <a:rPr lang="en-US" sz="2400" u="sng">
+                  <a:solidFill>
+                    <a:schemeClr val="hlink"/>
+                  </a:solidFill>
+                  <a:hlinkClick r:id="rId4"/>
+                </a:rPr>
+                <a:t>https://godbolt.org/z/d33c1P99M</a:t>
+              </a:r>
+              <a:r>
+                <a:rPr lang="en-US" sz="2400"/>
+                <a:t> </a:t>
+              </a:r>
+              <a:endParaRPr sz="2400"/>
+            </a:p>
+          </p:txBody>
+        </p:sp>
+      </p:grpSp>
+      <p:pic>
+        <p:nvPicPr>
+          <p:cNvPr id="158" name="Google Shape;158;p5"/>
+          <p:cNvPicPr preferRelativeResize="0"/>
+          <p:nvPr/>
+        </p:nvPicPr>
+        <p:blipFill>
+          <a:blip r:embed="rId5">
+            <a:alphaModFix/>
+          </a:blip>
+          <a:stretch>
+            <a:fillRect/>
+          </a:stretch>
+        </p:blipFill>
         <p:spPr>
           <a:xfrm>
-            <a:off x="571370" y="571500"/>
-            <a:ext cx="11010816" cy="952499"/>
+            <a:off x="843669" y="3201775"/>
+            <a:ext cx="4467649" cy="3046500"/>
           </a:xfrm>
           <a:prstGeom prst="rect">
             <a:avLst/>
@@ -26788,334 +29073,25 @@
             <a:noFill/>
           </a:ln>
         </p:spPr>
-        <p:txBody>
-          <a:bodyPr anchorCtr="0" anchor="ctr" bIns="0" lIns="0" spcFirstLastPara="1" rIns="0" wrap="square" tIns="0">
-            <a:noAutofit/>
-          </a:bodyPr>
-          <a:lstStyle/>
-          <a:p>
-            <a:pPr indent="0" lvl="0" marL="0" rtl="0" algn="l">
-              <a:lnSpc>
-                <a:spcPct val="90000"/>
-              </a:lnSpc>
-              <a:spcBef>
-                <a:spcPts val="0"/>
-              </a:spcBef>
-              <a:spcAft>
-                <a:spcPts val="0"/>
-              </a:spcAft>
-              <a:buClr>
-                <a:srgbClr val="525252"/>
-              </a:buClr>
-              <a:buSzPts val="4000"/>
-              <a:buFont typeface="Calibri"/>
-              <a:buNone/>
-            </a:pPr>
-            <a:r>
-              <a:rPr lang="en-US"/>
-              <a:t>Methods</a:t>
-            </a:r>
-            <a:endParaRPr/>
-          </a:p>
-        </p:txBody>
-      </p:sp>
-      <p:sp>
-        <p:nvSpPr>
-          <p:cNvPr id="145" name="Google Shape;145;p6"/>
-          <p:cNvSpPr txBox="1"/>
-          <p:nvPr>
-            <p:ph idx="1" type="body"/>
-          </p:nvPr>
-        </p:nvSpPr>
-        <p:spPr>
-          <a:xfrm>
-            <a:off x="571370" y="1673454"/>
-            <a:ext cx="11010900" cy="4574947"/>
-          </a:xfrm>
-          <a:prstGeom prst="rect">
-            <a:avLst/>
-          </a:prstGeom>
-          <a:noFill/>
-          <a:ln>
-            <a:noFill/>
-          </a:ln>
-        </p:spPr>
-        <p:txBody>
-          <a:bodyPr anchorCtr="0" anchor="t" bIns="45700" lIns="91425" spcFirstLastPara="1" rIns="91425" wrap="square" tIns="45700">
-            <a:normAutofit/>
-          </a:bodyPr>
-          <a:lstStyle/>
-          <a:p>
-            <a:pPr indent="-228600" lvl="0" marL="228600" rtl="0" algn="l">
-              <a:lnSpc>
-                <a:spcPct val="90000"/>
-              </a:lnSpc>
-              <a:spcBef>
-                <a:spcPts val="0"/>
-              </a:spcBef>
-              <a:spcAft>
-                <a:spcPts val="0"/>
-              </a:spcAft>
-              <a:buClr>
-                <a:schemeClr val="dk1"/>
-              </a:buClr>
-              <a:buSzPts val="2800"/>
-              <a:buChar char="•"/>
-            </a:pPr>
-            <a:r>
-              <a:rPr lang="en-US"/>
-              <a:t>Macro expansion</a:t>
-            </a:r>
-            <a:endParaRPr/>
-          </a:p>
-          <a:p>
-            <a:pPr indent="-228600" lvl="1" marL="685800" rtl="0" algn="l">
-              <a:lnSpc>
-                <a:spcPct val="90000"/>
-              </a:lnSpc>
-              <a:spcBef>
-                <a:spcPts val="500"/>
-              </a:spcBef>
-              <a:spcAft>
-                <a:spcPts val="0"/>
-              </a:spcAft>
-              <a:buClr>
-                <a:schemeClr val="dk1"/>
-              </a:buClr>
-              <a:buSzPts val="2400"/>
-              <a:buChar char="•"/>
-            </a:pPr>
-            <a:r>
-              <a:rPr lang="en-US"/>
-              <a:t>Replace all IR instructions by matching templates</a:t>
-            </a:r>
-            <a:endParaRPr/>
-          </a:p>
-          <a:p>
-            <a:pPr indent="-228600" lvl="0" marL="228600" rtl="0" algn="l">
-              <a:lnSpc>
-                <a:spcPct val="90000"/>
-              </a:lnSpc>
-              <a:spcBef>
-                <a:spcPts val="1000"/>
-              </a:spcBef>
-              <a:spcAft>
-                <a:spcPts val="0"/>
-              </a:spcAft>
-              <a:buClr>
-                <a:schemeClr val="dk1"/>
-              </a:buClr>
-              <a:buSzPts val="2800"/>
-              <a:buChar char="•"/>
-            </a:pPr>
-            <a:r>
-              <a:rPr lang="en-US"/>
-              <a:t>Graph covering</a:t>
-            </a:r>
-            <a:endParaRPr/>
-          </a:p>
-          <a:p>
-            <a:pPr indent="-228600" lvl="1" marL="685800" rtl="0" algn="l">
-              <a:lnSpc>
-                <a:spcPct val="90000"/>
-              </a:lnSpc>
-              <a:spcBef>
-                <a:spcPts val="500"/>
-              </a:spcBef>
-              <a:spcAft>
-                <a:spcPts val="0"/>
-              </a:spcAft>
-              <a:buClr>
-                <a:schemeClr val="dk1"/>
-              </a:buClr>
-              <a:buSzPts val="2400"/>
-              <a:buChar char="•"/>
-            </a:pPr>
-            <a:r>
-              <a:rPr lang="en-US"/>
-              <a:t>Transform IR into graph</a:t>
-            </a:r>
-            <a:endParaRPr/>
-          </a:p>
-          <a:p>
-            <a:pPr indent="-228600" lvl="1" marL="685800" rtl="0" algn="l">
-              <a:lnSpc>
-                <a:spcPct val="90000"/>
-              </a:lnSpc>
-              <a:spcBef>
-                <a:spcPts val="500"/>
-              </a:spcBef>
-              <a:spcAft>
-                <a:spcPts val="0"/>
-              </a:spcAft>
-              <a:buClr>
-                <a:schemeClr val="dk1"/>
-              </a:buClr>
-              <a:buSzPts val="2400"/>
-              <a:buChar char="•"/>
-            </a:pPr>
-            <a:r>
-              <a:rPr lang="en-US"/>
-              <a:t>Cover graph with patterns – templates that match a portion of a graph</a:t>
-            </a:r>
-            <a:endParaRPr/>
-          </a:p>
-          <a:p>
-            <a:pPr indent="-228600" lvl="0" marL="228600" rtl="0" algn="l">
-              <a:lnSpc>
-                <a:spcPct val="90000"/>
-              </a:lnSpc>
-              <a:spcBef>
-                <a:spcPts val="1000"/>
-              </a:spcBef>
-              <a:spcAft>
-                <a:spcPts val="0"/>
-              </a:spcAft>
-              <a:buClr>
-                <a:schemeClr val="dk1"/>
-              </a:buClr>
-              <a:buSzPts val="2800"/>
-              <a:buChar char="•"/>
-            </a:pPr>
-            <a:r>
-              <a:rPr lang="en-US"/>
-              <a:t>Lowest common denominator strategy</a:t>
-            </a:r>
-            <a:endParaRPr/>
-          </a:p>
-          <a:p>
-            <a:pPr indent="-228600" lvl="1" marL="685800" rtl="0" algn="l">
-              <a:lnSpc>
-                <a:spcPct val="90000"/>
-              </a:lnSpc>
-              <a:spcBef>
-                <a:spcPts val="500"/>
-              </a:spcBef>
-              <a:spcAft>
-                <a:spcPts val="0"/>
-              </a:spcAft>
-              <a:buClr>
-                <a:schemeClr val="dk1"/>
-              </a:buClr>
-              <a:buSzPts val="2400"/>
-              <a:buChar char="•"/>
-            </a:pPr>
-            <a:r>
-              <a:rPr lang="en-US"/>
-              <a:t>Attempt to select instructions that would allow execution on the widest range of hardware</a:t>
-            </a:r>
-            <a:endParaRPr/>
-          </a:p>
-        </p:txBody>
-      </p:sp>
-    </p:spTree>
-  </p:cSld>
-  <p:clrMapOvr>
-    <a:masterClrMapping/>
-  </p:clrMapOvr>
-  <mc:AlternateContent>
-    <mc:Choice Requires="p14">
-      <p:transition spd="slow" p14:dur="700">
-        <p:fade/>
-      </p:transition>
-    </mc:Choice>
-    <mc:Fallback>
-      <p:transition spd="slow">
-        <p:fade/>
-      </p:transition>
-    </mc:Fallback>
-  </mc:AlternateContent>
-</p:sld>
-</file>
-
-<file path=ppt/slides/slide8.xml><?xml version="1.0" encoding="utf-8"?>
-<p:sld xmlns:a="http://schemas.openxmlformats.org/drawingml/2006/main" xmlns:r="http://schemas.openxmlformats.org/officeDocument/2006/relationships" xmlns:mc="http://schemas.openxmlformats.org/markup-compatibility/2006" xmlns:mv="urn:schemas-microsoft-com:mac:vml" xmlns:p="http://schemas.openxmlformats.org/presentationml/2006/main" xmlns:c="http://schemas.openxmlformats.org/drawingml/2006/chart" xmlns:dgm="http://schemas.openxmlformats.org/drawingml/2006/diagram" xmlns:o="urn:schemas-microsoft-com:office:office" xmlns:v="urn:schemas-microsoft-com:vml" xmlns:pvml="urn:schemas-microsoft-com:office:powerpoint" xmlns:com="http://schemas.openxmlformats.org/drawingml/2006/compatibility" xmlns:p14="http://schemas.microsoft.com/office/powerpoint/2010/main" xmlns:p15="http://schemas.microsoft.com/office/powerpoint/2012/main" xmlns:ahyp="http://schemas.microsoft.com/office/drawing/2018/hyperlinkcolor">
-  <p:cSld>
-    <p:spTree>
-      <p:nvGrpSpPr>
-        <p:cNvPr id="149" name="Shape 149"/>
-        <p:cNvGrpSpPr/>
-        <p:nvPr/>
-      </p:nvGrpSpPr>
-      <p:grpSpPr>
-        <a:xfrm>
-          <a:off x="0" y="0"/>
-          <a:ext cx="0" cy="0"/>
-          <a:chOff x="0" y="0"/>
-          <a:chExt cx="0" cy="0"/>
-        </a:xfrm>
-      </p:grpSpPr>
-      <p:sp>
-        <p:nvSpPr>
-          <p:cNvPr id="150" name="Google Shape;150;p7"/>
-          <p:cNvSpPr txBox="1"/>
-          <p:nvPr>
-            <p:ph type="title"/>
-          </p:nvPr>
-        </p:nvSpPr>
-        <p:spPr>
-          <a:xfrm>
-            <a:off x="571370" y="571500"/>
-            <a:ext cx="11010816" cy="952499"/>
-          </a:xfrm>
-          <a:prstGeom prst="rect">
-            <a:avLst/>
-          </a:prstGeom>
-          <a:noFill/>
-          <a:ln>
-            <a:noFill/>
-          </a:ln>
-        </p:spPr>
-        <p:txBody>
-          <a:bodyPr anchorCtr="0" anchor="ctr" bIns="0" lIns="0" spcFirstLastPara="1" rIns="0" wrap="square" tIns="0">
-            <a:noAutofit/>
-          </a:bodyPr>
-          <a:lstStyle/>
-          <a:p>
-            <a:pPr indent="0" lvl="0" marL="0" rtl="0" algn="l">
-              <a:lnSpc>
-                <a:spcPct val="90000"/>
-              </a:lnSpc>
-              <a:spcBef>
-                <a:spcPts val="0"/>
-              </a:spcBef>
-              <a:spcAft>
-                <a:spcPts val="0"/>
-              </a:spcAft>
-              <a:buClr>
-                <a:srgbClr val="525252"/>
-              </a:buClr>
-              <a:buSzPts val="4000"/>
-              <a:buFont typeface="Calibri"/>
-              <a:buNone/>
-            </a:pPr>
-            <a:r>
-              <a:rPr lang="en-US"/>
-              <a:t>Memory hierarchy</a:t>
-            </a:r>
-            <a:endParaRPr/>
-          </a:p>
-        </p:txBody>
-      </p:sp>
+      </p:pic>
       <p:pic>
         <p:nvPicPr>
-          <p:cNvPr id="151" name="Google Shape;151;p7"/>
+          <p:cNvPr id="159" name="Google Shape;159;p5"/>
           <p:cNvPicPr preferRelativeResize="0"/>
-          <p:nvPr>
-            <p:ph idx="1" type="body"/>
-          </p:nvPr>
+          <p:nvPr/>
         </p:nvPicPr>
-        <p:blipFill rotWithShape="1">
-          <a:blip r:embed="rId3">
+        <p:blipFill>
+          <a:blip r:embed="rId6">
             <a:alphaModFix/>
           </a:blip>
-          <a:srcRect b="0" l="0" r="0" t="0"/>
-          <a:stretch/>
+          <a:stretch>
+            <a:fillRect/>
+          </a:stretch>
         </p:blipFill>
         <p:spPr>
           <a:xfrm>
-            <a:off x="2495690" y="1523999"/>
-            <a:ext cx="7200619" cy="4425220"/>
+            <a:off x="6902175" y="2286000"/>
+            <a:ext cx="5289825" cy="4276199"/>
           </a:xfrm>
           <a:prstGeom prst="rect">
             <a:avLst/>
@@ -27128,14 +29104,71 @@
       </p:pic>
       <p:sp>
         <p:nvSpPr>
-          <p:cNvPr id="152" name="Google Shape;152;p7"/>
+          <p:cNvPr id="160" name="Google Shape;160;p5"/>
+          <p:cNvSpPr/>
+          <p:nvPr/>
+        </p:nvSpPr>
+        <p:spPr>
+          <a:xfrm>
+            <a:off x="5557150" y="4338525"/>
+            <a:ext cx="1099200" cy="690600"/>
+          </a:xfrm>
+          <a:prstGeom prst="rightArrow">
+            <a:avLst>
+              <a:gd fmla="val 50000" name="adj1"/>
+              <a:gd fmla="val 50000" name="adj2"/>
+            </a:avLst>
+          </a:prstGeom>
+          <a:solidFill>
+            <a:schemeClr val="lt2"/>
+          </a:solidFill>
+          <a:ln cap="flat" cmpd="sng" w="9525">
+            <a:solidFill>
+              <a:schemeClr val="dk2"/>
+            </a:solidFill>
+            <a:prstDash val="solid"/>
+            <a:round/>
+            <a:headEnd len="sm" w="sm" type="none"/>
+            <a:tailEnd len="sm" w="sm" type="none"/>
+          </a:ln>
+        </p:spPr>
+        <p:txBody>
+          <a:bodyPr anchorCtr="0" anchor="ctr" bIns="91425" lIns="91425" spcFirstLastPara="1" rIns="91425" wrap="square" tIns="91425">
+            <a:noAutofit/>
+          </a:bodyPr>
+          <a:lstStyle/>
+          <a:p>
+            <a:pPr indent="0" lvl="0" marL="0" rtl="0" algn="ctr">
+              <a:spcBef>
+                <a:spcPts val="0"/>
+              </a:spcBef>
+              <a:spcAft>
+                <a:spcPts val="0"/>
+              </a:spcAft>
+              <a:buNone/>
+            </a:pPr>
+            <a:r>
+              <a:t/>
+            </a:r>
+            <a:endParaRPr>
+              <a:latin typeface="Calibri"/>
+              <a:ea typeface="Calibri"/>
+              <a:cs typeface="Calibri"/>
+              <a:sym typeface="Calibri"/>
+            </a:endParaRPr>
+          </a:p>
+        </p:txBody>
+      </p:sp>
+      <p:sp>
+        <p:nvSpPr>
+          <p:cNvPr id="161" name="Google Shape;161;p5"/>
           <p:cNvSpPr txBox="1"/>
           <p:nvPr/>
         </p:nvSpPr>
         <p:spPr>
           <a:xfrm>
-            <a:off x="2110191" y="6101834"/>
-            <a:ext cx="7933174" cy="369332"/>
+            <a:off x="3891125" y="3258750"/>
+            <a:ext cx="1420200" cy="615600"/>
           </a:xfrm>
           <a:prstGeom prst="rect">
             <a:avLst/>
@@ -27146,62 +29179,105 @@
           </a:ln>
         </p:spPr>
         <p:txBody>
-          <a:bodyPr anchorCtr="0" anchor="t" bIns="45700" lIns="91425" spcFirstLastPara="1" rIns="91425" wrap="square" tIns="45700">
+          <a:bodyPr anchorCtr="0" anchor="t" bIns="91425" lIns="91425" spcFirstLastPara="1" rIns="91425" wrap="square" tIns="91425">
             <a:spAutoFit/>
           </a:bodyPr>
           <a:lstStyle/>
           <a:p>
-            <a:pPr indent="0" lvl="0" marL="0" marR="0" rtl="0" algn="l">
-              <a:lnSpc>
-                <a:spcPct val="100000"/>
-              </a:lnSpc>
-              <a:spcBef>
-                <a:spcPts val="0"/>
-              </a:spcBef>
-              <a:spcAft>
-                <a:spcPts val="0"/>
-              </a:spcAft>
-              <a:buClr>
-                <a:srgbClr val="000000"/>
-              </a:buClr>
-              <a:buSzPts val="1800"/>
-              <a:buFont typeface="Arial"/>
+            <a:pPr indent="0" lvl="0" marL="0" rtl="0" algn="l">
+              <a:spcBef>
+                <a:spcPts val="0"/>
+              </a:spcBef>
+              <a:spcAft>
+                <a:spcPts val="0"/>
+              </a:spcAft>
               <a:buNone/>
             </a:pPr>
             <a:r>
-              <a:rPr b="0" i="0" lang="en-US" sz="1800" u="sng" cap="none" strike="noStrike">
+              <a:rPr lang="en-US" sz="2800">
                 <a:solidFill>
-                  <a:schemeClr val="dk1"/>
-                </a:solidFill>
-                <a:latin typeface="Calibri"/>
-                <a:ea typeface="Calibri"/>
-                <a:cs typeface="Calibri"/>
-                <a:sym typeface="Calibri"/>
-                <a:hlinkClick r:id="rId4">
-                  <a:extLst>
-                    <a:ext uri="{A12FA001-AC4F-418D-AE19-62706E023703}">
-                      <ahyp:hlinkClr val="tx"/>
-                    </a:ext>
-                  </a:extLst>
-                </a:hlinkClick>
-              </a:rPr>
-              <a:t>https://www.geeksforgeeks.org/memory-hierarchy-design-and-its-characteristics/</a:t>
-            </a:r>
-            <a:r>
-              <a:rPr b="0" i="0" lang="en-US" sz="1800" u="none" cap="none" strike="noStrike">
-                <a:solidFill>
-                  <a:schemeClr val="dk1"/>
+                  <a:srgbClr val="FF0000"/>
                 </a:solidFill>
                 <a:latin typeface="Calibri"/>
                 <a:ea typeface="Calibri"/>
                 <a:cs typeface="Calibri"/>
                 <a:sym typeface="Calibri"/>
               </a:rPr>
-              <a:t> </a:t>
+              <a:t>LLVM IR</a:t>
             </a:r>
-            <a:endParaRPr b="0" i="0" sz="1800" u="none" cap="none" strike="noStrike">
+            <a:endParaRPr sz="2800">
               <a:solidFill>
-                <a:schemeClr val="dk1"/>
+                <a:srgbClr val="FF0000"/>
+              </a:solidFill>
+              <a:latin typeface="Calibri"/>
+              <a:ea typeface="Calibri"/>
+              <a:cs typeface="Calibri"/>
+              <a:sym typeface="Calibri"/>
+            </a:endParaRPr>
+          </a:p>
+        </p:txBody>
+      </p:sp>
+      <p:sp>
+        <p:nvSpPr>
+          <p:cNvPr id="162" name="Google Shape;162;p5"/>
+          <p:cNvSpPr txBox="1"/>
+          <p:nvPr/>
+        </p:nvSpPr>
+        <p:spPr>
+          <a:xfrm>
+            <a:off x="11352175" y="2380025"/>
+            <a:ext cx="784800" cy="615600"/>
+          </a:xfrm>
+          <a:prstGeom prst="rect">
+            <a:avLst/>
+          </a:prstGeom>
+          <a:noFill/>
+          <a:ln>
+            <a:noFill/>
+          </a:ln>
+        </p:spPr>
+        <p:txBody>
+          <a:bodyPr anchorCtr="0" anchor="t" bIns="91425" lIns="91425" spcFirstLastPara="1" rIns="91425" wrap="square" tIns="91425">
+            <a:spAutoFit/>
+          </a:bodyPr>
+          <a:lstStyle/>
+          <a:p>
+            <a:pPr indent="0" lvl="0" marL="0" rtl="0" algn="l">
+              <a:spcBef>
+                <a:spcPts val="0"/>
+              </a:spcBef>
+              <a:spcAft>
+                <a:spcPts val="0"/>
+              </a:spcAft>
+              <a:buNone/>
+            </a:pPr>
+            <a:r>
+              <a:rPr lang="en-US" sz="2800">
+                <a:solidFill>
+                  <a:srgbClr val="FF0000"/>
+                </a:solidFill>
+                <a:latin typeface="Calibri"/>
+                <a:ea typeface="Calibri"/>
+                <a:cs typeface="Calibri"/>
+                <a:sym typeface="Calibri"/>
+              </a:rPr>
+              <a:t>MI</a:t>
+            </a:r>
+            <a:r>
+              <a:rPr lang="en-US" sz="2800">
+                <a:solidFill>
+                  <a:srgbClr val="FF0000"/>
+                </a:solidFill>
+                <a:latin typeface="Calibri"/>
+                <a:ea typeface="Calibri"/>
+                <a:cs typeface="Calibri"/>
+                <a:sym typeface="Calibri"/>
+              </a:rPr>
+              <a:t>R</a:t>
+            </a:r>
+            <a:endParaRPr sz="2800">
+              <a:solidFill>
+                <a:srgbClr val="FF0000"/>
               </a:solidFill>
               <a:latin typeface="Calibri"/>
               <a:ea typeface="Calibri"/>
@@ -27231,12 +29307,12 @@
 </p:sld>
 </file>
 
-<file path=ppt/slides/slide9.xml><?xml version="1.0" encoding="utf-8"?>
+<file path=ppt/slides/slide8.xml><?xml version="1.0" encoding="utf-8"?>
 <p:sld xmlns:a="http://schemas.openxmlformats.org/drawingml/2006/main" xmlns:r="http://schemas.openxmlformats.org/officeDocument/2006/relationships" xmlns:mc="http://schemas.openxmlformats.org/markup-compatibility/2006" xmlns:mv="urn:schemas-microsoft-com:mac:vml" xmlns:p="http://schemas.openxmlformats.org/presentationml/2006/main" xmlns:c="http://schemas.openxmlformats.org/drawingml/2006/chart" xmlns:dgm="http://schemas.openxmlformats.org/drawingml/2006/diagram" xmlns:o="urn:schemas-microsoft-com:office:office" xmlns:v="urn:schemas-microsoft-com:vml" xmlns:pvml="urn:schemas-microsoft-com:office:powerpoint" xmlns:com="http://schemas.openxmlformats.org/drawingml/2006/compatibility" xmlns:p14="http://schemas.microsoft.com/office/powerpoint/2010/main" xmlns:p15="http://schemas.microsoft.com/office/powerpoint/2012/main" xmlns:ahyp="http://schemas.microsoft.com/office/drawing/2018/hyperlinkcolor">
   <p:cSld>
     <p:spTree>
       <p:nvGrpSpPr>
-        <p:cNvPr id="156" name="Shape 156"/>
+        <p:cNvPr id="166" name="Shape 166"/>
         <p:cNvGrpSpPr/>
         <p:nvPr/>
       </p:nvGrpSpPr>
@@ -27250,7 +29326,7 @@
       </p:grpSpPr>
       <p:sp>
         <p:nvSpPr>
-          <p:cNvPr id="157" name="Google Shape;157;p8"/>
+          <p:cNvPr id="167" name="Google Shape;167;p6"/>
           <p:cNvSpPr txBox="1"/>
           <p:nvPr>
             <p:ph type="title"/>
@@ -27294,7 +29370,438 @@
             </a:pPr>
             <a:r>
               <a:rPr lang="en-US"/>
-              <a:t>Registers</a:t>
+              <a:t>Instruction selection methods</a:t>
+            </a:r>
+            <a:endParaRPr/>
+          </a:p>
+        </p:txBody>
+      </p:sp>
+      <p:sp>
+        <p:nvSpPr>
+          <p:cNvPr id="168" name="Google Shape;168;p6"/>
+          <p:cNvSpPr txBox="1"/>
+          <p:nvPr>
+            <p:ph idx="1" type="body"/>
+          </p:nvPr>
+        </p:nvSpPr>
+        <p:spPr>
+          <a:xfrm>
+            <a:off x="571370" y="1673454"/>
+            <a:ext cx="11010900" cy="4574947"/>
+          </a:xfrm>
+          <a:prstGeom prst="rect">
+            <a:avLst/>
+          </a:prstGeom>
+          <a:noFill/>
+          <a:ln>
+            <a:noFill/>
+          </a:ln>
+        </p:spPr>
+        <p:txBody>
+          <a:bodyPr anchorCtr="0" anchor="t" bIns="45700" lIns="91425" spcFirstLastPara="1" rIns="91425" wrap="square" tIns="45700">
+            <a:normAutofit/>
+          </a:bodyPr>
+          <a:lstStyle/>
+          <a:p>
+            <a:pPr indent="-228600" lvl="0" marL="228600" rtl="0" algn="l">
+              <a:lnSpc>
+                <a:spcPct val="90000"/>
+              </a:lnSpc>
+              <a:spcBef>
+                <a:spcPts val="0"/>
+              </a:spcBef>
+              <a:spcAft>
+                <a:spcPts val="0"/>
+              </a:spcAft>
+              <a:buClr>
+                <a:schemeClr val="dk1"/>
+              </a:buClr>
+              <a:buSzPts val="2800"/>
+              <a:buChar char="•"/>
+            </a:pPr>
+            <a:r>
+              <a:rPr lang="en-US"/>
+              <a:t>Macro expansion</a:t>
+            </a:r>
+            <a:endParaRPr/>
+          </a:p>
+          <a:p>
+            <a:pPr indent="-228600" lvl="1" marL="685800" rtl="0" algn="l">
+              <a:lnSpc>
+                <a:spcPct val="90000"/>
+              </a:lnSpc>
+              <a:spcBef>
+                <a:spcPts val="500"/>
+              </a:spcBef>
+              <a:spcAft>
+                <a:spcPts val="0"/>
+              </a:spcAft>
+              <a:buClr>
+                <a:schemeClr val="dk1"/>
+              </a:buClr>
+              <a:buSzPts val="2400"/>
+              <a:buChar char="•"/>
+            </a:pPr>
+            <a:r>
+              <a:rPr lang="en-US"/>
+              <a:t>Replace all IR instructions by matching templates</a:t>
+            </a:r>
+            <a:endParaRPr/>
+          </a:p>
+          <a:p>
+            <a:pPr indent="-228600" lvl="0" marL="228600" rtl="0" algn="l">
+              <a:lnSpc>
+                <a:spcPct val="90000"/>
+              </a:lnSpc>
+              <a:spcBef>
+                <a:spcPts val="1000"/>
+              </a:spcBef>
+              <a:spcAft>
+                <a:spcPts val="0"/>
+              </a:spcAft>
+              <a:buClr>
+                <a:schemeClr val="dk1"/>
+              </a:buClr>
+              <a:buSzPts val="2800"/>
+              <a:buChar char="•"/>
+            </a:pPr>
+            <a:r>
+              <a:rPr lang="en-US"/>
+              <a:t>Graph covering</a:t>
+            </a:r>
+            <a:endParaRPr/>
+          </a:p>
+          <a:p>
+            <a:pPr indent="-228600" lvl="1" marL="685800" rtl="0" algn="l">
+              <a:lnSpc>
+                <a:spcPct val="90000"/>
+              </a:lnSpc>
+              <a:spcBef>
+                <a:spcPts val="500"/>
+              </a:spcBef>
+              <a:spcAft>
+                <a:spcPts val="0"/>
+              </a:spcAft>
+              <a:buClr>
+                <a:schemeClr val="dk1"/>
+              </a:buClr>
+              <a:buSzPts val="2400"/>
+              <a:buChar char="•"/>
+            </a:pPr>
+            <a:r>
+              <a:rPr lang="en-US"/>
+              <a:t>Transform IR into graph</a:t>
+            </a:r>
+            <a:endParaRPr/>
+          </a:p>
+          <a:p>
+            <a:pPr indent="-228600" lvl="1" marL="685800" rtl="0" algn="l">
+              <a:lnSpc>
+                <a:spcPct val="90000"/>
+              </a:lnSpc>
+              <a:spcBef>
+                <a:spcPts val="500"/>
+              </a:spcBef>
+              <a:spcAft>
+                <a:spcPts val="0"/>
+              </a:spcAft>
+              <a:buClr>
+                <a:schemeClr val="dk1"/>
+              </a:buClr>
+              <a:buSzPts val="2400"/>
+              <a:buChar char="•"/>
+            </a:pPr>
+            <a:r>
+              <a:rPr lang="en-US"/>
+              <a:t>Cover graph with patterns – templates that match a portion of a graph</a:t>
+            </a:r>
+            <a:endParaRPr/>
+          </a:p>
+          <a:p>
+            <a:pPr indent="-228600" lvl="0" marL="228600" rtl="0" algn="l">
+              <a:lnSpc>
+                <a:spcPct val="90000"/>
+              </a:lnSpc>
+              <a:spcBef>
+                <a:spcPts val="1000"/>
+              </a:spcBef>
+              <a:spcAft>
+                <a:spcPts val="0"/>
+              </a:spcAft>
+              <a:buClr>
+                <a:schemeClr val="dk1"/>
+              </a:buClr>
+              <a:buSzPts val="2800"/>
+              <a:buChar char="•"/>
+            </a:pPr>
+            <a:r>
+              <a:rPr lang="en-US"/>
+              <a:t>Lowest common denominator strategy</a:t>
+            </a:r>
+            <a:endParaRPr/>
+          </a:p>
+          <a:p>
+            <a:pPr indent="-228600" lvl="1" marL="685800" rtl="0" algn="l">
+              <a:lnSpc>
+                <a:spcPct val="90000"/>
+              </a:lnSpc>
+              <a:spcBef>
+                <a:spcPts val="500"/>
+              </a:spcBef>
+              <a:spcAft>
+                <a:spcPts val="0"/>
+              </a:spcAft>
+              <a:buClr>
+                <a:schemeClr val="dk1"/>
+              </a:buClr>
+              <a:buSzPts val="2400"/>
+              <a:buChar char="•"/>
+            </a:pPr>
+            <a:r>
+              <a:rPr lang="en-US"/>
+              <a:t>Attempt to select instructions that would allow execution on the widest range of hardware</a:t>
+            </a:r>
+            <a:endParaRPr/>
+          </a:p>
+        </p:txBody>
+      </p:sp>
+      <p:sp>
+        <p:nvSpPr>
+          <p:cNvPr id="169" name="Google Shape;169;p6"/>
+          <p:cNvSpPr/>
+          <p:nvPr/>
+        </p:nvSpPr>
+        <p:spPr>
+          <a:xfrm>
+            <a:off x="8317150" y="466925"/>
+            <a:ext cx="3161400" cy="318600"/>
+          </a:xfrm>
+          <a:prstGeom prst="roundRect">
+            <a:avLst>
+              <a:gd fmla="val 16667" name="adj"/>
+            </a:avLst>
+          </a:prstGeom>
+          <a:solidFill>
+            <a:schemeClr val="lt2"/>
+          </a:solidFill>
+          <a:ln cap="flat" cmpd="sng" w="9525">
+            <a:solidFill>
+              <a:schemeClr val="dk2"/>
+            </a:solidFill>
+            <a:prstDash val="solid"/>
+            <a:round/>
+            <a:headEnd len="sm" w="sm" type="none"/>
+            <a:tailEnd len="sm" w="sm" type="none"/>
+          </a:ln>
+        </p:spPr>
+        <p:txBody>
+          <a:bodyPr anchorCtr="0" anchor="ctr" bIns="91425" lIns="91425" spcFirstLastPara="1" rIns="91425" wrap="square" tIns="91425">
+            <a:noAutofit/>
+          </a:bodyPr>
+          <a:lstStyle/>
+          <a:p>
+            <a:pPr indent="0" lvl="0" marL="0" rtl="0" algn="ctr">
+              <a:spcBef>
+                <a:spcPts val="0"/>
+              </a:spcBef>
+              <a:spcAft>
+                <a:spcPts val="0"/>
+              </a:spcAft>
+              <a:buNone/>
+            </a:pPr>
+            <a:r>
+              <a:rPr lang="en-US">
+                <a:latin typeface="Calibri"/>
+                <a:ea typeface="Calibri"/>
+                <a:cs typeface="Calibri"/>
+                <a:sym typeface="Calibri"/>
+              </a:rPr>
+              <a:t>Abstract/HW agnostic instructions</a:t>
+            </a:r>
+            <a:endParaRPr>
+              <a:latin typeface="Calibri"/>
+              <a:ea typeface="Calibri"/>
+              <a:cs typeface="Calibri"/>
+              <a:sym typeface="Calibri"/>
+            </a:endParaRPr>
+          </a:p>
+        </p:txBody>
+      </p:sp>
+      <p:sp>
+        <p:nvSpPr>
+          <p:cNvPr id="170" name="Google Shape;170;p6"/>
+          <p:cNvSpPr/>
+          <p:nvPr/>
+        </p:nvSpPr>
+        <p:spPr>
+          <a:xfrm>
+            <a:off x="8317150" y="1070188"/>
+            <a:ext cx="3161400" cy="318600"/>
+          </a:xfrm>
+          <a:prstGeom prst="roundRect">
+            <a:avLst>
+              <a:gd fmla="val 16667" name="adj"/>
+            </a:avLst>
+          </a:prstGeom>
+          <a:solidFill>
+            <a:schemeClr val="lt2"/>
+          </a:solidFill>
+          <a:ln cap="flat" cmpd="sng" w="9525">
+            <a:solidFill>
+              <a:schemeClr val="dk2"/>
+            </a:solidFill>
+            <a:prstDash val="solid"/>
+            <a:round/>
+            <a:headEnd len="sm" w="sm" type="none"/>
+            <a:tailEnd len="sm" w="sm" type="none"/>
+          </a:ln>
+        </p:spPr>
+        <p:txBody>
+          <a:bodyPr anchorCtr="0" anchor="ctr" bIns="91425" lIns="91425" spcFirstLastPara="1" rIns="91425" wrap="square" tIns="91425">
+            <a:noAutofit/>
+          </a:bodyPr>
+          <a:lstStyle/>
+          <a:p>
+            <a:pPr indent="0" lvl="0" marL="0" rtl="0" algn="ctr">
+              <a:spcBef>
+                <a:spcPts val="0"/>
+              </a:spcBef>
+              <a:spcAft>
+                <a:spcPts val="0"/>
+              </a:spcAft>
+              <a:buNone/>
+            </a:pPr>
+            <a:r>
+              <a:rPr lang="en-US">
+                <a:latin typeface="Calibri"/>
+                <a:ea typeface="Calibri"/>
+                <a:cs typeface="Calibri"/>
+                <a:sym typeface="Calibri"/>
+              </a:rPr>
+              <a:t>HW specific instructions</a:t>
+            </a:r>
+            <a:endParaRPr>
+              <a:latin typeface="Calibri"/>
+              <a:ea typeface="Calibri"/>
+              <a:cs typeface="Calibri"/>
+              <a:sym typeface="Calibri"/>
+            </a:endParaRPr>
+          </a:p>
+        </p:txBody>
+      </p:sp>
+      <p:cxnSp>
+        <p:nvCxnSpPr>
+          <p:cNvPr id="171" name="Google Shape;171;p6"/>
+          <p:cNvCxnSpPr>
+            <a:stCxn id="169" idx="2"/>
+            <a:endCxn id="170" idx="0"/>
+          </p:cNvCxnSpPr>
+          <p:nvPr/>
+        </p:nvCxnSpPr>
+        <p:spPr>
+          <a:xfrm>
+            <a:off x="9897850" y="785525"/>
+            <a:ext cx="0" cy="284700"/>
+          </a:xfrm>
+          <a:prstGeom prst="straightConnector1">
+            <a:avLst/>
+          </a:prstGeom>
+          <a:noFill/>
+          <a:ln cap="flat" cmpd="sng" w="9525">
+            <a:solidFill>
+              <a:schemeClr val="dk2"/>
+            </a:solidFill>
+            <a:prstDash val="solid"/>
+            <a:round/>
+            <a:headEnd len="med" w="med" type="none"/>
+            <a:tailEnd len="med" w="med" type="triangle"/>
+          </a:ln>
+        </p:spPr>
+      </p:cxnSp>
+    </p:spTree>
+  </p:cSld>
+  <p:clrMapOvr>
+    <a:masterClrMapping/>
+  </p:clrMapOvr>
+  <mc:AlternateContent>
+    <mc:Choice Requires="p14">
+      <p:transition spd="slow" p14:dur="700">
+        <p:fade/>
+      </p:transition>
+    </mc:Choice>
+    <mc:Fallback>
+      <p:transition spd="slow">
+        <p:fade/>
+      </p:transition>
+    </mc:Fallback>
+  </mc:AlternateContent>
+</p:sld>
+</file>
+
+<file path=ppt/slides/slide9.xml><?xml version="1.0" encoding="utf-8"?>
+<p:sld xmlns:a="http://schemas.openxmlformats.org/drawingml/2006/main" xmlns:r="http://schemas.openxmlformats.org/officeDocument/2006/relationships" xmlns:mc="http://schemas.openxmlformats.org/markup-compatibility/2006" xmlns:mv="urn:schemas-microsoft-com:mac:vml" xmlns:p="http://schemas.openxmlformats.org/presentationml/2006/main" xmlns:c="http://schemas.openxmlformats.org/drawingml/2006/chart" xmlns:dgm="http://schemas.openxmlformats.org/drawingml/2006/diagram" xmlns:o="urn:schemas-microsoft-com:office:office" xmlns:v="urn:schemas-microsoft-com:vml" xmlns:pvml="urn:schemas-microsoft-com:office:powerpoint" xmlns:com="http://schemas.openxmlformats.org/drawingml/2006/compatibility" xmlns:p14="http://schemas.microsoft.com/office/powerpoint/2010/main" xmlns:p15="http://schemas.microsoft.com/office/powerpoint/2012/main" xmlns:ahyp="http://schemas.microsoft.com/office/drawing/2018/hyperlinkcolor">
+  <p:cSld>
+    <p:spTree>
+      <p:nvGrpSpPr>
+        <p:cNvPr id="175" name="Shape 175"/>
+        <p:cNvGrpSpPr/>
+        <p:nvPr/>
+      </p:nvGrpSpPr>
+      <p:grpSpPr>
+        <a:xfrm>
+          <a:off x="0" y="0"/>
+          <a:ext cx="0" cy="0"/>
+          <a:chOff x="0" y="0"/>
+          <a:chExt cx="0" cy="0"/>
+        </a:xfrm>
+      </p:grpSpPr>
+      <p:sp>
+        <p:nvSpPr>
+          <p:cNvPr id="176" name="Google Shape;176;p7"/>
+          <p:cNvSpPr txBox="1"/>
+          <p:nvPr>
+            <p:ph type="title"/>
+          </p:nvPr>
+        </p:nvSpPr>
+        <p:spPr>
+          <a:xfrm>
+            <a:off x="571370" y="571500"/>
+            <a:ext cx="11010816" cy="952499"/>
+          </a:xfrm>
+          <a:prstGeom prst="rect">
+            <a:avLst/>
+          </a:prstGeom>
+          <a:noFill/>
+          <a:ln>
+            <a:noFill/>
+          </a:ln>
+        </p:spPr>
+        <p:txBody>
+          <a:bodyPr anchorCtr="0" anchor="ctr" bIns="0" lIns="0" spcFirstLastPara="1" rIns="0" wrap="square" tIns="0">
+            <a:noAutofit/>
+          </a:bodyPr>
+          <a:lstStyle/>
+          <a:p>
+            <a:pPr indent="0" lvl="0" marL="0" rtl="0" algn="l">
+              <a:lnSpc>
+                <a:spcPct val="90000"/>
+              </a:lnSpc>
+              <a:spcBef>
+                <a:spcPts val="0"/>
+              </a:spcBef>
+              <a:spcAft>
+                <a:spcPts val="0"/>
+              </a:spcAft>
+              <a:buClr>
+                <a:srgbClr val="525252"/>
+              </a:buClr>
+              <a:buSzPts val="4000"/>
+              <a:buFont typeface="Calibri"/>
+              <a:buNone/>
+            </a:pPr>
+            <a:r>
+              <a:rPr lang="en-US"/>
+              <a:t>Memory hierarchy</a:t>
             </a:r>
             <a:endParaRPr/>
           </a:p>
@@ -27302,7 +29809,7 @@
       </p:sp>
       <p:pic>
         <p:nvPicPr>
-          <p:cNvPr descr="Изображение выглядит как стол&#10;&#10;Автоматически созданное описание" id="158" name="Google Shape;158;p8"/>
+          <p:cNvPr id="177" name="Google Shape;177;p7"/>
           <p:cNvPicPr preferRelativeResize="0"/>
           <p:nvPr>
             <p:ph idx="1" type="body"/>
@@ -27317,8 +29824,8 @@
         </p:blipFill>
         <p:spPr>
           <a:xfrm>
-            <a:off x="2178050" y="2125662"/>
-            <a:ext cx="7797900" cy="3670200"/>
+            <a:off x="2495690" y="1523999"/>
+            <a:ext cx="7200619" cy="4425220"/>
           </a:xfrm>
           <a:prstGeom prst="rect">
             <a:avLst/>
@@ -27331,14 +29838,14 @@
       </p:pic>
       <p:sp>
         <p:nvSpPr>
-          <p:cNvPr id="159" name="Google Shape;159;p8"/>
+          <p:cNvPr id="178" name="Google Shape;178;p7"/>
           <p:cNvSpPr txBox="1"/>
           <p:nvPr/>
         </p:nvSpPr>
         <p:spPr>
           <a:xfrm>
-            <a:off x="2679714" y="5795962"/>
-            <a:ext cx="6794100" cy="369300"/>
+            <a:off x="2110191" y="6101834"/>
+            <a:ext cx="7933174" cy="369332"/>
           </a:xfrm>
           <a:prstGeom prst="rect">
             <a:avLst/>
@@ -27388,7 +29895,7 @@
                   </a:extLst>
                 </a:hlinkClick>
               </a:rPr>
-              <a:t>https://www.cs.uni.edu/~fienup/cs041s08/lectures/lec13_reg_file.pdf</a:t>
+              <a:t>https://www.geeksforgeeks.org/memory-hierarchy-design-and-its-characteristics/</a:t>
             </a:r>
             <a:r>
               <a:rPr b="0" i="0" lang="en-US" sz="1800" u="none" cap="none" strike="noStrike">
